--- a/Pronanciation-feedback - Slideshow.pptx
+++ b/Pronanciation-feedback - Slideshow.pptx
@@ -5,7 +5,7 @@
     <p:sldMasterId id="2147483804" r:id="rId1"/>
   </p:sldMasterIdLst>
   <p:notesMasterIdLst>
-    <p:notesMasterId r:id="rId56"/>
+    <p:notesMasterId r:id="rId60"/>
   </p:notesMasterIdLst>
   <p:sldIdLst>
     <p:sldId id="256" r:id="rId2"/>
@@ -21,47 +21,51 @@
     <p:sldId id="322" r:id="rId12"/>
     <p:sldId id="323" r:id="rId13"/>
     <p:sldId id="324" r:id="rId14"/>
-    <p:sldId id="325" r:id="rId15"/>
-    <p:sldId id="331" r:id="rId16"/>
-    <p:sldId id="327" r:id="rId17"/>
-    <p:sldId id="357" r:id="rId18"/>
-    <p:sldId id="326" r:id="rId19"/>
-    <p:sldId id="358" r:id="rId20"/>
-    <p:sldId id="332" r:id="rId21"/>
-    <p:sldId id="333" r:id="rId22"/>
-    <p:sldId id="334" r:id="rId23"/>
-    <p:sldId id="359" r:id="rId24"/>
-    <p:sldId id="360" r:id="rId25"/>
-    <p:sldId id="335" r:id="rId26"/>
-    <p:sldId id="262" r:id="rId27"/>
-    <p:sldId id="336" r:id="rId28"/>
-    <p:sldId id="361" r:id="rId29"/>
-    <p:sldId id="337" r:id="rId30"/>
-    <p:sldId id="362" r:id="rId31"/>
-    <p:sldId id="338" r:id="rId32"/>
-    <p:sldId id="363" r:id="rId33"/>
-    <p:sldId id="339" r:id="rId34"/>
-    <p:sldId id="340" r:id="rId35"/>
-    <p:sldId id="341" r:id="rId36"/>
-    <p:sldId id="342" r:id="rId37"/>
-    <p:sldId id="365" r:id="rId38"/>
-    <p:sldId id="343" r:id="rId39"/>
-    <p:sldId id="344" r:id="rId40"/>
-    <p:sldId id="345" r:id="rId41"/>
-    <p:sldId id="346" r:id="rId42"/>
-    <p:sldId id="347" r:id="rId43"/>
-    <p:sldId id="350" r:id="rId44"/>
-    <p:sldId id="366" r:id="rId45"/>
-    <p:sldId id="352" r:id="rId46"/>
-    <p:sldId id="367" r:id="rId47"/>
-    <p:sldId id="353" r:id="rId48"/>
-    <p:sldId id="354" r:id="rId49"/>
-    <p:sldId id="355" r:id="rId50"/>
-    <p:sldId id="356" r:id="rId51"/>
-    <p:sldId id="348" r:id="rId52"/>
-    <p:sldId id="349" r:id="rId53"/>
-    <p:sldId id="351" r:id="rId54"/>
-    <p:sldId id="364" r:id="rId55"/>
+    <p:sldId id="368" r:id="rId15"/>
+    <p:sldId id="325" r:id="rId16"/>
+    <p:sldId id="331" r:id="rId17"/>
+    <p:sldId id="327" r:id="rId18"/>
+    <p:sldId id="357" r:id="rId19"/>
+    <p:sldId id="326" r:id="rId20"/>
+    <p:sldId id="358" r:id="rId21"/>
+    <p:sldId id="332" r:id="rId22"/>
+    <p:sldId id="333" r:id="rId23"/>
+    <p:sldId id="334" r:id="rId24"/>
+    <p:sldId id="359" r:id="rId25"/>
+    <p:sldId id="360" r:id="rId26"/>
+    <p:sldId id="335" r:id="rId27"/>
+    <p:sldId id="262" r:id="rId28"/>
+    <p:sldId id="336" r:id="rId29"/>
+    <p:sldId id="361" r:id="rId30"/>
+    <p:sldId id="337" r:id="rId31"/>
+    <p:sldId id="362" r:id="rId32"/>
+    <p:sldId id="338" r:id="rId33"/>
+    <p:sldId id="363" r:id="rId34"/>
+    <p:sldId id="339" r:id="rId35"/>
+    <p:sldId id="340" r:id="rId36"/>
+    <p:sldId id="341" r:id="rId37"/>
+    <p:sldId id="342" r:id="rId38"/>
+    <p:sldId id="365" r:id="rId39"/>
+    <p:sldId id="343" r:id="rId40"/>
+    <p:sldId id="344" r:id="rId41"/>
+    <p:sldId id="345" r:id="rId42"/>
+    <p:sldId id="346" r:id="rId43"/>
+    <p:sldId id="347" r:id="rId44"/>
+    <p:sldId id="350" r:id="rId45"/>
+    <p:sldId id="366" r:id="rId46"/>
+    <p:sldId id="352" r:id="rId47"/>
+    <p:sldId id="367" r:id="rId48"/>
+    <p:sldId id="353" r:id="rId49"/>
+    <p:sldId id="354" r:id="rId50"/>
+    <p:sldId id="355" r:id="rId51"/>
+    <p:sldId id="356" r:id="rId52"/>
+    <p:sldId id="348" r:id="rId53"/>
+    <p:sldId id="349" r:id="rId54"/>
+    <p:sldId id="351" r:id="rId55"/>
+    <p:sldId id="369" r:id="rId56"/>
+    <p:sldId id="370" r:id="rId57"/>
+    <p:sldId id="371" r:id="rId58"/>
+    <p:sldId id="364" r:id="rId59"/>
   </p:sldIdLst>
   <p:sldSz cx="9144000" cy="6858000" type="screen4x3"/>
   <p:notesSz cx="6858000" cy="9144000"/>
@@ -178,6 +182,7 @@
             <p14:sldId id="322"/>
             <p14:sldId id="323"/>
             <p14:sldId id="324"/>
+            <p14:sldId id="368"/>
             <p14:sldId id="325"/>
             <p14:sldId id="331"/>
             <p14:sldId id="327"/>
@@ -218,13 +223,16 @@
             <p14:sldId id="348"/>
             <p14:sldId id="349"/>
             <p14:sldId id="351"/>
+            <p14:sldId id="369"/>
+            <p14:sldId id="370"/>
+            <p14:sldId id="371"/>
             <p14:sldId id="364"/>
           </p14:sldIdLst>
         </p14:section>
       </p14:sectionLst>
     </p:ext>
     <p:ext uri="{EFAFB233-063F-42B5-8137-9DF3F51BA10A}">
-      <p15:sldGuideLst xmlns:p15="http://schemas.microsoft.com/office/powerpoint/2012/main" xmlns="">
+      <p15:sldGuideLst xmlns="" xmlns:p15="http://schemas.microsoft.com/office/powerpoint/2012/main">
         <p15:guide id="1" orient="horz" pos="2160">
           <p15:clr>
             <a:srgbClr val="A4A3A4"/>
@@ -238,7 +246,7 @@
       </p15:sldGuideLst>
     </p:ext>
     <p:ext uri="{2D200454-40CA-4A62-9FC3-DE9A4176ACB9}">
-      <p15:notesGuideLst xmlns:p15="http://schemas.microsoft.com/office/powerpoint/2012/main" xmlns="">
+      <p15:notesGuideLst xmlns="" xmlns:p15="http://schemas.microsoft.com/office/powerpoint/2012/main">
         <p15:guide id="1" orient="horz" pos="2880">
           <p15:clr>
             <a:srgbClr val="A4A3A4"/>
@@ -337,7 +345,7 @@
           <a:p>
             <a:fld id="{380D1295-367D-4FBA-9FDA-06C8AD1357C4}" type="datetimeFigureOut">
               <a:rPr lang="en-US" smtClean="0"/>
-              <a:t>26-Sep-16</a:t>
+              <a:t>27-Sep-16</a:t>
             </a:fld>
             <a:endParaRPr lang="en-US"/>
           </a:p>
@@ -649,7 +657,7 @@
           <a:bodyPr/>
           <a:lstStyle/>
           <a:p>
-            <a:endParaRPr lang="en-US"/>
+            <a:endParaRPr lang="en-US" dirty="0"/>
           </a:p>
         </p:txBody>
       </p:sp>
@@ -733,56 +741,6 @@
           <a:bodyPr/>
           <a:lstStyle/>
           <a:p>
-            <a:r>
-              <a:rPr lang="en-US" sz="1200" b="0" i="0" u="none" strike="noStrike" kern="1200" baseline="0" dirty="0" smtClean="0">
-                <a:solidFill>
-                  <a:schemeClr val="tx1"/>
-                </a:solidFill>
-                <a:latin typeface="+mn-lt"/>
-                <a:ea typeface="+mn-ea"/>
-                <a:cs typeface="+mn-cs"/>
-              </a:rPr>
-              <a:t>Given data containing many speech utterances and their phonetic content, we performed various</a:t>
-            </a:r>
-          </a:p>
-          <a:p>
-            <a:r>
-              <a:rPr lang="en-US" sz="1200" b="0" i="0" u="none" strike="noStrike" kern="1200" baseline="0" dirty="0" smtClean="0">
-                <a:solidFill>
-                  <a:schemeClr val="tx1"/>
-                </a:solidFill>
-                <a:latin typeface="+mn-lt"/>
-                <a:ea typeface="+mn-ea"/>
-                <a:cs typeface="+mn-cs"/>
-              </a:rPr>
-              <a:t>manipulations such as switching between syllables/phonemes in the same sentence, or or cutting out</a:t>
-            </a:r>
-          </a:p>
-          <a:p>
-            <a:r>
-              <a:rPr lang="en-US" sz="1200" b="0" i="0" u="none" strike="noStrike" kern="1200" baseline="0" dirty="0" smtClean="0">
-                <a:solidFill>
-                  <a:schemeClr val="tx1"/>
-                </a:solidFill>
-                <a:latin typeface="+mn-lt"/>
-                <a:ea typeface="+mn-ea"/>
-                <a:cs typeface="+mn-cs"/>
-              </a:rPr>
-              <a:t>single words with their corresponding phonemes, in order to achieve utterances in various pronunciation</a:t>
-            </a:r>
-          </a:p>
-          <a:p>
-            <a:r>
-              <a:rPr lang="en-US" sz="1200" b="0" i="0" u="none" strike="noStrike" kern="1200" baseline="0" dirty="0" smtClean="0">
-                <a:solidFill>
-                  <a:schemeClr val="tx1"/>
-                </a:solidFill>
-                <a:latin typeface="+mn-lt"/>
-                <a:ea typeface="+mn-ea"/>
-                <a:cs typeface="+mn-cs"/>
-              </a:rPr>
-              <a:t>levels.</a:t>
-            </a:r>
             <a:endParaRPr lang="en-US" dirty="0"/>
           </a:p>
         </p:txBody>
@@ -813,7 +771,7 @@
     </p:spTree>
     <p:extLst>
       <p:ext uri="{BB962C8B-B14F-4D97-AF65-F5344CB8AC3E}">
-        <p14:creationId xmlns:p14="http://schemas.microsoft.com/office/powerpoint/2010/main" val="2959319563"/>
+        <p14:creationId xmlns:p14="http://schemas.microsoft.com/office/powerpoint/2010/main" val="2761778405"/>
       </p:ext>
     </p:extLst>
   </p:cSld>
@@ -867,8 +825,7 @@
           <a:bodyPr/>
           <a:lstStyle/>
           <a:p>
-            <a:pPr algn="r" rtl="1"/>
-            <a:endParaRPr lang="en-US" baseline="0" dirty="0" smtClean="0"/>
+            <a:endParaRPr lang="en-US" dirty="0"/>
           </a:p>
         </p:txBody>
       </p:sp>
@@ -889,7 +846,7 @@
           <a:p>
             <a:fld id="{887C60C6-78D4-44EA-A25F-CC976DF0857A}" type="slidenum">
               <a:rPr lang="en-US" smtClean="0"/>
-              <a:t>26</a:t>
+              <a:t>23</a:t>
             </a:fld>
             <a:endParaRPr lang="en-US"/>
           </a:p>
@@ -898,7 +855,7 @@
     </p:spTree>
     <p:extLst>
       <p:ext uri="{BB962C8B-B14F-4D97-AF65-F5344CB8AC3E}">
-        <p14:creationId xmlns:p14="http://schemas.microsoft.com/office/powerpoint/2010/main" val="354750870"/>
+        <p14:creationId xmlns:p14="http://schemas.microsoft.com/office/powerpoint/2010/main" val="2959319563"/>
       </p:ext>
     </p:extLst>
   </p:cSld>
@@ -952,91 +909,8 @@
           <a:bodyPr/>
           <a:lstStyle/>
           <a:p>
-            <a:r>
-              <a:rPr lang="en-US" sz="1200" b="0" i="0" u="none" strike="noStrike" kern="1200" baseline="0" dirty="0" smtClean="0">
-                <a:solidFill>
-                  <a:schemeClr val="tx1"/>
-                </a:solidFill>
-                <a:latin typeface="+mn-lt"/>
-                <a:ea typeface="+mn-ea"/>
-                <a:cs typeface="+mn-cs"/>
-              </a:rPr>
-              <a:t>With the data we created we carried out experiments to figure out the behavior of the algorithm scores.</a:t>
-            </a:r>
-          </a:p>
-          <a:p>
-            <a:r>
-              <a:rPr lang="en-US" sz="1200" b="0" i="0" u="none" strike="noStrike" kern="1200" baseline="0" dirty="0" smtClean="0">
-                <a:solidFill>
-                  <a:schemeClr val="tx1"/>
-                </a:solidFill>
-                <a:latin typeface="+mn-lt"/>
-                <a:ea typeface="+mn-ea"/>
-                <a:cs typeface="+mn-cs"/>
-              </a:rPr>
-              <a:t>We mainly examined whether it indeed gives good scores for correctly pronounced words\sentences, and bad scores for those which were badly pronounced.</a:t>
-            </a:r>
-          </a:p>
-          <a:p>
-            <a:r>
-              <a:rPr lang="en-US" sz="1200" b="1" i="0" u="sng" strike="noStrike" kern="1200" baseline="0" dirty="0" smtClean="0">
-                <a:solidFill>
-                  <a:schemeClr val="tx1"/>
-                </a:solidFill>
-                <a:latin typeface="+mn-lt"/>
-                <a:ea typeface="+mn-ea"/>
-                <a:cs typeface="+mn-cs"/>
-              </a:rPr>
-              <a:t>Results</a:t>
-            </a:r>
-          </a:p>
-          <a:p>
-            <a:r>
-              <a:rPr lang="en-US" sz="1200" b="0" i="0" u="none" strike="noStrike" kern="1200" baseline="0" dirty="0" smtClean="0">
-                <a:solidFill>
-                  <a:schemeClr val="tx1"/>
-                </a:solidFill>
-                <a:latin typeface="+mn-lt"/>
-                <a:ea typeface="+mn-ea"/>
-                <a:cs typeface="+mn-cs"/>
-              </a:rPr>
-              <a:t>The results informed us with two issues:</a:t>
-            </a:r>
-          </a:p>
-          <a:p>
-            <a:pPr marL="171450" indent="-171450">
-              <a:buFont typeface="Arial" panose="020B0604020202020204" pitchFamily="34" charset="0"/>
-              <a:buChar char="•"/>
-            </a:pPr>
-            <a:r>
-              <a:rPr lang="en-US" sz="1200" b="0" i="0" u="none" strike="noStrike" kern="1200" baseline="0" dirty="0" smtClean="0">
-                <a:solidFill>
-                  <a:schemeClr val="tx1"/>
-                </a:solidFill>
-                <a:latin typeface="+mn-lt"/>
-                <a:ea typeface="+mn-ea"/>
-                <a:cs typeface="+mn-cs"/>
-              </a:rPr>
-              <a:t>The scores were not always uniform, and an objective look on a standalone score can't determine whether it's good or bad.</a:t>
-            </a:r>
-          </a:p>
-          <a:p>
-            <a:pPr marL="171450" indent="-171450">
-              <a:buFont typeface="Arial" panose="020B0604020202020204" pitchFamily="34" charset="0"/>
-              <a:buChar char="•"/>
-            </a:pPr>
-            <a:r>
-              <a:rPr lang="en-US" sz="1200" b="0" i="0" u="none" strike="noStrike" kern="1200" baseline="0" dirty="0" smtClean="0">
-                <a:solidFill>
-                  <a:schemeClr val="tx1"/>
-                </a:solidFill>
-                <a:latin typeface="+mn-lt"/>
-                <a:ea typeface="+mn-ea"/>
-                <a:cs typeface="+mn-cs"/>
-              </a:rPr>
-              <a:t> Sometimes a higher score is given to a different phoneme, say `a', other than to the one which was supposed to be said, say `b', although the user's speech does sound good and similar to `b', and seemingly has no reason to be interpreted as `a'.</a:t>
-            </a:r>
-            <a:endParaRPr lang="en-US" dirty="0"/>
+            <a:pPr algn="r" rtl="1"/>
+            <a:endParaRPr lang="en-US" baseline="0" dirty="0" smtClean="0"/>
           </a:p>
         </p:txBody>
       </p:sp>
@@ -1066,7 +940,7 @@
     </p:spTree>
     <p:extLst>
       <p:ext uri="{BB962C8B-B14F-4D97-AF65-F5344CB8AC3E}">
-        <p14:creationId xmlns:p14="http://schemas.microsoft.com/office/powerpoint/2010/main" val="1567138710"/>
+        <p14:creationId xmlns:p14="http://schemas.microsoft.com/office/powerpoint/2010/main" val="354750870"/>
       </p:ext>
     </p:extLst>
   </p:cSld>
@@ -1120,81 +994,6 @@
           <a:bodyPr/>
           <a:lstStyle/>
           <a:p>
-            <a:r>
-              <a:rPr lang="en-US" sz="1200" b="1" i="0" u="sng" strike="noStrike" kern="1200" baseline="0" dirty="0" smtClean="0">
-                <a:solidFill>
-                  <a:schemeClr val="tx1"/>
-                </a:solidFill>
-                <a:latin typeface="+mn-lt"/>
-                <a:ea typeface="+mn-ea"/>
-                <a:cs typeface="+mn-cs"/>
-              </a:rPr>
-              <a:t>Conclusions and Hypotheses</a:t>
-            </a:r>
-          </a:p>
-          <a:p>
-            <a:r>
-              <a:rPr lang="en-US" sz="1200" b="0" i="0" u="none" strike="noStrike" kern="1200" baseline="0" dirty="0" smtClean="0">
-                <a:solidFill>
-                  <a:schemeClr val="tx1"/>
-                </a:solidFill>
-                <a:latin typeface="+mn-lt"/>
-                <a:ea typeface="+mn-ea"/>
-                <a:cs typeface="+mn-cs"/>
-              </a:rPr>
-              <a:t>These issues raised questions on whether the algorithm is influenced by other speech features such as:</a:t>
-            </a:r>
-          </a:p>
-          <a:p>
-            <a:pPr marL="171450" indent="-171450">
-              <a:buFont typeface="Arial" panose="020B0604020202020204" pitchFamily="34" charset="0"/>
-              <a:buChar char="•"/>
-            </a:pPr>
-            <a:r>
-              <a:rPr lang="en-US" sz="1200" b="0" i="0" u="none" strike="noStrike" kern="1200" baseline="0" dirty="0" smtClean="0">
-                <a:solidFill>
-                  <a:schemeClr val="tx1"/>
-                </a:solidFill>
-                <a:latin typeface="+mn-lt"/>
-                <a:ea typeface="+mn-ea"/>
-                <a:cs typeface="+mn-cs"/>
-              </a:rPr>
-              <a:t>Duration of the utterance.</a:t>
-            </a:r>
-          </a:p>
-          <a:p>
-            <a:pPr marL="171450" indent="-171450">
-              <a:buFont typeface="Arial" panose="020B0604020202020204" pitchFamily="34" charset="0"/>
-              <a:buChar char="•"/>
-            </a:pPr>
-            <a:r>
-              <a:rPr lang="en-US" sz="1200" b="0" i="0" u="none" strike="noStrike" kern="1200" baseline="0" dirty="0" smtClean="0">
-                <a:solidFill>
-                  <a:schemeClr val="tx1"/>
-                </a:solidFill>
-                <a:latin typeface="+mn-lt"/>
-                <a:ea typeface="+mn-ea"/>
-                <a:cs typeface="+mn-cs"/>
-              </a:rPr>
-              <a:t>A whole sentence or a single word.</a:t>
-            </a:r>
-          </a:p>
-          <a:p>
-            <a:pPr marL="171450" indent="-171450">
-              <a:buFont typeface="Arial" panose="020B0604020202020204" pitchFamily="34" charset="0"/>
-              <a:buChar char="•"/>
-            </a:pPr>
-            <a:r>
-              <a:rPr lang="en-US" sz="1200" b="0" i="0" u="none" strike="noStrike" kern="1200" baseline="0" dirty="0" smtClean="0">
-                <a:solidFill>
-                  <a:schemeClr val="tx1"/>
-                </a:solidFill>
-                <a:latin typeface="+mn-lt"/>
-                <a:ea typeface="+mn-ea"/>
-                <a:cs typeface="+mn-cs"/>
-              </a:rPr>
-              <a:t>Silent frames at the beginning/ending of an utterance { do they increase or decrease the quality of the phoneme recognition and hence the final scores, and do cutting them out improves the algorithm performance.</a:t>
-            </a:r>
             <a:endParaRPr lang="en-US" dirty="0"/>
           </a:p>
         </p:txBody>
@@ -1216,7 +1015,7 @@
           <a:p>
             <a:fld id="{887C60C6-78D4-44EA-A25F-CC976DF0857A}" type="slidenum">
               <a:rPr lang="en-US" smtClean="0"/>
-              <a:t>29</a:t>
+              <a:t>28</a:t>
             </a:fld>
             <a:endParaRPr lang="en-US"/>
           </a:p>
@@ -1225,7 +1024,7 @@
     </p:spTree>
     <p:extLst>
       <p:ext uri="{BB962C8B-B14F-4D97-AF65-F5344CB8AC3E}">
-        <p14:creationId xmlns:p14="http://schemas.microsoft.com/office/powerpoint/2010/main" val="2425287538"/>
+        <p14:creationId xmlns:p14="http://schemas.microsoft.com/office/powerpoint/2010/main" val="1567138710"/>
       </p:ext>
     </p:extLst>
   </p:cSld>
@@ -1279,91 +1078,6 @@
           <a:bodyPr/>
           <a:lstStyle/>
           <a:p>
-            <a:r>
-              <a:rPr lang="en-US" sz="1200" b="0" i="0" u="none" strike="noStrike" kern="1200" baseline="0" dirty="0" smtClean="0">
-                <a:solidFill>
-                  <a:schemeClr val="tx1"/>
-                </a:solidFill>
-                <a:latin typeface="+mn-lt"/>
-                <a:ea typeface="+mn-ea"/>
-                <a:cs typeface="+mn-cs"/>
-              </a:rPr>
-              <a:t>We have researched for different ways to normalize the the scores, in order to make them more robust to the speech differences mentioned above, and mainly to transfer them into a restricted scale which we could use to determine a threshold for classifying the pronunciation quality. E.g. For a scale between</a:t>
-            </a:r>
-          </a:p>
-          <a:p>
-            <a:r>
-              <a:rPr lang="en-US" sz="1200" b="0" i="0" u="none" strike="noStrike" kern="1200" baseline="0" dirty="0" smtClean="0">
-                <a:solidFill>
-                  <a:schemeClr val="tx1"/>
-                </a:solidFill>
-                <a:latin typeface="+mn-lt"/>
-                <a:ea typeface="+mn-ea"/>
-                <a:cs typeface="+mn-cs"/>
-              </a:rPr>
-              <a:t>1 - 5 the score is higher as the quality gets better.</a:t>
-            </a:r>
-          </a:p>
-          <a:p>
-            <a:r>
-              <a:rPr lang="en-US" sz="1200" b="0" i="0" u="none" strike="noStrike" kern="1200" baseline="0" dirty="0" smtClean="0">
-                <a:solidFill>
-                  <a:schemeClr val="tx1"/>
-                </a:solidFill>
-                <a:latin typeface="+mn-lt"/>
-                <a:ea typeface="+mn-ea"/>
-                <a:cs typeface="+mn-cs"/>
-              </a:rPr>
-              <a:t>We have learned the following paper:</a:t>
-            </a:r>
-          </a:p>
-          <a:p>
-            <a:r>
-              <a:rPr lang="en-US" sz="1200" b="0" i="0" u="none" strike="noStrike" kern="1200" baseline="0" dirty="0" smtClean="0">
-                <a:solidFill>
-                  <a:schemeClr val="tx1"/>
-                </a:solidFill>
-                <a:latin typeface="+mn-lt"/>
-                <a:ea typeface="+mn-ea"/>
-                <a:cs typeface="+mn-cs"/>
-              </a:rPr>
-              <a:t>- Automatic scoring of pronunciation quality { By Leonardo Neumeyer, Horacio Franco, Vas-</a:t>
-            </a:r>
-            <a:r>
-              <a:rPr lang="en-US" sz="1200" b="0" i="0" u="none" strike="noStrike" kern="1200" baseline="0" dirty="0" err="1" smtClean="0">
-                <a:solidFill>
-                  <a:schemeClr val="tx1"/>
-                </a:solidFill>
-                <a:latin typeface="+mn-lt"/>
-                <a:ea typeface="+mn-ea"/>
-                <a:cs typeface="+mn-cs"/>
-              </a:rPr>
-              <a:t>silios</a:t>
-            </a:r>
-            <a:r>
-              <a:rPr lang="en-US" sz="1200" b="0" i="0" u="none" strike="noStrike" kern="1200" baseline="0" dirty="0" smtClean="0">
-                <a:solidFill>
-                  <a:schemeClr val="tx1"/>
-                </a:solidFill>
-                <a:latin typeface="+mn-lt"/>
-                <a:ea typeface="+mn-ea"/>
-                <a:cs typeface="+mn-cs"/>
-              </a:rPr>
-              <a:t> Digalakis and Mitchel Weintraub</a:t>
-            </a:r>
-          </a:p>
-          <a:p>
-            <a:r>
-              <a:rPr lang="en-US" sz="1200" b="0" i="0" u="none" strike="noStrike" kern="1200" baseline="0" dirty="0" smtClean="0">
-                <a:solidFill>
-                  <a:schemeClr val="tx1"/>
-                </a:solidFill>
-                <a:latin typeface="+mn-lt"/>
-                <a:ea typeface="+mn-ea"/>
-                <a:cs typeface="+mn-cs"/>
-              </a:rPr>
-              <a:t>which suggests different methods to normalize the score of an utterance into a scale of 0-1.</a:t>
-            </a:r>
             <a:endParaRPr lang="en-US" dirty="0"/>
           </a:p>
         </p:txBody>
@@ -1385,7 +1099,91 @@
           <a:p>
             <a:fld id="{887C60C6-78D4-44EA-A25F-CC976DF0857A}" type="slidenum">
               <a:rPr lang="en-US" smtClean="0"/>
-              <a:t>31</a:t>
+              <a:t>30</a:t>
+            </a:fld>
+            <a:endParaRPr lang="en-US"/>
+          </a:p>
+        </p:txBody>
+      </p:sp>
+    </p:spTree>
+    <p:extLst>
+      <p:ext uri="{BB962C8B-B14F-4D97-AF65-F5344CB8AC3E}">
+        <p14:creationId xmlns:p14="http://schemas.microsoft.com/office/powerpoint/2010/main" val="2425287538"/>
+      </p:ext>
+    </p:extLst>
+  </p:cSld>
+  <p:clrMapOvr>
+    <a:masterClrMapping/>
+  </p:clrMapOvr>
+</p:notes>
+</file>
+
+<file path=ppt/notesSlides/notesSlide15.xml><?xml version="1.0" encoding="utf-8"?>
+<p:notes xmlns:a="http://schemas.openxmlformats.org/drawingml/2006/main" xmlns:r="http://schemas.openxmlformats.org/officeDocument/2006/relationships" xmlns:p="http://schemas.openxmlformats.org/presentationml/2006/main">
+  <p:cSld>
+    <p:spTree>
+      <p:nvGrpSpPr>
+        <p:cNvPr id="1" name=""/>
+        <p:cNvGrpSpPr/>
+        <p:nvPr/>
+      </p:nvGrpSpPr>
+      <p:grpSpPr>
+        <a:xfrm>
+          <a:off x="0" y="0"/>
+          <a:ext cx="0" cy="0"/>
+          <a:chOff x="0" y="0"/>
+          <a:chExt cx="0" cy="0"/>
+        </a:xfrm>
+      </p:grpSpPr>
+      <p:sp>
+        <p:nvSpPr>
+          <p:cNvPr id="2" name="מציין מיקום של תמונת שקופית 1"/>
+          <p:cNvSpPr>
+            <a:spLocks noGrp="1" noRot="1" noChangeAspect="1"/>
+          </p:cNvSpPr>
+          <p:nvPr>
+            <p:ph type="sldImg"/>
+          </p:nvPr>
+        </p:nvSpPr>
+        <p:spPr/>
+      </p:sp>
+      <p:sp>
+        <p:nvSpPr>
+          <p:cNvPr id="3" name="מציין מיקום של הערות 2"/>
+          <p:cNvSpPr>
+            <a:spLocks noGrp="1"/>
+          </p:cNvSpPr>
+          <p:nvPr>
+            <p:ph type="body" idx="1"/>
+          </p:nvPr>
+        </p:nvSpPr>
+        <p:spPr/>
+        <p:txBody>
+          <a:bodyPr/>
+          <a:lstStyle/>
+          <a:p>
+            <a:endParaRPr lang="en-US" dirty="0"/>
+          </a:p>
+        </p:txBody>
+      </p:sp>
+      <p:sp>
+        <p:nvSpPr>
+          <p:cNvPr id="4" name="מציין מיקום של מספר שקופית 3"/>
+          <p:cNvSpPr>
+            <a:spLocks noGrp="1"/>
+          </p:cNvSpPr>
+          <p:nvPr>
+            <p:ph type="sldNum" sz="quarter" idx="10"/>
+          </p:nvPr>
+        </p:nvSpPr>
+        <p:spPr/>
+        <p:txBody>
+          <a:bodyPr/>
+          <a:lstStyle/>
+          <a:p>
+            <a:fld id="{887C60C6-78D4-44EA-A25F-CC976DF0857A}" type="slidenum">
+              <a:rPr lang="en-US" smtClean="0"/>
+              <a:t>32</a:t>
             </a:fld>
             <a:endParaRPr lang="en-US"/>
           </a:p>
@@ -1395,6 +1193,90 @@
     <p:extLst>
       <p:ext uri="{BB962C8B-B14F-4D97-AF65-F5344CB8AC3E}">
         <p14:creationId xmlns:p14="http://schemas.microsoft.com/office/powerpoint/2010/main" val="4146807313"/>
+      </p:ext>
+    </p:extLst>
+  </p:cSld>
+  <p:clrMapOvr>
+    <a:masterClrMapping/>
+  </p:clrMapOvr>
+</p:notes>
+</file>
+
+<file path=ppt/notesSlides/notesSlide16.xml><?xml version="1.0" encoding="utf-8"?>
+<p:notes xmlns:a="http://schemas.openxmlformats.org/drawingml/2006/main" xmlns:r="http://schemas.openxmlformats.org/officeDocument/2006/relationships" xmlns:p="http://schemas.openxmlformats.org/presentationml/2006/main">
+  <p:cSld>
+    <p:spTree>
+      <p:nvGrpSpPr>
+        <p:cNvPr id="1" name=""/>
+        <p:cNvGrpSpPr/>
+        <p:nvPr/>
+      </p:nvGrpSpPr>
+      <p:grpSpPr>
+        <a:xfrm>
+          <a:off x="0" y="0"/>
+          <a:ext cx="0" cy="0"/>
+          <a:chOff x="0" y="0"/>
+          <a:chExt cx="0" cy="0"/>
+        </a:xfrm>
+      </p:grpSpPr>
+      <p:sp>
+        <p:nvSpPr>
+          <p:cNvPr id="2" name="מציין מיקום של תמונת שקופית 1"/>
+          <p:cNvSpPr>
+            <a:spLocks noGrp="1" noRot="1" noChangeAspect="1"/>
+          </p:cNvSpPr>
+          <p:nvPr>
+            <p:ph type="sldImg"/>
+          </p:nvPr>
+        </p:nvSpPr>
+        <p:spPr/>
+      </p:sp>
+      <p:sp>
+        <p:nvSpPr>
+          <p:cNvPr id="3" name="מציין מיקום של הערות 2"/>
+          <p:cNvSpPr>
+            <a:spLocks noGrp="1"/>
+          </p:cNvSpPr>
+          <p:nvPr>
+            <p:ph type="body" idx="1"/>
+          </p:nvPr>
+        </p:nvSpPr>
+        <p:spPr/>
+        <p:txBody>
+          <a:bodyPr/>
+          <a:lstStyle/>
+          <a:p>
+            <a:endParaRPr lang="en-US" dirty="0"/>
+          </a:p>
+        </p:txBody>
+      </p:sp>
+      <p:sp>
+        <p:nvSpPr>
+          <p:cNvPr id="4" name="מציין מיקום של מספר שקופית 3"/>
+          <p:cNvSpPr>
+            <a:spLocks noGrp="1"/>
+          </p:cNvSpPr>
+          <p:nvPr>
+            <p:ph type="sldNum" sz="quarter" idx="10"/>
+          </p:nvPr>
+        </p:nvSpPr>
+        <p:spPr/>
+        <p:txBody>
+          <a:bodyPr/>
+          <a:lstStyle/>
+          <a:p>
+            <a:fld id="{887C60C6-78D4-44EA-A25F-CC976DF0857A}" type="slidenum">
+              <a:rPr lang="en-US" smtClean="0"/>
+              <a:t>55</a:t>
+            </a:fld>
+            <a:endParaRPr lang="en-US"/>
+          </a:p>
+        </p:txBody>
+      </p:sp>
+    </p:spTree>
+    <p:extLst>
+      <p:ext uri="{BB962C8B-B14F-4D97-AF65-F5344CB8AC3E}">
+        <p14:creationId xmlns:p14="http://schemas.microsoft.com/office/powerpoint/2010/main" val="3436425959"/>
       </p:ext>
     </p:extLst>
   </p:cSld>
@@ -1533,25 +1415,7 @@
           <a:lstStyle/>
           <a:p>
             <a:pPr algn="r" rtl="1"/>
-            <a:r>
-              <a:rPr lang="he-IL" dirty="0" smtClean="0"/>
-              <a:t>הנושא הראשון-</a:t>
-            </a:r>
-            <a:r>
-              <a:rPr lang="he-IL" baseline="0" dirty="0" smtClean="0"/>
-              <a:t> הפרדיגמה הסטנדרטית לניקוד הגייה. הולכת ככה:</a:t>
-            </a:r>
-          </a:p>
-          <a:p>
-            <a:pPr algn="r" rtl="1"/>
-            <a:r>
-              <a:rPr lang="he-IL" dirty="0" smtClean="0"/>
-              <a:t>מקבלים</a:t>
-            </a:r>
-            <a:r>
-              <a:rPr lang="he-IL" baseline="0" dirty="0" smtClean="0"/>
-              <a:t> דיבור מהתלמיד, משווים אותו להגייה של דובר שפת אם, וחוזים את הציון שמומחה אנושים היה נותן.</a:t>
-            </a:r>
+            <a:endParaRPr lang="he-IL" baseline="0" dirty="0" smtClean="0"/>
           </a:p>
         </p:txBody>
       </p:sp>
@@ -1635,78 +1499,7 @@
           <a:bodyPr/>
           <a:lstStyle/>
           <a:p>
-            <a:pPr marL="171450" indent="-171450">
-              <a:buFont typeface="Arial" panose="020B0604020202020204" pitchFamily="34" charset="0"/>
-              <a:buChar char="•"/>
-            </a:pPr>
-            <a:r>
-              <a:rPr lang="en-US" sz="1200" b="0" i="0" u="none" strike="noStrike" kern="1200" baseline="0" dirty="0" smtClean="0">
-                <a:solidFill>
-                  <a:schemeClr val="tx1"/>
-                </a:solidFill>
-                <a:latin typeface="+mn-lt"/>
-                <a:ea typeface="+mn-ea"/>
-                <a:cs typeface="+mn-cs"/>
-              </a:rPr>
-              <a:t>Phoneme alignment (“forced alignment") algorithms. </a:t>
-            </a:r>
-            <a:br>
-              <a:rPr lang="en-US" sz="1200" b="0" i="0" u="none" strike="noStrike" kern="1200" baseline="0" dirty="0" smtClean="0">
-                <a:solidFill>
-                  <a:schemeClr val="tx1"/>
-                </a:solidFill>
-                <a:latin typeface="+mn-lt"/>
-                <a:ea typeface="+mn-ea"/>
-                <a:cs typeface="+mn-cs"/>
-              </a:rPr>
-            </a:br>
-            <a:r>
-              <a:rPr lang="en-US" sz="1200" b="0" i="0" u="none" strike="noStrike" kern="1200" baseline="0" dirty="0" smtClean="0">
-                <a:solidFill>
-                  <a:schemeClr val="tx1"/>
-                </a:solidFill>
-                <a:latin typeface="+mn-lt"/>
-                <a:ea typeface="+mn-ea"/>
-                <a:cs typeface="+mn-cs"/>
-              </a:rPr>
-              <a:t>Given a speech utterance along with its phonetic content, phoneme alignment algorithms </a:t>
-            </a:r>
-            <a:r>
-              <a:rPr lang="en-US" dirty="0" smtClean="0"/>
-              <a:t>outputs alignment of the speech into the given known phonemes of the spoken word, giving each phoneme a start time, thus dividing the speech into time blocks of frames for each phoneme.</a:t>
-            </a:r>
-          </a:p>
-          <a:p>
-            <a:pPr marL="171450" indent="-171450">
-              <a:buFont typeface="Arial" panose="020B0604020202020204" pitchFamily="34" charset="0"/>
-              <a:buChar char="•"/>
-            </a:pPr>
-            <a:r>
-              <a:rPr lang="en-US" sz="1200" b="0" i="0" u="none" strike="noStrike" kern="1200" baseline="0" dirty="0" smtClean="0">
-                <a:solidFill>
-                  <a:schemeClr val="tx1"/>
-                </a:solidFill>
-                <a:latin typeface="+mn-lt"/>
-                <a:ea typeface="+mn-ea"/>
-                <a:cs typeface="+mn-cs"/>
-              </a:rPr>
-              <a:t>The phoneme aligner also outputs a confidence for each of the phonemes and a global confidence in its prediction.</a:t>
-            </a:r>
-          </a:p>
-          <a:p>
-            <a:pPr marL="171450" indent="-171450">
-              <a:buFont typeface="Arial" panose="020B0604020202020204" pitchFamily="34" charset="0"/>
-              <a:buChar char="•"/>
-            </a:pPr>
-            <a:r>
-              <a:rPr lang="en-US" dirty="0" smtClean="0"/>
-              <a:t>Current pronunciation feedback systems</a:t>
-            </a:r>
-            <a:r>
-              <a:rPr lang="en-US" baseline="0" dirty="0" smtClean="0"/>
-              <a:t> use such algorithms which are based on HMM – Hidden Markov Model.</a:t>
-            </a:r>
-            <a:endParaRPr lang="en-US" dirty="0" smtClean="0"/>
+            <a:endParaRPr lang="en-US" dirty="0"/>
           </a:p>
         </p:txBody>
       </p:sp>
@@ -1727,7 +1520,7 @@
           <a:p>
             <a:fld id="{887C60C6-78D4-44EA-A25F-CC976DF0857A}" type="slidenum">
               <a:rPr lang="en-US" smtClean="0"/>
-              <a:t>5</a:t>
+              <a:t>4</a:t>
             </a:fld>
             <a:endParaRPr lang="en-US"/>
           </a:p>
@@ -1736,7 +1529,7 @@
     </p:spTree>
     <p:extLst>
       <p:ext uri="{BB962C8B-B14F-4D97-AF65-F5344CB8AC3E}">
-        <p14:creationId xmlns:p14="http://schemas.microsoft.com/office/powerpoint/2010/main" val="3008271167"/>
+        <p14:creationId xmlns:p14="http://schemas.microsoft.com/office/powerpoint/2010/main" val="3278646316"/>
       </p:ext>
     </p:extLst>
   </p:cSld>
@@ -1790,38 +1583,11 @@
           <a:bodyPr/>
           <a:lstStyle/>
           <a:p>
-            <a:r>
-              <a:rPr lang="en-US" dirty="0" smtClean="0"/>
-              <a:t>In out project we explored this algorithm in order to maximize the measure of performance used to evaluate alignments, </a:t>
-            </a:r>
-            <a:r>
-              <a:rPr lang="en-US" sz="1200" b="0" i="0" u="none" strike="noStrike" kern="1200" baseline="0" dirty="0" smtClean="0">
-                <a:solidFill>
-                  <a:schemeClr val="tx1"/>
-                </a:solidFill>
-                <a:latin typeface="+mn-lt"/>
-                <a:ea typeface="+mn-ea"/>
-                <a:cs typeface="+mn-cs"/>
-              </a:rPr>
-              <a:t>rather than to just maximize</a:t>
-            </a:r>
-          </a:p>
-          <a:p>
-            <a:r>
-              <a:rPr lang="en-US" sz="1200" b="0" i="0" u="none" strike="noStrike" kern="1200" baseline="0" dirty="0" smtClean="0">
-                <a:solidFill>
-                  <a:schemeClr val="tx1"/>
-                </a:solidFill>
-                <a:latin typeface="+mn-lt"/>
-                <a:ea typeface="+mn-ea"/>
-                <a:cs typeface="+mn-cs"/>
-              </a:rPr>
-              <a:t>probabilities, as traditionally done in HMM-based algorithms, </a:t>
-            </a:r>
-            <a:r>
-              <a:rPr lang="en-US" dirty="0" smtClean="0"/>
-              <a:t>and change it to output scores for each spoken phoneme.</a:t>
-            </a:r>
+            <a:pPr marL="171450" indent="-171450">
+              <a:buFont typeface="Arial" panose="020B0604020202020204" pitchFamily="34" charset="0"/>
+              <a:buChar char="•"/>
+            </a:pPr>
+            <a:endParaRPr lang="en-US" dirty="0" smtClean="0"/>
           </a:p>
         </p:txBody>
       </p:sp>
@@ -1842,7 +1608,7 @@
           <a:p>
             <a:fld id="{887C60C6-78D4-44EA-A25F-CC976DF0857A}" type="slidenum">
               <a:rPr lang="en-US" smtClean="0"/>
-              <a:t>6</a:t>
+              <a:t>5</a:t>
             </a:fld>
             <a:endParaRPr lang="en-US"/>
           </a:p>
@@ -1851,7 +1617,7 @@
     </p:spTree>
     <p:extLst>
       <p:ext uri="{BB962C8B-B14F-4D97-AF65-F5344CB8AC3E}">
-        <p14:creationId xmlns:p14="http://schemas.microsoft.com/office/powerpoint/2010/main" val="2063148937"/>
+        <p14:creationId xmlns:p14="http://schemas.microsoft.com/office/powerpoint/2010/main" val="3008271167"/>
       </p:ext>
     </p:extLst>
   </p:cSld>
@@ -1905,7 +1671,7 @@
           <a:bodyPr/>
           <a:lstStyle/>
           <a:p>
-            <a:endParaRPr lang="en-US" dirty="0"/>
+            <a:endParaRPr lang="en-US" dirty="0" smtClean="0"/>
           </a:p>
         </p:txBody>
       </p:sp>
@@ -1926,7 +1692,7 @@
           <a:p>
             <a:fld id="{887C60C6-78D4-44EA-A25F-CC976DF0857A}" type="slidenum">
               <a:rPr lang="en-US" smtClean="0"/>
-              <a:t>16</a:t>
+              <a:t>6</a:t>
             </a:fld>
             <a:endParaRPr lang="en-US"/>
           </a:p>
@@ -1935,7 +1701,7 @@
     </p:spTree>
     <p:extLst>
       <p:ext uri="{BB962C8B-B14F-4D97-AF65-F5344CB8AC3E}">
-        <p14:creationId xmlns:p14="http://schemas.microsoft.com/office/powerpoint/2010/main" val="3495964369"/>
+        <p14:creationId xmlns:p14="http://schemas.microsoft.com/office/powerpoint/2010/main" val="2063148937"/>
       </p:ext>
     </p:extLst>
   </p:cSld>
@@ -1989,14 +1755,7 @@
           <a:bodyPr/>
           <a:lstStyle/>
           <a:p>
-            <a:pPr marL="171450" indent="-171450">
-              <a:buFont typeface="Arial" panose="020B0604020202020204" pitchFamily="34" charset="0"/>
-              <a:buChar char="•"/>
-            </a:pPr>
-            <a:r>
-              <a:rPr lang="en-US" dirty="0" smtClean="0"/>
-              <a:t> As mentioned, as a side effect, the algorithm uses scores for each time block which represent the quality of the desired phoneme recognition and directly implies the quality of the user’s pronunciation of this phoneme. </a:t>
-            </a:r>
+            <a:endParaRPr lang="en-US" dirty="0"/>
           </a:p>
         </p:txBody>
       </p:sp>
@@ -2017,7 +1776,7 @@
           <a:p>
             <a:fld id="{887C60C6-78D4-44EA-A25F-CC976DF0857A}" type="slidenum">
               <a:rPr lang="en-US" smtClean="0"/>
-              <a:t>18</a:t>
+              <a:t>17</a:t>
             </a:fld>
             <a:endParaRPr lang="en-US"/>
           </a:p>
@@ -2026,7 +1785,7 @@
     </p:spTree>
     <p:extLst>
       <p:ext uri="{BB962C8B-B14F-4D97-AF65-F5344CB8AC3E}">
-        <p14:creationId xmlns:p14="http://schemas.microsoft.com/office/powerpoint/2010/main" val="2148015303"/>
+        <p14:creationId xmlns:p14="http://schemas.microsoft.com/office/powerpoint/2010/main" val="3495964369"/>
       </p:ext>
     </p:extLst>
   </p:cSld>
@@ -2080,31 +1839,11 @@
           <a:bodyPr/>
           <a:lstStyle/>
           <a:p>
-            <a:pPr marL="0" marR="0" indent="0" algn="l" defTabSz="914400" rtl="0" eaLnBrk="1" fontAlgn="auto" latinLnBrk="0" hangingPunct="1">
-              <a:lnSpc>
-                <a:spcPct val="100000"/>
-              </a:lnSpc>
-              <a:spcBef>
-                <a:spcPts val="0"/>
-              </a:spcBef>
-              <a:spcAft>
-                <a:spcPts val="0"/>
-              </a:spcAft>
-              <a:buClrTx/>
-              <a:buSzTx/>
-              <a:buFontTx/>
-              <a:buNone/>
-              <a:tabLst/>
-              <a:defRPr/>
+            <a:pPr marL="171450" indent="-171450">
+              <a:buFont typeface="Arial" panose="020B0604020202020204" pitchFamily="34" charset="0"/>
+              <a:buChar char="•"/>
             </a:pPr>
-            <a:r>
-              <a:rPr lang="en-US" dirty="0" smtClean="0"/>
-              <a:t>The problem was that the nature of the scores mentioned above was not very clear. They were distributed in non restricted range, they didn’t behave uniformly for different kinds of speeches (such as whole sentences VS single words, American English native speakers VS Hebrew native speakers, etc.), and were not reliable enough to use them as is to make the desired final prediction of the user’s pronunciation quality. </a:t>
-            </a:r>
-            <a:endParaRPr lang="he-IL" dirty="0" smtClean="0"/>
-          </a:p>
-          <a:p>
-            <a:endParaRPr lang="en-US" dirty="0"/>
+            <a:endParaRPr lang="en-US" dirty="0" smtClean="0"/>
           </a:p>
         </p:txBody>
       </p:sp>
@@ -2125,7 +1864,7 @@
           <a:p>
             <a:fld id="{887C60C6-78D4-44EA-A25F-CC976DF0857A}" type="slidenum">
               <a:rPr lang="en-US" smtClean="0"/>
-              <a:t>20</a:t>
+              <a:t>19</a:t>
             </a:fld>
             <a:endParaRPr lang="en-US"/>
           </a:p>
@@ -2134,7 +1873,7 @@
     </p:spTree>
     <p:extLst>
       <p:ext uri="{BB962C8B-B14F-4D97-AF65-F5344CB8AC3E}">
-        <p14:creationId xmlns:p14="http://schemas.microsoft.com/office/powerpoint/2010/main" val="680887798"/>
+        <p14:creationId xmlns:p14="http://schemas.microsoft.com/office/powerpoint/2010/main" val="2148015303"/>
       </p:ext>
     </p:extLst>
   </p:cSld>
@@ -2188,30 +1927,6 @@
           <a:bodyPr/>
           <a:lstStyle/>
           <a:p>
-            <a:r>
-              <a:rPr lang="en-US" sz="1200" b="0" i="0" u="none" strike="noStrike" kern="1200" baseline="0" dirty="0" smtClean="0">
-                <a:solidFill>
-                  <a:schemeClr val="tx1"/>
-                </a:solidFill>
-                <a:latin typeface="+mn-lt"/>
-                <a:ea typeface="+mn-ea"/>
-                <a:cs typeface="+mn-cs"/>
-              </a:rPr>
-              <a:t>Changing the current code implementing the algorithm, so we could get the scores for every possible phoneme, and not only for the word's phonemes received in the input. Doing this allowed us to examine</a:t>
-            </a:r>
-          </a:p>
-          <a:p>
-            <a:r>
-              <a:rPr lang="en-US" sz="1200" b="0" i="0" u="none" strike="noStrike" kern="1200" baseline="0" dirty="0" smtClean="0">
-                <a:solidFill>
-                  <a:schemeClr val="tx1"/>
-                </a:solidFill>
-                <a:latin typeface="+mn-lt"/>
-                <a:ea typeface="+mn-ea"/>
-                <a:cs typeface="+mn-cs"/>
-              </a:rPr>
-              <a:t>the quality of the scores, and their behavior according to different inputs.</a:t>
-            </a:r>
             <a:endParaRPr lang="en-US" dirty="0"/>
           </a:p>
         </p:txBody>
@@ -2242,7 +1957,7 @@
     </p:spTree>
     <p:extLst>
       <p:ext uri="{BB962C8B-B14F-4D97-AF65-F5344CB8AC3E}">
-        <p14:creationId xmlns:p14="http://schemas.microsoft.com/office/powerpoint/2010/main" val="2761778405"/>
+        <p14:creationId xmlns:p14="http://schemas.microsoft.com/office/powerpoint/2010/main" val="680887798"/>
       </p:ext>
     </p:extLst>
   </p:cSld>
@@ -2444,7 +2159,7 @@
           <a:p>
             <a:fld id="{4E7438E1-117D-44FB-AC24-B79D899BA877}" type="datetimeFigureOut">
               <a:rPr lang="he-IL" smtClean="0"/>
-              <a:t>כ"ג/אלול/תשע"ו</a:t>
+              <a:t>כ"ד/אלול/תשע"ו</a:t>
             </a:fld>
             <a:endParaRPr lang="he-IL"/>
           </a:p>
@@ -2621,7 +2336,7 @@
           <a:p>
             <a:fld id="{4E7438E1-117D-44FB-AC24-B79D899BA877}" type="datetimeFigureOut">
               <a:rPr lang="he-IL" smtClean="0"/>
-              <a:t>כ"ג/אלול/תשע"ו</a:t>
+              <a:t>כ"ד/אלול/תשע"ו</a:t>
             </a:fld>
             <a:endParaRPr lang="he-IL"/>
           </a:p>
@@ -2808,7 +2523,7 @@
           <a:p>
             <a:fld id="{4E7438E1-117D-44FB-AC24-B79D899BA877}" type="datetimeFigureOut">
               <a:rPr lang="he-IL" smtClean="0"/>
-              <a:t>כ"ג/אלול/תשע"ו</a:t>
+              <a:t>כ"ד/אלול/תשע"ו</a:t>
             </a:fld>
             <a:endParaRPr lang="he-IL"/>
           </a:p>
@@ -3003,7 +2718,7 @@
           <a:p>
             <a:fld id="{4E7438E1-117D-44FB-AC24-B79D899BA877}" type="datetimeFigureOut">
               <a:rPr lang="he-IL" smtClean="0"/>
-              <a:t>כ"ג/אלול/תשע"ו</a:t>
+              <a:t>כ"ד/אלול/תשע"ו</a:t>
             </a:fld>
             <a:endParaRPr lang="he-IL"/>
           </a:p>
@@ -3277,7 +2992,7 @@
           <a:p>
             <a:fld id="{4E7438E1-117D-44FB-AC24-B79D899BA877}" type="datetimeFigureOut">
               <a:rPr lang="he-IL" smtClean="0"/>
-              <a:t>כ"ג/אלול/תשע"ו</a:t>
+              <a:t>כ"ד/אלול/תשע"ו</a:t>
             </a:fld>
             <a:endParaRPr lang="he-IL"/>
           </a:p>
@@ -3637,7 +3352,7 @@
           <a:p>
             <a:fld id="{4E7438E1-117D-44FB-AC24-B79D899BA877}" type="datetimeFigureOut">
               <a:rPr lang="he-IL" smtClean="0"/>
-              <a:t>כ"ג/אלול/תשע"ו</a:t>
+              <a:t>כ"ד/אלול/תשע"ו</a:t>
             </a:fld>
             <a:endParaRPr lang="he-IL"/>
           </a:p>
@@ -3957,7 +3672,7 @@
           <a:p>
             <a:fld id="{4E7438E1-117D-44FB-AC24-B79D899BA877}" type="datetimeFigureOut">
               <a:rPr lang="he-IL" smtClean="0"/>
-              <a:t>כ"ג/אלול/תשע"ו</a:t>
+              <a:t>כ"ד/אלול/תשע"ו</a:t>
             </a:fld>
             <a:endParaRPr lang="he-IL"/>
           </a:p>
@@ -4196,7 +3911,7 @@
           <a:p>
             <a:fld id="{4E7438E1-117D-44FB-AC24-B79D899BA877}" type="datetimeFigureOut">
               <a:rPr lang="he-IL" smtClean="0"/>
-              <a:t>כ"ג/אלול/תשע"ו</a:t>
+              <a:t>כ"ד/אלול/תשע"ו</a:t>
             </a:fld>
             <a:endParaRPr lang="he-IL"/>
           </a:p>
@@ -4298,7 +4013,7 @@
           <a:p>
             <a:fld id="{4E7438E1-117D-44FB-AC24-B79D899BA877}" type="datetimeFigureOut">
               <a:rPr lang="he-IL" smtClean="0"/>
-              <a:t>כ"ג/אלול/תשע"ו</a:t>
+              <a:t>כ"ד/אלול/תשע"ו</a:t>
             </a:fld>
             <a:endParaRPr lang="he-IL"/>
           </a:p>
@@ -4598,7 +4313,7 @@
           <a:p>
             <a:fld id="{4E7438E1-117D-44FB-AC24-B79D899BA877}" type="datetimeFigureOut">
               <a:rPr lang="he-IL" smtClean="0"/>
-              <a:t>כ"ג/אלול/תשע"ו</a:t>
+              <a:t>כ"ד/אלול/תשע"ו</a:t>
             </a:fld>
             <a:endParaRPr lang="he-IL"/>
           </a:p>
@@ -4879,7 +4594,7 @@
           <a:p>
             <a:fld id="{4E7438E1-117D-44FB-AC24-B79D899BA877}" type="datetimeFigureOut">
               <a:rPr lang="he-IL" smtClean="0"/>
-              <a:t>כ"ג/אלול/תשע"ו</a:t>
+              <a:t>כ"ד/אלול/תשע"ו</a:t>
             </a:fld>
             <a:endParaRPr lang="he-IL"/>
           </a:p>
@@ -5101,7 +4816,7 @@
           <a:p>
             <a:fld id="{4E7438E1-117D-44FB-AC24-B79D899BA877}" type="datetimeFigureOut">
               <a:rPr lang="he-IL" smtClean="0"/>
-              <a:t>כ"ג/אלול/תשע"ו</a:t>
+              <a:t>כ"ד/אלול/תשע"ו</a:t>
             </a:fld>
             <a:endParaRPr lang="he-IL"/>
           </a:p>
@@ -5810,23 +5525,61 @@
             </a:r>
             <a:r>
               <a:rPr lang="en-US" dirty="0"/>
-              <a:t>user's voice is recorded and along with its canonical phonetic content it </a:t>
+              <a:t>user's voice is </a:t>
             </a:r>
             <a:r>
               <a:rPr lang="en-US" dirty="0" smtClean="0"/>
-              <a:t>is served </a:t>
+              <a:t>recorded.</a:t>
+            </a:r>
+            <a:br>
+              <a:rPr lang="en-US" dirty="0" smtClean="0"/>
+            </a:br>
+            <a:r>
+              <a:rPr lang="en-US" dirty="0" smtClean="0"/>
+              <a:t>    Along </a:t>
             </a:r>
             <a:r>
               <a:rPr lang="en-US" dirty="0"/>
-              <a:t>as an </a:t>
+              <a:t>with its </a:t>
             </a:r>
             <a:r>
               <a:rPr lang="en-US" dirty="0" smtClean="0"/>
-              <a:t>input to </a:t>
+              <a:t>phonetic </a:t>
             </a:r>
             <a:r>
               <a:rPr lang="en-US" dirty="0"/>
-              <a:t>a phoneme alignment algorithm on the server side.</a:t>
+              <a:t>content it </a:t>
+            </a:r>
+            <a:r>
+              <a:rPr lang="en-US" dirty="0" smtClean="0"/>
+              <a:t>is </a:t>
+            </a:r>
+            <a:r>
+              <a:rPr lang="en-US" dirty="0" smtClean="0"/>
+              <a:t>sent to a </a:t>
+            </a:r>
+            <a:br>
+              <a:rPr lang="en-US" dirty="0" smtClean="0"/>
+            </a:br>
+            <a:r>
+              <a:rPr lang="en-US" dirty="0" smtClean="0"/>
+              <a:t>    phoneme </a:t>
+            </a:r>
+            <a:r>
+              <a:rPr lang="en-US" dirty="0"/>
+              <a:t>alignment </a:t>
+            </a:r>
+            <a:r>
+              <a:rPr lang="en-US" dirty="0" smtClean="0"/>
+              <a:t>system on </a:t>
+            </a:r>
+            <a:r>
+              <a:rPr lang="en-US" dirty="0"/>
+              <a:t>the </a:t>
+            </a:r>
+            <a:r>
+              <a:rPr lang="en-US" dirty="0" smtClean="0"/>
+              <a:t>server.</a:t>
             </a:r>
             <a:endParaRPr lang="he-IL" dirty="0"/>
           </a:p>
@@ -5964,7 +5717,31 @@
             </a:r>
             <a:r>
               <a:rPr lang="en-US" dirty="0"/>
-              <a:t> The algorithm uses a phoneme classier module to provide scores for each phoneme at each </a:t>
+              <a:t> The </a:t>
+            </a:r>
+            <a:r>
+              <a:rPr lang="en-US" dirty="0" smtClean="0"/>
+              <a:t>system uses </a:t>
+            </a:r>
+            <a:r>
+              <a:rPr lang="en-US" dirty="0"/>
+              <a:t>a </a:t>
+            </a:r>
+            <a:r>
+              <a:rPr lang="en-US" i="1" dirty="0"/>
+              <a:t>phoneme </a:t>
+            </a:r>
+            <a:r>
+              <a:rPr lang="en-US" i="1" dirty="0" smtClean="0"/>
+              <a:t>classifier </a:t>
+            </a:r>
+            <a:r>
+              <a:rPr lang="en-US" i="1" dirty="0"/>
+              <a:t>module</a:t>
+            </a:r>
+            <a:r>
+              <a:rPr lang="en-US" dirty="0"/>
+              <a:t> to provide scores for each phoneme at each </a:t>
             </a:r>
             <a:r>
               <a:rPr lang="en-US" dirty="0" smtClean="0"/>
@@ -6114,15 +5891,19 @@
             </a:r>
             <a:r>
               <a:rPr lang="en-US" dirty="0"/>
-              <a:t>the most probable start time (frame) of each phoneme by calculating the </a:t>
+              <a:t>the most probable start time (frame) of each </a:t>
             </a:r>
             <a:r>
               <a:rPr lang="en-US" dirty="0" smtClean="0"/>
-              <a:t>“path</a:t>
+              <a:t>phoneme </a:t>
             </a:r>
             <a:r>
               <a:rPr lang="en-US" dirty="0"/>
-              <a:t>", </a:t>
+              <a:t>by </a:t>
+            </a:r>
+            <a:r>
+              <a:rPr lang="en-US" dirty="0" smtClean="0"/>
+              <a:t>computing </a:t>
             </a:r>
             <a:r>
               <a:rPr lang="en-US" dirty="0" smtClean="0"/>
@@ -6251,8 +6032,8 @@
         </p:nvSpPr>
         <p:spPr>
           <a:xfrm>
-            <a:off x="395536" y="548680"/>
-            <a:ext cx="8352928" cy="4824536"/>
+            <a:off x="520752" y="1124744"/>
+            <a:ext cx="8352928" cy="2738817"/>
           </a:xfrm>
         </p:spPr>
         <p:txBody>
@@ -6269,77 +6050,52 @@
               <a:t>5. </a:t>
             </a:r>
             <a:r>
+              <a:rPr lang="en-US" sz="2600" dirty="0" smtClean="0"/>
+              <a:t>The algorithm </a:t>
+            </a:r>
+            <a:r>
               <a:rPr lang="en-US" sz="2600" dirty="0"/>
-              <a:t>For each frame the algorithm compares between the score given to the desired phoneme, </a:t>
+              <a:t>compares </a:t>
             </a:r>
             <a:r>
               <a:rPr lang="en-US" sz="2600" dirty="0" smtClean="0"/>
-              <a:t>which was </a:t>
-            </a:r>
+              <a:t>between: </a:t>
+            </a:r>
+          </a:p>
+          <a:p>
             <a:r>
               <a:rPr lang="en-US" sz="2600" dirty="0"/>
-              <a:t>given as </a:t>
+              <a:t>T</a:t>
             </a:r>
             <a:r>
               <a:rPr lang="en-US" sz="2600" dirty="0" smtClean="0"/>
-              <a:t>input, </a:t>
+              <a:t>he </a:t>
             </a:r>
             <a:r>
               <a:rPr lang="en-US" sz="2600" dirty="0"/>
-              <a:t>and the maximum </a:t>
+              <a:t>score given to the desired </a:t>
             </a:r>
             <a:r>
               <a:rPr lang="en-US" sz="2600" dirty="0" smtClean="0"/>
-              <a:t>score given </a:t>
+              <a:t>phoneme.</a:t>
+            </a:r>
+          </a:p>
+          <a:p>
+            <a:r>
+              <a:rPr lang="en-US" sz="2600" dirty="0" smtClean="0"/>
+              <a:t>And </a:t>
             </a:r>
             <a:r>
               <a:rPr lang="en-US" sz="2600" dirty="0"/>
-              <a:t>among all the phonemes, which represents the phoneme the user most likely said. </a:t>
+              <a:t>the maximum </a:t>
             </a:r>
             <a:r>
               <a:rPr lang="en-US" sz="2600" dirty="0" smtClean="0"/>
-              <a:t/>
-            </a:r>
-            <a:br>
-              <a:rPr lang="en-US" sz="2600" dirty="0" smtClean="0"/>
-            </a:br>
-            <a:r>
-              <a:rPr lang="en-US" sz="2600" dirty="0" smtClean="0"/>
-              <a:t/>
-            </a:r>
-            <a:br>
-              <a:rPr lang="en-US" sz="2600" dirty="0" smtClean="0"/>
-            </a:br>
-            <a:r>
-              <a:rPr lang="en-US" sz="2600" dirty="0" smtClean="0"/>
-              <a:t>The final </a:t>
+              <a:t>score out of </a:t>
             </a:r>
             <a:r>
               <a:rPr lang="en-US" sz="2600" dirty="0"/>
-              <a:t>scores for each phoneme is the ratio between these two </a:t>
-            </a:r>
-            <a:r>
-              <a:rPr lang="en-US" sz="2600" dirty="0" smtClean="0"/>
-              <a:t>scores.</a:t>
-            </a:r>
-            <a:br>
-              <a:rPr lang="en-US" sz="2600" dirty="0" smtClean="0"/>
-            </a:br>
-            <a:r>
-              <a:rPr lang="en-US" sz="2600" dirty="0" smtClean="0"/>
-              <a:t>It ranges </a:t>
-            </a:r>
-            <a:r>
-              <a:rPr lang="en-US" sz="2600" dirty="0"/>
-              <a:t>from 0 to 1 </a:t>
-            </a:r>
-            <a:r>
-              <a:rPr lang="en-US" sz="2600" dirty="0" smtClean="0"/>
-              <a:t>and defines </a:t>
-            </a:r>
-            <a:r>
-              <a:rPr lang="en-US" sz="2600" dirty="0"/>
-              <a:t>the distance between the user's and the desired pronunciation.</a:t>
+              <a:t>all the phonemes, which represents the phoneme the user most likely said. </a:t>
             </a:r>
             <a:endParaRPr lang="he-IL" sz="2600" dirty="0"/>
           </a:p>
@@ -6368,8 +6124,8 @@
         </p:blipFill>
         <p:spPr bwMode="auto">
           <a:xfrm>
-            <a:off x="5508104" y="4564966"/>
-            <a:ext cx="3365576" cy="1821272"/>
+            <a:off x="4211960" y="3863561"/>
+            <a:ext cx="4661720" cy="2522677"/>
           </a:xfrm>
           <a:prstGeom prst="rect">
             <a:avLst/>
@@ -6460,14 +6216,163 @@
         </p:nvSpPr>
         <p:spPr>
           <a:xfrm>
-            <a:off x="467544" y="764704"/>
-            <a:ext cx="8229600" cy="4525963"/>
+            <a:off x="467544" y="1437412"/>
+            <a:ext cx="8229600" cy="2404864"/>
           </a:xfrm>
         </p:spPr>
         <p:txBody>
           <a:bodyPr/>
           <a:lstStyle/>
           <a:p>
+            <a:r>
+              <a:rPr lang="en-US" dirty="0"/>
+              <a:t>The algorithm </a:t>
+            </a:r>
+            <a:r>
+              <a:rPr lang="en-US" dirty="0" smtClean="0"/>
+              <a:t>computes the </a:t>
+            </a:r>
+            <a:r>
+              <a:rPr lang="en-US" dirty="0"/>
+              <a:t>final scores for each </a:t>
+            </a:r>
+            <a:r>
+              <a:rPr lang="en-US" dirty="0" smtClean="0"/>
+              <a:t>phoneme. </a:t>
+            </a:r>
+          </a:p>
+          <a:p>
+            <a:r>
+              <a:rPr lang="en-US" dirty="0" smtClean="0"/>
+              <a:t>It </a:t>
+            </a:r>
+            <a:r>
+              <a:rPr lang="en-US" dirty="0"/>
+              <a:t>ranges from 0 to 1 and defines the distance between the user's and the desired pronunciation.</a:t>
+            </a:r>
+            <a:endParaRPr lang="he-IL" dirty="0"/>
+          </a:p>
+          <a:p>
+            <a:endParaRPr lang="en-US" dirty="0"/>
+          </a:p>
+        </p:txBody>
+      </p:sp>
+      <p:pic>
+        <p:nvPicPr>
+          <p:cNvPr id="4" name="Picture 3"/>
+          <p:cNvPicPr>
+            <a:picLocks noChangeAspect="1" noChangeArrowheads="1"/>
+          </p:cNvPicPr>
+          <p:nvPr/>
+        </p:nvPicPr>
+        <p:blipFill>
+          <a:blip r:embed="rId2">
+            <a:extLst>
+              <a:ext uri="{28A0092B-C50C-407E-A947-70E740481C1C}">
+                <a14:useLocalDpi xmlns:a14="http://schemas.microsoft.com/office/drawing/2010/main" val="0"/>
+              </a:ext>
+            </a:extLst>
+          </a:blip>
+          <a:srcRect/>
+          <a:stretch>
+            <a:fillRect/>
+          </a:stretch>
+        </p:blipFill>
+        <p:spPr bwMode="auto">
+          <a:xfrm>
+            <a:off x="4211960" y="3863561"/>
+            <a:ext cx="4661720" cy="2522677"/>
+          </a:xfrm>
+          <a:prstGeom prst="rect">
+            <a:avLst/>
+          </a:prstGeom>
+          <a:noFill/>
+          <a:ln>
+            <a:noFill/>
+          </a:ln>
+          <a:extLst>
+            <a:ext uri="{909E8E84-426E-40DD-AFC4-6F175D3DCCD1}">
+              <a14:hiddenFill xmlns:a14="http://schemas.microsoft.com/office/drawing/2010/main">
+                <a:solidFill>
+                  <a:schemeClr val="accent1"/>
+                </a:solidFill>
+              </a14:hiddenFill>
+            </a:ext>
+            <a:ext uri="{91240B29-F687-4F45-9708-019B960494DF}">
+              <a14:hiddenLine xmlns:a14="http://schemas.microsoft.com/office/drawing/2010/main" w="9525">
+                <a:solidFill>
+                  <a:schemeClr val="tx1"/>
+                </a:solidFill>
+                <a:miter lim="800000"/>
+                <a:headEnd/>
+                <a:tailEnd/>
+              </a14:hiddenLine>
+            </a:ext>
+          </a:extLst>
+        </p:spPr>
+      </p:pic>
+    </p:spTree>
+    <p:extLst>
+      <p:ext uri="{BB962C8B-B14F-4D97-AF65-F5344CB8AC3E}">
+        <p14:creationId xmlns:p14="http://schemas.microsoft.com/office/powerpoint/2010/main" val="1422830605"/>
+      </p:ext>
+    </p:extLst>
+  </p:cSld>
+  <p:clrMapOvr>
+    <a:masterClrMapping/>
+  </p:clrMapOvr>
+  <mc:AlternateContent xmlns:mc="http://schemas.openxmlformats.org/markup-compatibility/2006" xmlns:p14="http://schemas.microsoft.com/office/powerpoint/2010/main">
+    <mc:Choice Requires="p14">
+      <p:transition spd="med" p14:dur="700">
+        <p:fade/>
+      </p:transition>
+    </mc:Choice>
+    <mc:Fallback xmlns="">
+      <p:transition spd="med">
+        <p:fade/>
+      </p:transition>
+    </mc:Fallback>
+  </mc:AlternateContent>
+</p:sld>
+</file>
+
+<file path=ppt/slides/slide15.xml><?xml version="1.0" encoding="utf-8"?>
+<p:sld xmlns:a="http://schemas.openxmlformats.org/drawingml/2006/main" xmlns:r="http://schemas.openxmlformats.org/officeDocument/2006/relationships" xmlns:p="http://schemas.openxmlformats.org/presentationml/2006/main">
+  <p:cSld>
+    <p:spTree>
+      <p:nvGrpSpPr>
+        <p:cNvPr id="1" name=""/>
+        <p:cNvGrpSpPr/>
+        <p:nvPr/>
+      </p:nvGrpSpPr>
+      <p:grpSpPr>
+        <a:xfrm>
+          <a:off x="0" y="0"/>
+          <a:ext cx="0" cy="0"/>
+          <a:chOff x="0" y="0"/>
+          <a:chExt cx="0" cy="0"/>
+        </a:xfrm>
+      </p:grpSpPr>
+      <p:sp>
+        <p:nvSpPr>
+          <p:cNvPr id="3" name="מציין מיקום תוכן 2"/>
+          <p:cNvSpPr>
+            <a:spLocks noGrp="1"/>
+          </p:cNvSpPr>
+          <p:nvPr>
+            <p:ph idx="1"/>
+          </p:nvPr>
+        </p:nvSpPr>
+        <p:spPr>
+          <a:xfrm>
+            <a:off x="467544" y="764704"/>
+            <a:ext cx="8229600" cy="1319143"/>
+          </a:xfrm>
+        </p:spPr>
+        <p:txBody>
+          <a:bodyPr/>
+          <a:lstStyle/>
+          <a:p>
             <a:pPr marL="0" indent="0">
               <a:buNone/>
             </a:pPr>
@@ -6477,15 +6382,23 @@
             </a:r>
             <a:r>
               <a:rPr lang="en-US" dirty="0"/>
-              <a:t>The server then sends these </a:t>
+              <a:t>The server </a:t>
             </a:r>
             <a:r>
               <a:rPr lang="en-US" dirty="0" smtClean="0"/>
-              <a:t>final </a:t>
+              <a:t>sends the final </a:t>
             </a:r>
             <a:r>
               <a:rPr lang="en-US" dirty="0"/>
-              <a:t>scores to the client application, and it presents the </a:t>
+              <a:t>scores to the </a:t>
+            </a:r>
+            <a:r>
+              <a:rPr lang="en-US" dirty="0" smtClean="0"/>
+              <a:t>client application, which  </a:t>
+            </a:r>
+            <a:r>
+              <a:rPr lang="en-US" dirty="0"/>
+              <a:t>presents the </a:t>
             </a:r>
             <a:r>
               <a:rPr lang="en-US" dirty="0" smtClean="0"/>
@@ -6585,7 +6498,7 @@
 </p:sld>
 </file>
 
-<file path=ppt/slides/slide15.xml><?xml version="1.0" encoding="utf-8"?>
+<file path=ppt/slides/slide16.xml><?xml version="1.0" encoding="utf-8"?>
 <p:sld xmlns:a="http://schemas.openxmlformats.org/drawingml/2006/main" xmlns:r="http://schemas.openxmlformats.org/officeDocument/2006/relationships" xmlns:p="http://schemas.openxmlformats.org/presentationml/2006/main">
   <p:cSld>
     <p:spTree>
@@ -6662,7 +6575,7 @@
 </p:sld>
 </file>
 
-<file path=ppt/slides/slide16.xml><?xml version="1.0" encoding="utf-8"?>
+<file path=ppt/slides/slide17.xml><?xml version="1.0" encoding="utf-8"?>
 <p:sld xmlns:a="http://schemas.openxmlformats.org/drawingml/2006/main" xmlns:r="http://schemas.openxmlformats.org/officeDocument/2006/relationships" xmlns:p="http://schemas.openxmlformats.org/presentationml/2006/main">
   <p:cSld>
     <p:spTree>
@@ -6926,7 +6839,7 @@
 </p:sld>
 </file>
 
-<file path=ppt/slides/slide17.xml><?xml version="1.0" encoding="utf-8"?>
+<file path=ppt/slides/slide18.xml><?xml version="1.0" encoding="utf-8"?>
 <p:sld xmlns:a="http://schemas.openxmlformats.org/drawingml/2006/main" xmlns:r="http://schemas.openxmlformats.org/officeDocument/2006/relationships" xmlns:p="http://schemas.openxmlformats.org/presentationml/2006/main">
   <p:cSld>
     <p:spTree>
@@ -7121,7 +7034,7 @@
 </p:sld>
 </file>
 
-<file path=ppt/slides/slide18.xml><?xml version="1.0" encoding="utf-8"?>
+<file path=ppt/slides/slide19.xml><?xml version="1.0" encoding="utf-8"?>
 <p:sld xmlns:a="http://schemas.openxmlformats.org/drawingml/2006/main" xmlns:r="http://schemas.openxmlformats.org/officeDocument/2006/relationships" xmlns:p="http://schemas.openxmlformats.org/presentationml/2006/main">
   <p:cSld>
     <p:spTree>
@@ -7294,7 +7207,82 @@
 </p:sld>
 </file>
 
-<file path=ppt/slides/slide19.xml><?xml version="1.0" encoding="utf-8"?>
+<file path=ppt/slides/slide2.xml><?xml version="1.0" encoding="utf-8"?>
+<p:sld xmlns:a="http://schemas.openxmlformats.org/drawingml/2006/main" xmlns:r="http://schemas.openxmlformats.org/officeDocument/2006/relationships" xmlns:p="http://schemas.openxmlformats.org/presentationml/2006/main">
+  <p:cSld>
+    <p:spTree>
+      <p:nvGrpSpPr>
+        <p:cNvPr id="1" name=""/>
+        <p:cNvGrpSpPr/>
+        <p:nvPr/>
+      </p:nvGrpSpPr>
+      <p:grpSpPr>
+        <a:xfrm>
+          <a:off x="0" y="0"/>
+          <a:ext cx="0" cy="0"/>
+          <a:chOff x="0" y="0"/>
+          <a:chExt cx="0" cy="0"/>
+        </a:xfrm>
+      </p:grpSpPr>
+      <p:pic>
+        <p:nvPicPr>
+          <p:cNvPr id="4" name="5yJ_HrZImWQ"/>
+          <p:cNvPicPr>
+            <a:picLocks noRot="1" noChangeAspect="1"/>
+          </p:cNvPicPr>
+          <p:nvPr>
+            <a:videoFile r:link="rId1"/>
+          </p:nvPr>
+        </p:nvPicPr>
+        <p:blipFill>
+          <a:blip r:embed="rId4"/>
+          <a:stretch>
+            <a:fillRect/>
+          </a:stretch>
+        </p:blipFill>
+        <p:spPr>
+          <a:xfrm>
+            <a:off x="395536" y="980728"/>
+            <a:ext cx="8352928" cy="4698522"/>
+          </a:xfrm>
+          <a:prstGeom prst="rect">
+            <a:avLst/>
+          </a:prstGeom>
+        </p:spPr>
+      </p:pic>
+    </p:spTree>
+    <p:extLst>
+      <p:ext uri="{BB962C8B-B14F-4D97-AF65-F5344CB8AC3E}">
+        <p14:creationId xmlns:p14="http://schemas.microsoft.com/office/powerpoint/2010/main" val="4239905132"/>
+      </p:ext>
+    </p:extLst>
+  </p:cSld>
+  <p:clrMapOvr>
+    <a:masterClrMapping/>
+  </p:clrMapOvr>
+  <mc:AlternateContent xmlns:mc="http://schemas.openxmlformats.org/markup-compatibility/2006" xmlns:p14="http://schemas.microsoft.com/office/powerpoint/2010/main">
+    <mc:Choice Requires="p14">
+      <p:transition spd="med" p14:dur="700">
+        <p:fade/>
+      </p:transition>
+    </mc:Choice>
+    <mc:Fallback xmlns="">
+      <p:transition spd="med">
+        <p:fade/>
+      </p:transition>
+    </mc:Fallback>
+  </mc:AlternateContent>
+  <p:timing>
+    <p:tnLst>
+      <p:par>
+        <p:cTn id="1" dur="indefinite" restart="never" nodeType="tmRoot"/>
+      </p:par>
+    </p:tnLst>
+  </p:timing>
+</p:sld>
+</file>
+
+<file path=ppt/slides/slide20.xml><?xml version="1.0" encoding="utf-8"?>
 <p:sld xmlns:a="http://schemas.openxmlformats.org/drawingml/2006/main" xmlns:r="http://schemas.openxmlformats.org/officeDocument/2006/relationships" xmlns:p="http://schemas.openxmlformats.org/presentationml/2006/main">
   <p:cSld>
     <p:spTree>
@@ -9368,82 +9356,7 @@
 </p:sld>
 </file>
 
-<file path=ppt/slides/slide2.xml><?xml version="1.0" encoding="utf-8"?>
-<p:sld xmlns:a="http://schemas.openxmlformats.org/drawingml/2006/main" xmlns:r="http://schemas.openxmlformats.org/officeDocument/2006/relationships" xmlns:p="http://schemas.openxmlformats.org/presentationml/2006/main">
-  <p:cSld>
-    <p:spTree>
-      <p:nvGrpSpPr>
-        <p:cNvPr id="1" name=""/>
-        <p:cNvGrpSpPr/>
-        <p:nvPr/>
-      </p:nvGrpSpPr>
-      <p:grpSpPr>
-        <a:xfrm>
-          <a:off x="0" y="0"/>
-          <a:ext cx="0" cy="0"/>
-          <a:chOff x="0" y="0"/>
-          <a:chExt cx="0" cy="0"/>
-        </a:xfrm>
-      </p:grpSpPr>
-      <p:pic>
-        <p:nvPicPr>
-          <p:cNvPr id="4" name="5yJ_HrZImWQ"/>
-          <p:cNvPicPr>
-            <a:picLocks noRot="1" noChangeAspect="1"/>
-          </p:cNvPicPr>
-          <p:nvPr>
-            <a:videoFile r:link="rId1"/>
-          </p:nvPr>
-        </p:nvPicPr>
-        <p:blipFill>
-          <a:blip r:embed="rId4"/>
-          <a:stretch>
-            <a:fillRect/>
-          </a:stretch>
-        </p:blipFill>
-        <p:spPr>
-          <a:xfrm>
-            <a:off x="395536" y="980728"/>
-            <a:ext cx="8352928" cy="4698522"/>
-          </a:xfrm>
-          <a:prstGeom prst="rect">
-            <a:avLst/>
-          </a:prstGeom>
-        </p:spPr>
-      </p:pic>
-    </p:spTree>
-    <p:extLst>
-      <p:ext uri="{BB962C8B-B14F-4D97-AF65-F5344CB8AC3E}">
-        <p14:creationId xmlns:p14="http://schemas.microsoft.com/office/powerpoint/2010/main" val="4239905132"/>
-      </p:ext>
-    </p:extLst>
-  </p:cSld>
-  <p:clrMapOvr>
-    <a:masterClrMapping/>
-  </p:clrMapOvr>
-  <mc:AlternateContent xmlns:mc="http://schemas.openxmlformats.org/markup-compatibility/2006" xmlns:p14="http://schemas.microsoft.com/office/powerpoint/2010/main">
-    <mc:Choice Requires="p14">
-      <p:transition spd="med" p14:dur="700">
-        <p:fade/>
-      </p:transition>
-    </mc:Choice>
-    <mc:Fallback xmlns="">
-      <p:transition spd="med">
-        <p:fade/>
-      </p:transition>
-    </mc:Fallback>
-  </mc:AlternateContent>
-  <p:timing>
-    <p:tnLst>
-      <p:par>
-        <p:cTn id="1" dur="indefinite" restart="never" nodeType="tmRoot"/>
-      </p:par>
-    </p:tnLst>
-  </p:timing>
-</p:sld>
-</file>
-
-<file path=ppt/slides/slide20.xml><?xml version="1.0" encoding="utf-8"?>
+<file path=ppt/slides/slide21.xml><?xml version="1.0" encoding="utf-8"?>
 <p:sld xmlns:a="http://schemas.openxmlformats.org/drawingml/2006/main" xmlns:r="http://schemas.openxmlformats.org/officeDocument/2006/relationships" xmlns:p="http://schemas.openxmlformats.org/presentationml/2006/main">
   <p:cSld>
     <p:spTree>
@@ -9759,7 +9672,7 @@
 </p:sld>
 </file>
 
-<file path=ppt/slides/slide21.xml><?xml version="1.0" encoding="utf-8"?>
+<file path=ppt/slides/slide22.xml><?xml version="1.0" encoding="utf-8"?>
 <p:sld xmlns:a="http://schemas.openxmlformats.org/drawingml/2006/main" xmlns:r="http://schemas.openxmlformats.org/officeDocument/2006/relationships" xmlns:p="http://schemas.openxmlformats.org/presentationml/2006/main">
   <p:cSld>
     <p:spTree>
@@ -9932,7 +9845,7 @@
 </p:sld>
 </file>
 
-<file path=ppt/slides/slide22.xml><?xml version="1.0" encoding="utf-8"?>
+<file path=ppt/slides/slide23.xml><?xml version="1.0" encoding="utf-8"?>
 <p:sld xmlns:a="http://schemas.openxmlformats.org/drawingml/2006/main" xmlns:r="http://schemas.openxmlformats.org/officeDocument/2006/relationships" xmlns:p="http://schemas.openxmlformats.org/presentationml/2006/main">
   <p:cSld>
     <p:spTree>
@@ -10819,7 +10732,7 @@
 </p:sld>
 </file>
 
-<file path=ppt/slides/slide23.xml><?xml version="1.0" encoding="utf-8"?>
+<file path=ppt/slides/slide24.xml><?xml version="1.0" encoding="utf-8"?>
 <p:sld xmlns:a="http://schemas.openxmlformats.org/drawingml/2006/main" xmlns:r="http://schemas.openxmlformats.org/officeDocument/2006/relationships" xmlns:p="http://schemas.openxmlformats.org/presentationml/2006/main">
   <p:cSld>
     <p:spTree>
@@ -11462,7 +11375,7 @@
 </p:sld>
 </file>
 
-<file path=ppt/slides/slide24.xml><?xml version="1.0" encoding="utf-8"?>
+<file path=ppt/slides/slide25.xml><?xml version="1.0" encoding="utf-8"?>
 <p:sld xmlns:a="http://schemas.openxmlformats.org/drawingml/2006/main" xmlns:r="http://schemas.openxmlformats.org/officeDocument/2006/relationships" xmlns:p="http://schemas.openxmlformats.org/presentationml/2006/main">
   <p:cSld>
     <p:spTree>
@@ -11539,83 +11452,6 @@
     <p:extLst>
       <p:ext uri="{BB962C8B-B14F-4D97-AF65-F5344CB8AC3E}">
         <p14:creationId xmlns:p14="http://schemas.microsoft.com/office/powerpoint/2010/main" val="2352623795"/>
-      </p:ext>
-    </p:extLst>
-  </p:cSld>
-  <p:clrMapOvr>
-    <a:masterClrMapping/>
-  </p:clrMapOvr>
-  <mc:AlternateContent xmlns:mc="http://schemas.openxmlformats.org/markup-compatibility/2006" xmlns:p14="http://schemas.microsoft.com/office/powerpoint/2010/main">
-    <mc:Choice Requires="p14">
-      <p:transition spd="med" p14:dur="700">
-        <p:fade/>
-      </p:transition>
-    </mc:Choice>
-    <mc:Fallback xmlns="">
-      <p:transition spd="med">
-        <p:fade/>
-      </p:transition>
-    </mc:Fallback>
-  </mc:AlternateContent>
-  <p:timing>
-    <p:tnLst>
-      <p:par>
-        <p:cTn id="1" dur="indefinite" restart="never" nodeType="tmRoot"/>
-      </p:par>
-    </p:tnLst>
-  </p:timing>
-</p:sld>
-</file>
-
-<file path=ppt/slides/slide25.xml><?xml version="1.0" encoding="utf-8"?>
-<p:sld xmlns:a="http://schemas.openxmlformats.org/drawingml/2006/main" xmlns:r="http://schemas.openxmlformats.org/officeDocument/2006/relationships" xmlns:p="http://schemas.openxmlformats.org/presentationml/2006/main">
-  <p:cSld>
-    <p:spTree>
-      <p:nvGrpSpPr>
-        <p:cNvPr id="1" name=""/>
-        <p:cNvGrpSpPr/>
-        <p:nvPr/>
-      </p:nvGrpSpPr>
-      <p:grpSpPr>
-        <a:xfrm>
-          <a:off x="0" y="0"/>
-          <a:ext cx="0" cy="0"/>
-          <a:chOff x="0" y="0"/>
-          <a:chExt cx="0" cy="0"/>
-        </a:xfrm>
-      </p:grpSpPr>
-      <p:sp>
-        <p:nvSpPr>
-          <p:cNvPr id="2" name="כותרת 1"/>
-          <p:cNvSpPr>
-            <a:spLocks noGrp="1"/>
-          </p:cNvSpPr>
-          <p:nvPr>
-            <p:ph type="title"/>
-          </p:nvPr>
-        </p:nvSpPr>
-        <p:spPr>
-          <a:xfrm>
-            <a:off x="467544" y="-171400"/>
-            <a:ext cx="8229600" cy="3933056"/>
-          </a:xfrm>
-        </p:spPr>
-        <p:txBody>
-          <a:bodyPr/>
-          <a:lstStyle/>
-          <a:p>
-            <a:r>
-              <a:rPr lang="en-US" dirty="0" smtClean="0"/>
-              <a:t>Experiments</a:t>
-            </a:r>
-            <a:endParaRPr lang="en-US" dirty="0"/>
-          </a:p>
-        </p:txBody>
-      </p:sp>
-    </p:spTree>
-    <p:extLst>
-      <p:ext uri="{BB962C8B-B14F-4D97-AF65-F5344CB8AC3E}">
-        <p14:creationId xmlns:p14="http://schemas.microsoft.com/office/powerpoint/2010/main" val="2656203881"/>
       </p:ext>
     </p:extLst>
   </p:cSld>
@@ -11663,179 +11499,81 @@
       </p:grpSpPr>
       <p:sp>
         <p:nvSpPr>
-          <p:cNvPr id="43" name="Line 15"/>
+          <p:cNvPr id="2" name="כותרת 1"/>
           <p:cNvSpPr>
-            <a:spLocks noChangeShapeType="1"/>
+            <a:spLocks noGrp="1"/>
           </p:cNvSpPr>
-          <p:nvPr/>
+          <p:nvPr>
+            <p:ph type="title"/>
+          </p:nvPr>
         </p:nvSpPr>
-        <p:spPr bwMode="auto">
+        <p:spPr>
           <a:xfrm>
-            <a:off x="6907609" y="3553542"/>
-            <a:ext cx="0" cy="613077"/>
+            <a:off x="467544" y="-171400"/>
+            <a:ext cx="8229600" cy="3933056"/>
           </a:xfrm>
-          <a:prstGeom prst="line">
-            <a:avLst/>
-          </a:prstGeom>
-          <a:noFill/>
-          <a:ln w="57150">
-            <a:solidFill>
-              <a:srgbClr val="0000FF"/>
-            </a:solidFill>
-            <a:round/>
-            <a:headEnd/>
-            <a:tailEnd type="triangle" w="med" len="med"/>
-          </a:ln>
-          <a:effectLst/>
-          <a:extLst>
-            <a:ext uri="{909E8E84-426E-40DD-AFC4-6F175D3DCCD1}">
-              <a14:hiddenFill xmlns:a14="http://schemas.microsoft.com/office/drawing/2010/main">
-                <a:noFill/>
-              </a14:hiddenFill>
-            </a:ext>
-            <a:ext uri="{AF507438-7753-43E0-B8FC-AC1667EBCBE1}">
-              <a14:hiddenEffects xmlns:a14="http://schemas.microsoft.com/office/drawing/2010/main">
-                <a:effectLst>
-                  <a:outerShdw dist="35921" dir="2700000" algn="ctr" rotWithShape="0">
-                    <a:schemeClr val="bg2"/>
-                  </a:outerShdw>
-                </a:effectLst>
-              </a14:hiddenEffects>
-            </a:ext>
-          </a:extLst>
         </p:spPr>
         <p:txBody>
           <a:bodyPr/>
-          <a:lstStyle>
-            <a:defPPr>
-              <a:defRPr lang="he-IL"/>
-            </a:defPPr>
-            <a:lvl1pPr algn="r" rtl="1" fontAlgn="base">
-              <a:spcBef>
-                <a:spcPct val="0"/>
-              </a:spcBef>
-              <a:spcAft>
-                <a:spcPct val="0"/>
-              </a:spcAft>
-              <a:defRPr kern="1200">
-                <a:solidFill>
-                  <a:schemeClr val="tx1"/>
-                </a:solidFill>
-                <a:latin typeface="Arial" charset="0"/>
-                <a:ea typeface="+mn-ea"/>
-                <a:cs typeface="Arial" charset="0"/>
-              </a:defRPr>
-            </a:lvl1pPr>
-            <a:lvl2pPr marL="457200" algn="r" rtl="1" fontAlgn="base">
-              <a:spcBef>
-                <a:spcPct val="0"/>
-              </a:spcBef>
-              <a:spcAft>
-                <a:spcPct val="0"/>
-              </a:spcAft>
-              <a:defRPr kern="1200">
-                <a:solidFill>
-                  <a:schemeClr val="tx1"/>
-                </a:solidFill>
-                <a:latin typeface="Arial" charset="0"/>
-                <a:ea typeface="+mn-ea"/>
-                <a:cs typeface="Arial" charset="0"/>
-              </a:defRPr>
-            </a:lvl2pPr>
-            <a:lvl3pPr marL="914400" algn="r" rtl="1" fontAlgn="base">
-              <a:spcBef>
-                <a:spcPct val="0"/>
-              </a:spcBef>
-              <a:spcAft>
-                <a:spcPct val="0"/>
-              </a:spcAft>
-              <a:defRPr kern="1200">
-                <a:solidFill>
-                  <a:schemeClr val="tx1"/>
-                </a:solidFill>
-                <a:latin typeface="Arial" charset="0"/>
-                <a:ea typeface="+mn-ea"/>
-                <a:cs typeface="Arial" charset="0"/>
-              </a:defRPr>
-            </a:lvl3pPr>
-            <a:lvl4pPr marL="1371600" algn="r" rtl="1" fontAlgn="base">
-              <a:spcBef>
-                <a:spcPct val="0"/>
-              </a:spcBef>
-              <a:spcAft>
-                <a:spcPct val="0"/>
-              </a:spcAft>
-              <a:defRPr kern="1200">
-                <a:solidFill>
-                  <a:schemeClr val="tx1"/>
-                </a:solidFill>
-                <a:latin typeface="Arial" charset="0"/>
-                <a:ea typeface="+mn-ea"/>
-                <a:cs typeface="Arial" charset="0"/>
-              </a:defRPr>
-            </a:lvl4pPr>
-            <a:lvl5pPr marL="1828800" algn="r" rtl="1" fontAlgn="base">
-              <a:spcBef>
-                <a:spcPct val="0"/>
-              </a:spcBef>
-              <a:spcAft>
-                <a:spcPct val="0"/>
-              </a:spcAft>
-              <a:defRPr kern="1200">
-                <a:solidFill>
-                  <a:schemeClr val="tx1"/>
-                </a:solidFill>
-                <a:latin typeface="Arial" charset="0"/>
-                <a:ea typeface="+mn-ea"/>
-                <a:cs typeface="Arial" charset="0"/>
-              </a:defRPr>
-            </a:lvl5pPr>
-            <a:lvl6pPr marL="2286000" algn="l" defTabSz="914400" rtl="0" eaLnBrk="1" latinLnBrk="0" hangingPunct="1">
-              <a:defRPr kern="1200">
-                <a:solidFill>
-                  <a:schemeClr val="tx1"/>
-                </a:solidFill>
-                <a:latin typeface="Arial" charset="0"/>
-                <a:ea typeface="+mn-ea"/>
-                <a:cs typeface="Arial" charset="0"/>
-              </a:defRPr>
-            </a:lvl6pPr>
-            <a:lvl7pPr marL="2743200" algn="l" defTabSz="914400" rtl="0" eaLnBrk="1" latinLnBrk="0" hangingPunct="1">
-              <a:defRPr kern="1200">
-                <a:solidFill>
-                  <a:schemeClr val="tx1"/>
-                </a:solidFill>
-                <a:latin typeface="Arial" charset="0"/>
-                <a:ea typeface="+mn-ea"/>
-                <a:cs typeface="Arial" charset="0"/>
-              </a:defRPr>
-            </a:lvl7pPr>
-            <a:lvl8pPr marL="3200400" algn="l" defTabSz="914400" rtl="0" eaLnBrk="1" latinLnBrk="0" hangingPunct="1">
-              <a:defRPr kern="1200">
-                <a:solidFill>
-                  <a:schemeClr val="tx1"/>
-                </a:solidFill>
-                <a:latin typeface="Arial" charset="0"/>
-                <a:ea typeface="+mn-ea"/>
-                <a:cs typeface="Arial" charset="0"/>
-              </a:defRPr>
-            </a:lvl8pPr>
-            <a:lvl9pPr marL="3657600" algn="l" defTabSz="914400" rtl="0" eaLnBrk="1" latinLnBrk="0" hangingPunct="1">
-              <a:defRPr kern="1200">
-                <a:solidFill>
-                  <a:schemeClr val="tx1"/>
-                </a:solidFill>
-                <a:latin typeface="Arial" charset="0"/>
-                <a:ea typeface="+mn-ea"/>
-                <a:cs typeface="Arial" charset="0"/>
-              </a:defRPr>
-            </a:lvl9pPr>
-          </a:lstStyle>
-          <a:p>
-            <a:endParaRPr lang="en-US"/>
+          <a:lstStyle/>
+          <a:p>
+            <a:r>
+              <a:rPr lang="en-US" dirty="0" smtClean="0"/>
+              <a:t>Experiments</a:t>
+            </a:r>
+            <a:endParaRPr lang="en-US" dirty="0"/>
           </a:p>
         </p:txBody>
       </p:sp>
+    </p:spTree>
+    <p:extLst>
+      <p:ext uri="{BB962C8B-B14F-4D97-AF65-F5344CB8AC3E}">
+        <p14:creationId xmlns:p14="http://schemas.microsoft.com/office/powerpoint/2010/main" val="2656203881"/>
+      </p:ext>
+    </p:extLst>
+  </p:cSld>
+  <p:clrMapOvr>
+    <a:masterClrMapping/>
+  </p:clrMapOvr>
+  <mc:AlternateContent xmlns:mc="http://schemas.openxmlformats.org/markup-compatibility/2006" xmlns:p14="http://schemas.microsoft.com/office/powerpoint/2010/main">
+    <mc:Choice Requires="p14">
+      <p:transition spd="med" p14:dur="700">
+        <p:fade/>
+      </p:transition>
+    </mc:Choice>
+    <mc:Fallback xmlns="">
+      <p:transition spd="med">
+        <p:fade/>
+      </p:transition>
+    </mc:Fallback>
+  </mc:AlternateContent>
+  <p:timing>
+    <p:tnLst>
+      <p:par>
+        <p:cTn id="1" dur="indefinite" restart="never" nodeType="tmRoot"/>
+      </p:par>
+    </p:tnLst>
+  </p:timing>
+</p:sld>
+</file>
+
+<file path=ppt/slides/slide27.xml><?xml version="1.0" encoding="utf-8"?>
+<p:sld xmlns:a="http://schemas.openxmlformats.org/drawingml/2006/main" xmlns:r="http://schemas.openxmlformats.org/officeDocument/2006/relationships" xmlns:p="http://schemas.openxmlformats.org/presentationml/2006/main">
+  <p:cSld>
+    <p:spTree>
+      <p:nvGrpSpPr>
+        <p:cNvPr id="1" name=""/>
+        <p:cNvGrpSpPr/>
+        <p:nvPr/>
+      </p:nvGrpSpPr>
+      <p:grpSpPr>
+        <a:xfrm>
+          <a:off x="0" y="0"/>
+          <a:ext cx="0" cy="0"/>
+          <a:chOff x="0" y="0"/>
+          <a:chExt cx="0" cy="0"/>
+        </a:xfrm>
+      </p:grpSpPr>
       <p:grpSp>
         <p:nvGrpSpPr>
           <p:cNvPr id="54" name="קבוצה 53"/>
@@ -13963,7 +13701,7 @@
 </p:sld>
 </file>
 
-<file path=ppt/slides/slide27.xml><?xml version="1.0" encoding="utf-8"?>
+<file path=ppt/slides/slide28.xml><?xml version="1.0" encoding="utf-8"?>
 <p:sld xmlns:a="http://schemas.openxmlformats.org/drawingml/2006/main" xmlns:r="http://schemas.openxmlformats.org/officeDocument/2006/relationships" xmlns:p="http://schemas.openxmlformats.org/presentationml/2006/main">
   <p:cSld>
     <p:spTree>
@@ -14080,13 +13818,8 @@
             </a:r>
             <a:r>
               <a:rPr lang="en-US" dirty="0" smtClean="0"/>
-              <a:t>bad</a:t>
-            </a:r>
-            <a:r>
-              <a:rPr lang="en-US" dirty="0" smtClean="0"/>
-              <a:t>.</a:t>
-            </a:r>
-            <a:endParaRPr lang="en-US" dirty="0" smtClean="0"/>
+              <a:t>bad.</a:t>
+            </a:r>
           </a:p>
         </p:txBody>
       </p:sp>
@@ -16508,7 +16241,7 @@
 </p:sld>
 </file>
 
-<file path=ppt/slides/slide28.xml><?xml version="1.0" encoding="utf-8"?>
+<file path=ppt/slides/slide29.xml><?xml version="1.0" encoding="utf-8"?>
 <p:sld xmlns:a="http://schemas.openxmlformats.org/drawingml/2006/main" xmlns:r="http://schemas.openxmlformats.org/officeDocument/2006/relationships" xmlns:p="http://schemas.openxmlformats.org/presentationml/2006/main">
   <p:cSld>
     <p:spTree>
@@ -16955,7 +16688,470 @@
 </p:sld>
 </file>
 
-<file path=ppt/slides/slide29.xml><?xml version="1.0" encoding="utf-8"?>
+<file path=ppt/slides/slide3.xml><?xml version="1.0" encoding="utf-8"?>
+<p:sld xmlns:a="http://schemas.openxmlformats.org/drawingml/2006/main" xmlns:r="http://schemas.openxmlformats.org/officeDocument/2006/relationships" xmlns:p="http://schemas.openxmlformats.org/presentationml/2006/main">
+  <p:cSld>
+    <p:spTree>
+      <p:nvGrpSpPr>
+        <p:cNvPr id="1" name=""/>
+        <p:cNvGrpSpPr/>
+        <p:nvPr/>
+      </p:nvGrpSpPr>
+      <p:grpSpPr>
+        <a:xfrm>
+          <a:off x="0" y="0"/>
+          <a:ext cx="0" cy="0"/>
+          <a:chOff x="0" y="0"/>
+          <a:chExt cx="0" cy="0"/>
+        </a:xfrm>
+      </p:grpSpPr>
+      <p:sp>
+        <p:nvSpPr>
+          <p:cNvPr id="2" name="כותרת 1"/>
+          <p:cNvSpPr>
+            <a:spLocks noGrp="1"/>
+          </p:cNvSpPr>
+          <p:nvPr>
+            <p:ph type="title"/>
+          </p:nvPr>
+        </p:nvSpPr>
+        <p:spPr/>
+        <p:txBody>
+          <a:bodyPr/>
+          <a:lstStyle/>
+          <a:p>
+            <a:r>
+              <a:rPr lang="en-US" sz="4800" dirty="0"/>
+              <a:t>Goal:  </a:t>
+            </a:r>
+            <a:r>
+              <a:rPr lang="en-US" sz="4800" dirty="0" smtClean="0"/>
+              <a:t>System </a:t>
+            </a:r>
+            <a:r>
+              <a:rPr lang="en-US" sz="4800" dirty="0"/>
+              <a:t>that provides pronunciation feedback</a:t>
+            </a:r>
+          </a:p>
+        </p:txBody>
+      </p:sp>
+      <p:pic>
+        <p:nvPicPr>
+          <p:cNvPr id="20482" name="Picture 2"/>
+          <p:cNvPicPr>
+            <a:picLocks noChangeAspect="1" noChangeArrowheads="1"/>
+          </p:cNvPicPr>
+          <p:nvPr/>
+        </p:nvPicPr>
+        <p:blipFill>
+          <a:blip r:embed="rId3">
+            <a:extLst>
+              <a:ext uri="{28A0092B-C50C-407E-A947-70E740481C1C}">
+                <a14:useLocalDpi xmlns:a14="http://schemas.microsoft.com/office/drawing/2010/main" val="0"/>
+              </a:ext>
+            </a:extLst>
+          </a:blip>
+          <a:srcRect/>
+          <a:stretch>
+            <a:fillRect/>
+          </a:stretch>
+        </p:blipFill>
+        <p:spPr bwMode="auto">
+          <a:xfrm>
+            <a:off x="6088842" y="3470456"/>
+            <a:ext cx="2813128" cy="2087602"/>
+          </a:xfrm>
+          <a:prstGeom prst="rect">
+            <a:avLst/>
+          </a:prstGeom>
+          <a:noFill/>
+          <a:ln>
+            <a:noFill/>
+          </a:ln>
+          <a:extLst>
+            <a:ext uri="{909E8E84-426E-40DD-AFC4-6F175D3DCCD1}">
+              <a14:hiddenFill xmlns:a14="http://schemas.microsoft.com/office/drawing/2010/main">
+                <a:solidFill>
+                  <a:schemeClr val="accent1"/>
+                </a:solidFill>
+              </a14:hiddenFill>
+            </a:ext>
+            <a:ext uri="{91240B29-F687-4F45-9708-019B960494DF}">
+              <a14:hiddenLine xmlns:a14="http://schemas.microsoft.com/office/drawing/2010/main" w="9525">
+                <a:solidFill>
+                  <a:schemeClr val="tx1"/>
+                </a:solidFill>
+                <a:miter lim="800000"/>
+                <a:headEnd/>
+                <a:tailEnd/>
+              </a14:hiddenLine>
+            </a:ext>
+          </a:extLst>
+        </p:spPr>
+      </p:pic>
+      <p:pic>
+        <p:nvPicPr>
+          <p:cNvPr id="6" name="Picture 2"/>
+          <p:cNvPicPr>
+            <a:picLocks noChangeAspect="1" noChangeArrowheads="1"/>
+          </p:cNvPicPr>
+          <p:nvPr/>
+        </p:nvPicPr>
+        <p:blipFill>
+          <a:blip r:embed="rId4">
+            <a:extLst>
+              <a:ext uri="{28A0092B-C50C-407E-A947-70E740481C1C}">
+                <a14:useLocalDpi xmlns:a14="http://schemas.microsoft.com/office/drawing/2010/main" val="0"/>
+              </a:ext>
+            </a:extLst>
+          </a:blip>
+          <a:srcRect/>
+          <a:stretch>
+            <a:fillRect/>
+          </a:stretch>
+        </p:blipFill>
+        <p:spPr bwMode="auto">
+          <a:xfrm flipH="1">
+            <a:off x="274021" y="1920379"/>
+            <a:ext cx="1872208" cy="2655534"/>
+          </a:xfrm>
+          <a:prstGeom prst="rect">
+            <a:avLst/>
+          </a:prstGeom>
+          <a:noFill/>
+          <a:ln>
+            <a:noFill/>
+          </a:ln>
+          <a:extLst>
+            <a:ext uri="{909E8E84-426E-40DD-AFC4-6F175D3DCCD1}">
+              <a14:hiddenFill xmlns:a14="http://schemas.microsoft.com/office/drawing/2010/main">
+                <a:solidFill>
+                  <a:schemeClr val="accent1"/>
+                </a:solidFill>
+              </a14:hiddenFill>
+            </a:ext>
+            <a:ext uri="{91240B29-F687-4F45-9708-019B960494DF}">
+              <a14:hiddenLine xmlns:a14="http://schemas.microsoft.com/office/drawing/2010/main" w="9525">
+                <a:solidFill>
+                  <a:schemeClr val="tx1"/>
+                </a:solidFill>
+                <a:miter lim="800000"/>
+                <a:headEnd/>
+                <a:tailEnd/>
+              </a14:hiddenLine>
+            </a:ext>
+          </a:extLst>
+        </p:spPr>
+      </p:pic>
+      <p:sp>
+        <p:nvSpPr>
+          <p:cNvPr id="7" name="הסבר מלבני מעוגל 6"/>
+          <p:cNvSpPr/>
+          <p:nvPr/>
+        </p:nvSpPr>
+        <p:spPr>
+          <a:xfrm flipH="1">
+            <a:off x="2440344" y="2204864"/>
+            <a:ext cx="2761492" cy="856914"/>
+          </a:xfrm>
+          <a:prstGeom prst="wedgeRoundRectCallout">
+            <a:avLst>
+              <a:gd name="adj1" fmla="val 62083"/>
+              <a:gd name="adj2" fmla="val 3328"/>
+              <a:gd name="adj3" fmla="val 16667"/>
+            </a:avLst>
+          </a:prstGeom>
+          <a:blipFill dpi="0" rotWithShape="1">
+            <a:blip r:embed="rId5">
+              <a:extLst>
+                <a:ext uri="{28A0092B-C50C-407E-A947-70E740481C1C}">
+                  <a14:useLocalDpi xmlns:a14="http://schemas.microsoft.com/office/drawing/2010/main" val="0"/>
+                </a:ext>
+              </a:extLst>
+            </a:blip>
+            <a:srcRect/>
+            <a:stretch>
+              <a:fillRect/>
+            </a:stretch>
+          </a:blipFill>
+        </p:spPr>
+        <p:style>
+          <a:lnRef idx="2">
+            <a:schemeClr val="accent1">
+              <a:shade val="50000"/>
+            </a:schemeClr>
+          </a:lnRef>
+          <a:fillRef idx="1">
+            <a:schemeClr val="accent1"/>
+          </a:fillRef>
+          <a:effectRef idx="0">
+            <a:schemeClr val="accent1"/>
+          </a:effectRef>
+          <a:fontRef idx="minor">
+            <a:schemeClr val="lt1"/>
+          </a:fontRef>
+        </p:style>
+        <p:txBody>
+          <a:bodyPr rtlCol="0" anchor="ctr"/>
+          <a:lstStyle/>
+          <a:p>
+            <a:pPr algn="ctr"/>
+            <a:endParaRPr lang="en-US" sz="2800" dirty="0"/>
+          </a:p>
+        </p:txBody>
+      </p:sp>
+      <p:pic>
+        <p:nvPicPr>
+          <p:cNvPr id="20483" name="Picture 3" descr="C:\Users\Install\Documents\לימודים\imageedit_1_9801634449.gif"/>
+          <p:cNvPicPr>
+            <a:picLocks noChangeAspect="1" noChangeArrowheads="1"/>
+          </p:cNvPicPr>
+          <p:nvPr/>
+        </p:nvPicPr>
+        <p:blipFill>
+          <a:blip r:embed="rId5">
+            <a:extLst>
+              <a:ext uri="{28A0092B-C50C-407E-A947-70E740481C1C}">
+                <a14:useLocalDpi xmlns:a14="http://schemas.microsoft.com/office/drawing/2010/main" val="0"/>
+              </a:ext>
+            </a:extLst>
+          </a:blip>
+          <a:srcRect/>
+          <a:stretch>
+            <a:fillRect/>
+          </a:stretch>
+        </p:blipFill>
+        <p:spPr bwMode="auto">
+          <a:xfrm rot="20604878">
+            <a:off x="6279550" y="3912758"/>
+            <a:ext cx="2144663" cy="605867"/>
+          </a:xfrm>
+          <a:prstGeom prst="rect">
+            <a:avLst/>
+          </a:prstGeom>
+          <a:noFill/>
+          <a:extLst>
+            <a:ext uri="{909E8E84-426E-40DD-AFC4-6F175D3DCCD1}">
+              <a14:hiddenFill xmlns:a14="http://schemas.microsoft.com/office/drawing/2010/main">
+                <a:solidFill>
+                  <a:srgbClr val="FFFFFF"/>
+                </a:solidFill>
+              </a14:hiddenFill>
+            </a:ext>
+          </a:extLst>
+        </p:spPr>
+      </p:pic>
+      <p:grpSp>
+        <p:nvGrpSpPr>
+          <p:cNvPr id="3" name="קבוצה 2"/>
+          <p:cNvGrpSpPr/>
+          <p:nvPr/>
+        </p:nvGrpSpPr>
+        <p:grpSpPr>
+          <a:xfrm>
+            <a:off x="3994813" y="3586745"/>
+            <a:ext cx="1767289" cy="1020081"/>
+            <a:chOff x="3973827" y="3521397"/>
+            <a:chExt cx="1767289" cy="1020081"/>
+          </a:xfrm>
+        </p:grpSpPr>
+        <p:sp>
+          <p:nvSpPr>
+            <p:cNvPr id="4" name="שווה 3"/>
+            <p:cNvSpPr/>
+            <p:nvPr/>
+          </p:nvSpPr>
+          <p:spPr>
+            <a:xfrm rot="1577256">
+              <a:off x="3973827" y="3521397"/>
+              <a:ext cx="1767289" cy="1020081"/>
+            </a:xfrm>
+            <a:prstGeom prst="mathEqual">
+              <a:avLst/>
+            </a:prstGeom>
+          </p:spPr>
+          <p:style>
+            <a:lnRef idx="2">
+              <a:schemeClr val="accent1">
+                <a:shade val="50000"/>
+              </a:schemeClr>
+            </a:lnRef>
+            <a:fillRef idx="1">
+              <a:schemeClr val="accent1"/>
+            </a:fillRef>
+            <a:effectRef idx="0">
+              <a:schemeClr val="accent1"/>
+            </a:effectRef>
+            <a:fontRef idx="minor">
+              <a:schemeClr val="lt1"/>
+            </a:fontRef>
+          </p:style>
+          <p:txBody>
+            <a:bodyPr rtlCol="0" anchor="ctr"/>
+            <a:lstStyle/>
+            <a:p>
+              <a:pPr algn="ctr"/>
+              <a:endParaRPr lang="en-US">
+                <a:solidFill>
+                  <a:schemeClr val="tx1"/>
+                </a:solidFill>
+              </a:endParaRPr>
+            </a:p>
+          </p:txBody>
+        </p:sp>
+        <p:sp>
+          <p:nvSpPr>
+            <p:cNvPr id="9" name="לחצן פעולה: עזרה 8">
+              <a:hlinkClick r:id="" action="ppaction://noaction" highlightClick="1"/>
+            </p:cNvPr>
+            <p:cNvSpPr/>
+            <p:nvPr/>
+          </p:nvSpPr>
+          <p:spPr>
+            <a:xfrm rot="1490202">
+              <a:off x="4045153" y="3531651"/>
+              <a:ext cx="1624639" cy="999576"/>
+            </a:xfrm>
+            <a:prstGeom prst="actionButtonHelp">
+              <a:avLst/>
+            </a:prstGeom>
+            <a:noFill/>
+          </p:spPr>
+          <p:style>
+            <a:lnRef idx="2">
+              <a:schemeClr val="accent1">
+                <a:shade val="50000"/>
+              </a:schemeClr>
+            </a:lnRef>
+            <a:fillRef idx="1">
+              <a:schemeClr val="accent1"/>
+            </a:fillRef>
+            <a:effectRef idx="0">
+              <a:schemeClr val="accent1"/>
+            </a:effectRef>
+            <a:fontRef idx="minor">
+              <a:schemeClr val="lt1"/>
+            </a:fontRef>
+          </p:style>
+          <p:txBody>
+            <a:bodyPr rtlCol="0" anchor="ctr"/>
+            <a:lstStyle/>
+            <a:p>
+              <a:pPr algn="ctr"/>
+              <a:endParaRPr lang="en-US"/>
+            </a:p>
+          </p:txBody>
+        </p:sp>
+      </p:grpSp>
+      <p:sp>
+        <p:nvSpPr>
+          <p:cNvPr id="17" name="חץ למטה 16"/>
+          <p:cNvSpPr/>
+          <p:nvPr/>
+        </p:nvSpPr>
+        <p:spPr>
+          <a:xfrm rot="3224457">
+            <a:off x="3484819" y="4277089"/>
+            <a:ext cx="446172" cy="1220266"/>
+          </a:xfrm>
+          <a:prstGeom prst="downArrow">
+            <a:avLst/>
+          </a:prstGeom>
+        </p:spPr>
+        <p:style>
+          <a:lnRef idx="2">
+            <a:schemeClr val="accent1">
+              <a:shade val="50000"/>
+            </a:schemeClr>
+          </a:lnRef>
+          <a:fillRef idx="1">
+            <a:schemeClr val="accent1"/>
+          </a:fillRef>
+          <a:effectRef idx="0">
+            <a:schemeClr val="accent1"/>
+          </a:effectRef>
+          <a:fontRef idx="minor">
+            <a:schemeClr val="lt1"/>
+          </a:fontRef>
+        </p:style>
+        <p:txBody>
+          <a:bodyPr rtlCol="0" anchor="ctr"/>
+          <a:lstStyle/>
+          <a:p>
+            <a:pPr algn="ctr"/>
+            <a:endParaRPr lang="en-US"/>
+          </a:p>
+        </p:txBody>
+      </p:sp>
+      <p:pic>
+        <p:nvPicPr>
+          <p:cNvPr id="11" name="תמונה 10" descr="C:\hadas\לימודים\שנה ג\פרויקט\Screenshot_2016-08-28-22-18-39.png"/>
+          <p:cNvPicPr/>
+          <p:nvPr/>
+        </p:nvPicPr>
+        <p:blipFill rotWithShape="1">
+          <a:blip r:embed="rId6" cstate="print">
+            <a:extLst>
+              <a:ext uri="{28A0092B-C50C-407E-A947-70E740481C1C}">
+                <a14:useLocalDpi xmlns:a14="http://schemas.microsoft.com/office/drawing/2010/main" val="0"/>
+              </a:ext>
+            </a:extLst>
+          </a:blip>
+          <a:srcRect t="19438" b="64257"/>
+          <a:stretch/>
+        </p:blipFill>
+        <p:spPr bwMode="auto">
+          <a:xfrm>
+            <a:off x="539552" y="5427962"/>
+            <a:ext cx="3440147" cy="955292"/>
+          </a:xfrm>
+          <a:prstGeom prst="rect">
+            <a:avLst/>
+          </a:prstGeom>
+          <a:noFill/>
+          <a:ln>
+            <a:noFill/>
+          </a:ln>
+          <a:extLst>
+            <a:ext uri="{53640926-AAD7-44D8-BBD7-CCE9431645EC}">
+              <a14:shadowObscured xmlns:a14="http://schemas.microsoft.com/office/drawing/2010/main"/>
+            </a:ext>
+          </a:extLst>
+        </p:spPr>
+      </p:pic>
+    </p:spTree>
+    <p:extLst>
+      <p:ext uri="{BB962C8B-B14F-4D97-AF65-F5344CB8AC3E}">
+        <p14:creationId xmlns:p14="http://schemas.microsoft.com/office/powerpoint/2010/main" val="3171510766"/>
+      </p:ext>
+    </p:extLst>
+  </p:cSld>
+  <p:clrMapOvr>
+    <a:masterClrMapping/>
+  </p:clrMapOvr>
+  <mc:AlternateContent xmlns:mc="http://schemas.openxmlformats.org/markup-compatibility/2006" xmlns:p14="http://schemas.microsoft.com/office/powerpoint/2010/main">
+    <mc:Choice Requires="p14">
+      <p:transition spd="med" p14:dur="700">
+        <p:fade/>
+      </p:transition>
+    </mc:Choice>
+    <mc:Fallback xmlns="">
+      <p:transition spd="med">
+        <p:fade/>
+      </p:transition>
+    </mc:Fallback>
+  </mc:AlternateContent>
+  <p:timing>
+    <p:tnLst>
+      <p:par>
+        <p:cTn id="1" dur="indefinite" restart="never" nodeType="tmRoot"/>
+      </p:par>
+    </p:tnLst>
+  </p:timing>
+</p:sld>
+</file>
+
+<file path=ppt/slides/slide30.xml><?xml version="1.0" encoding="utf-8"?>
 <p:sld xmlns:a="http://schemas.openxmlformats.org/drawingml/2006/main" xmlns:r="http://schemas.openxmlformats.org/officeDocument/2006/relationships" xmlns:p="http://schemas.openxmlformats.org/presentationml/2006/main">
   <p:cSld>
     <p:spTree>
@@ -17682,470 +17878,7 @@
 </p:sld>
 </file>
 
-<file path=ppt/slides/slide3.xml><?xml version="1.0" encoding="utf-8"?>
-<p:sld xmlns:a="http://schemas.openxmlformats.org/drawingml/2006/main" xmlns:r="http://schemas.openxmlformats.org/officeDocument/2006/relationships" xmlns:p="http://schemas.openxmlformats.org/presentationml/2006/main">
-  <p:cSld>
-    <p:spTree>
-      <p:nvGrpSpPr>
-        <p:cNvPr id="1" name=""/>
-        <p:cNvGrpSpPr/>
-        <p:nvPr/>
-      </p:nvGrpSpPr>
-      <p:grpSpPr>
-        <a:xfrm>
-          <a:off x="0" y="0"/>
-          <a:ext cx="0" cy="0"/>
-          <a:chOff x="0" y="0"/>
-          <a:chExt cx="0" cy="0"/>
-        </a:xfrm>
-      </p:grpSpPr>
-      <p:sp>
-        <p:nvSpPr>
-          <p:cNvPr id="2" name="כותרת 1"/>
-          <p:cNvSpPr>
-            <a:spLocks noGrp="1"/>
-          </p:cNvSpPr>
-          <p:nvPr>
-            <p:ph type="title"/>
-          </p:nvPr>
-        </p:nvSpPr>
-        <p:spPr/>
-        <p:txBody>
-          <a:bodyPr/>
-          <a:lstStyle/>
-          <a:p>
-            <a:r>
-              <a:rPr lang="en-US" sz="4800" dirty="0"/>
-              <a:t>Goal:  </a:t>
-            </a:r>
-            <a:r>
-              <a:rPr lang="en-US" sz="4800" dirty="0" smtClean="0"/>
-              <a:t>System </a:t>
-            </a:r>
-            <a:r>
-              <a:rPr lang="en-US" sz="4800" dirty="0"/>
-              <a:t>that provides pronunciation feedback</a:t>
-            </a:r>
-          </a:p>
-        </p:txBody>
-      </p:sp>
-      <p:pic>
-        <p:nvPicPr>
-          <p:cNvPr id="20482" name="Picture 2"/>
-          <p:cNvPicPr>
-            <a:picLocks noChangeAspect="1" noChangeArrowheads="1"/>
-          </p:cNvPicPr>
-          <p:nvPr/>
-        </p:nvPicPr>
-        <p:blipFill>
-          <a:blip r:embed="rId3">
-            <a:extLst>
-              <a:ext uri="{28A0092B-C50C-407E-A947-70E740481C1C}">
-                <a14:useLocalDpi xmlns:a14="http://schemas.microsoft.com/office/drawing/2010/main" val="0"/>
-              </a:ext>
-            </a:extLst>
-          </a:blip>
-          <a:srcRect/>
-          <a:stretch>
-            <a:fillRect/>
-          </a:stretch>
-        </p:blipFill>
-        <p:spPr bwMode="auto">
-          <a:xfrm>
-            <a:off x="6088842" y="3470456"/>
-            <a:ext cx="2813128" cy="2087602"/>
-          </a:xfrm>
-          <a:prstGeom prst="rect">
-            <a:avLst/>
-          </a:prstGeom>
-          <a:noFill/>
-          <a:ln>
-            <a:noFill/>
-          </a:ln>
-          <a:extLst>
-            <a:ext uri="{909E8E84-426E-40DD-AFC4-6F175D3DCCD1}">
-              <a14:hiddenFill xmlns:a14="http://schemas.microsoft.com/office/drawing/2010/main">
-                <a:solidFill>
-                  <a:schemeClr val="accent1"/>
-                </a:solidFill>
-              </a14:hiddenFill>
-            </a:ext>
-            <a:ext uri="{91240B29-F687-4F45-9708-019B960494DF}">
-              <a14:hiddenLine xmlns:a14="http://schemas.microsoft.com/office/drawing/2010/main" w="9525">
-                <a:solidFill>
-                  <a:schemeClr val="tx1"/>
-                </a:solidFill>
-                <a:miter lim="800000"/>
-                <a:headEnd/>
-                <a:tailEnd/>
-              </a14:hiddenLine>
-            </a:ext>
-          </a:extLst>
-        </p:spPr>
-      </p:pic>
-      <p:pic>
-        <p:nvPicPr>
-          <p:cNvPr id="6" name="Picture 2"/>
-          <p:cNvPicPr>
-            <a:picLocks noChangeAspect="1" noChangeArrowheads="1"/>
-          </p:cNvPicPr>
-          <p:nvPr/>
-        </p:nvPicPr>
-        <p:blipFill>
-          <a:blip r:embed="rId4">
-            <a:extLst>
-              <a:ext uri="{28A0092B-C50C-407E-A947-70E740481C1C}">
-                <a14:useLocalDpi xmlns:a14="http://schemas.microsoft.com/office/drawing/2010/main" val="0"/>
-              </a:ext>
-            </a:extLst>
-          </a:blip>
-          <a:srcRect/>
-          <a:stretch>
-            <a:fillRect/>
-          </a:stretch>
-        </p:blipFill>
-        <p:spPr bwMode="auto">
-          <a:xfrm flipH="1">
-            <a:off x="274021" y="1920379"/>
-            <a:ext cx="1872208" cy="2655534"/>
-          </a:xfrm>
-          <a:prstGeom prst="rect">
-            <a:avLst/>
-          </a:prstGeom>
-          <a:noFill/>
-          <a:ln>
-            <a:noFill/>
-          </a:ln>
-          <a:extLst>
-            <a:ext uri="{909E8E84-426E-40DD-AFC4-6F175D3DCCD1}">
-              <a14:hiddenFill xmlns:a14="http://schemas.microsoft.com/office/drawing/2010/main">
-                <a:solidFill>
-                  <a:schemeClr val="accent1"/>
-                </a:solidFill>
-              </a14:hiddenFill>
-            </a:ext>
-            <a:ext uri="{91240B29-F687-4F45-9708-019B960494DF}">
-              <a14:hiddenLine xmlns:a14="http://schemas.microsoft.com/office/drawing/2010/main" w="9525">
-                <a:solidFill>
-                  <a:schemeClr val="tx1"/>
-                </a:solidFill>
-                <a:miter lim="800000"/>
-                <a:headEnd/>
-                <a:tailEnd/>
-              </a14:hiddenLine>
-            </a:ext>
-          </a:extLst>
-        </p:spPr>
-      </p:pic>
-      <p:sp>
-        <p:nvSpPr>
-          <p:cNvPr id="7" name="הסבר מלבני מעוגל 6"/>
-          <p:cNvSpPr/>
-          <p:nvPr/>
-        </p:nvSpPr>
-        <p:spPr>
-          <a:xfrm flipH="1">
-            <a:off x="2440344" y="2204864"/>
-            <a:ext cx="2761492" cy="856914"/>
-          </a:xfrm>
-          <a:prstGeom prst="wedgeRoundRectCallout">
-            <a:avLst>
-              <a:gd name="adj1" fmla="val 62083"/>
-              <a:gd name="adj2" fmla="val 3328"/>
-              <a:gd name="adj3" fmla="val 16667"/>
-            </a:avLst>
-          </a:prstGeom>
-          <a:blipFill dpi="0" rotWithShape="1">
-            <a:blip r:embed="rId5">
-              <a:extLst>
-                <a:ext uri="{28A0092B-C50C-407E-A947-70E740481C1C}">
-                  <a14:useLocalDpi xmlns:a14="http://schemas.microsoft.com/office/drawing/2010/main" val="0"/>
-                </a:ext>
-              </a:extLst>
-            </a:blip>
-            <a:srcRect/>
-            <a:stretch>
-              <a:fillRect/>
-            </a:stretch>
-          </a:blipFill>
-        </p:spPr>
-        <p:style>
-          <a:lnRef idx="2">
-            <a:schemeClr val="accent1">
-              <a:shade val="50000"/>
-            </a:schemeClr>
-          </a:lnRef>
-          <a:fillRef idx="1">
-            <a:schemeClr val="accent1"/>
-          </a:fillRef>
-          <a:effectRef idx="0">
-            <a:schemeClr val="accent1"/>
-          </a:effectRef>
-          <a:fontRef idx="minor">
-            <a:schemeClr val="lt1"/>
-          </a:fontRef>
-        </p:style>
-        <p:txBody>
-          <a:bodyPr rtlCol="0" anchor="ctr"/>
-          <a:lstStyle/>
-          <a:p>
-            <a:pPr algn="ctr"/>
-            <a:endParaRPr lang="en-US" sz="2800" dirty="0"/>
-          </a:p>
-        </p:txBody>
-      </p:sp>
-      <p:pic>
-        <p:nvPicPr>
-          <p:cNvPr id="20483" name="Picture 3" descr="C:\Users\Install\Documents\לימודים\imageedit_1_9801634449.gif"/>
-          <p:cNvPicPr>
-            <a:picLocks noChangeAspect="1" noChangeArrowheads="1"/>
-          </p:cNvPicPr>
-          <p:nvPr/>
-        </p:nvPicPr>
-        <p:blipFill>
-          <a:blip r:embed="rId5">
-            <a:extLst>
-              <a:ext uri="{28A0092B-C50C-407E-A947-70E740481C1C}">
-                <a14:useLocalDpi xmlns:a14="http://schemas.microsoft.com/office/drawing/2010/main" val="0"/>
-              </a:ext>
-            </a:extLst>
-          </a:blip>
-          <a:srcRect/>
-          <a:stretch>
-            <a:fillRect/>
-          </a:stretch>
-        </p:blipFill>
-        <p:spPr bwMode="auto">
-          <a:xfrm rot="20604878">
-            <a:off x="6279550" y="3912758"/>
-            <a:ext cx="2144663" cy="605867"/>
-          </a:xfrm>
-          <a:prstGeom prst="rect">
-            <a:avLst/>
-          </a:prstGeom>
-          <a:noFill/>
-          <a:extLst>
-            <a:ext uri="{909E8E84-426E-40DD-AFC4-6F175D3DCCD1}">
-              <a14:hiddenFill xmlns:a14="http://schemas.microsoft.com/office/drawing/2010/main">
-                <a:solidFill>
-                  <a:srgbClr val="FFFFFF"/>
-                </a:solidFill>
-              </a14:hiddenFill>
-            </a:ext>
-          </a:extLst>
-        </p:spPr>
-      </p:pic>
-      <p:grpSp>
-        <p:nvGrpSpPr>
-          <p:cNvPr id="3" name="קבוצה 2"/>
-          <p:cNvGrpSpPr/>
-          <p:nvPr/>
-        </p:nvGrpSpPr>
-        <p:grpSpPr>
-          <a:xfrm>
-            <a:off x="3994813" y="3586745"/>
-            <a:ext cx="1767289" cy="1020081"/>
-            <a:chOff x="3973827" y="3521397"/>
-            <a:chExt cx="1767289" cy="1020081"/>
-          </a:xfrm>
-        </p:grpSpPr>
-        <p:sp>
-          <p:nvSpPr>
-            <p:cNvPr id="4" name="שווה 3"/>
-            <p:cNvSpPr/>
-            <p:nvPr/>
-          </p:nvSpPr>
-          <p:spPr>
-            <a:xfrm rot="1577256">
-              <a:off x="3973827" y="3521397"/>
-              <a:ext cx="1767289" cy="1020081"/>
-            </a:xfrm>
-            <a:prstGeom prst="mathEqual">
-              <a:avLst/>
-            </a:prstGeom>
-          </p:spPr>
-          <p:style>
-            <a:lnRef idx="2">
-              <a:schemeClr val="accent1">
-                <a:shade val="50000"/>
-              </a:schemeClr>
-            </a:lnRef>
-            <a:fillRef idx="1">
-              <a:schemeClr val="accent1"/>
-            </a:fillRef>
-            <a:effectRef idx="0">
-              <a:schemeClr val="accent1"/>
-            </a:effectRef>
-            <a:fontRef idx="minor">
-              <a:schemeClr val="lt1"/>
-            </a:fontRef>
-          </p:style>
-          <p:txBody>
-            <a:bodyPr rtlCol="0" anchor="ctr"/>
-            <a:lstStyle/>
-            <a:p>
-              <a:pPr algn="ctr"/>
-              <a:endParaRPr lang="en-US">
-                <a:solidFill>
-                  <a:schemeClr val="tx1"/>
-                </a:solidFill>
-              </a:endParaRPr>
-            </a:p>
-          </p:txBody>
-        </p:sp>
-        <p:sp>
-          <p:nvSpPr>
-            <p:cNvPr id="9" name="לחצן פעולה: עזרה 8">
-              <a:hlinkClick r:id="" action="ppaction://noaction" highlightClick="1"/>
-            </p:cNvPr>
-            <p:cNvSpPr/>
-            <p:nvPr/>
-          </p:nvSpPr>
-          <p:spPr>
-            <a:xfrm rot="1490202">
-              <a:off x="4045153" y="3531651"/>
-              <a:ext cx="1624639" cy="999576"/>
-            </a:xfrm>
-            <a:prstGeom prst="actionButtonHelp">
-              <a:avLst/>
-            </a:prstGeom>
-            <a:noFill/>
-          </p:spPr>
-          <p:style>
-            <a:lnRef idx="2">
-              <a:schemeClr val="accent1">
-                <a:shade val="50000"/>
-              </a:schemeClr>
-            </a:lnRef>
-            <a:fillRef idx="1">
-              <a:schemeClr val="accent1"/>
-            </a:fillRef>
-            <a:effectRef idx="0">
-              <a:schemeClr val="accent1"/>
-            </a:effectRef>
-            <a:fontRef idx="minor">
-              <a:schemeClr val="lt1"/>
-            </a:fontRef>
-          </p:style>
-          <p:txBody>
-            <a:bodyPr rtlCol="0" anchor="ctr"/>
-            <a:lstStyle/>
-            <a:p>
-              <a:pPr algn="ctr"/>
-              <a:endParaRPr lang="en-US"/>
-            </a:p>
-          </p:txBody>
-        </p:sp>
-      </p:grpSp>
-      <p:sp>
-        <p:nvSpPr>
-          <p:cNvPr id="17" name="חץ למטה 16"/>
-          <p:cNvSpPr/>
-          <p:nvPr/>
-        </p:nvSpPr>
-        <p:spPr>
-          <a:xfrm rot="3224457">
-            <a:off x="3484819" y="4277089"/>
-            <a:ext cx="446172" cy="1220266"/>
-          </a:xfrm>
-          <a:prstGeom prst="downArrow">
-            <a:avLst/>
-          </a:prstGeom>
-        </p:spPr>
-        <p:style>
-          <a:lnRef idx="2">
-            <a:schemeClr val="accent1">
-              <a:shade val="50000"/>
-            </a:schemeClr>
-          </a:lnRef>
-          <a:fillRef idx="1">
-            <a:schemeClr val="accent1"/>
-          </a:fillRef>
-          <a:effectRef idx="0">
-            <a:schemeClr val="accent1"/>
-          </a:effectRef>
-          <a:fontRef idx="minor">
-            <a:schemeClr val="lt1"/>
-          </a:fontRef>
-        </p:style>
-        <p:txBody>
-          <a:bodyPr rtlCol="0" anchor="ctr"/>
-          <a:lstStyle/>
-          <a:p>
-            <a:pPr algn="ctr"/>
-            <a:endParaRPr lang="en-US"/>
-          </a:p>
-        </p:txBody>
-      </p:sp>
-      <p:pic>
-        <p:nvPicPr>
-          <p:cNvPr id="11" name="תמונה 10" descr="C:\hadas\לימודים\שנה ג\פרויקט\Screenshot_2016-08-28-22-18-39.png"/>
-          <p:cNvPicPr/>
-          <p:nvPr/>
-        </p:nvPicPr>
-        <p:blipFill rotWithShape="1">
-          <a:blip r:embed="rId6" cstate="print">
-            <a:extLst>
-              <a:ext uri="{28A0092B-C50C-407E-A947-70E740481C1C}">
-                <a14:useLocalDpi xmlns:a14="http://schemas.microsoft.com/office/drawing/2010/main" val="0"/>
-              </a:ext>
-            </a:extLst>
-          </a:blip>
-          <a:srcRect t="19438" b="64257"/>
-          <a:stretch/>
-        </p:blipFill>
-        <p:spPr bwMode="auto">
-          <a:xfrm>
-            <a:off x="539552" y="5427962"/>
-            <a:ext cx="3440147" cy="955292"/>
-          </a:xfrm>
-          <a:prstGeom prst="rect">
-            <a:avLst/>
-          </a:prstGeom>
-          <a:noFill/>
-          <a:ln>
-            <a:noFill/>
-          </a:ln>
-          <a:extLst>
-            <a:ext uri="{53640926-AAD7-44D8-BBD7-CCE9431645EC}">
-              <a14:shadowObscured xmlns:a14="http://schemas.microsoft.com/office/drawing/2010/main"/>
-            </a:ext>
-          </a:extLst>
-        </p:spPr>
-      </p:pic>
-    </p:spTree>
-    <p:extLst>
-      <p:ext uri="{BB962C8B-B14F-4D97-AF65-F5344CB8AC3E}">
-        <p14:creationId xmlns:p14="http://schemas.microsoft.com/office/powerpoint/2010/main" val="3171510766"/>
-      </p:ext>
-    </p:extLst>
-  </p:cSld>
-  <p:clrMapOvr>
-    <a:masterClrMapping/>
-  </p:clrMapOvr>
-  <mc:AlternateContent xmlns:mc="http://schemas.openxmlformats.org/markup-compatibility/2006" xmlns:p14="http://schemas.microsoft.com/office/powerpoint/2010/main">
-    <mc:Choice Requires="p14">
-      <p:transition spd="med" p14:dur="700">
-        <p:fade/>
-      </p:transition>
-    </mc:Choice>
-    <mc:Fallback xmlns="">
-      <p:transition spd="med">
-        <p:fade/>
-      </p:transition>
-    </mc:Fallback>
-  </mc:AlternateContent>
-  <p:timing>
-    <p:tnLst>
-      <p:par>
-        <p:cTn id="1" dur="indefinite" restart="never" nodeType="tmRoot"/>
-      </p:par>
-    </p:tnLst>
-  </p:timing>
-</p:sld>
-</file>
-
-<file path=ppt/slides/slide30.xml><?xml version="1.0" encoding="utf-8"?>
+<file path=ppt/slides/slide31.xml><?xml version="1.0" encoding="utf-8"?>
 <p:sld xmlns:a="http://schemas.openxmlformats.org/drawingml/2006/main" xmlns:r="http://schemas.openxmlformats.org/officeDocument/2006/relationships" xmlns:p="http://schemas.openxmlformats.org/presentationml/2006/main">
   <p:cSld>
     <p:spTree>
@@ -18618,7 +18351,7 @@
 </p:sld>
 </file>
 
-<file path=ppt/slides/slide31.xml><?xml version="1.0" encoding="utf-8"?>
+<file path=ppt/slides/slide32.xml><?xml version="1.0" encoding="utf-8"?>
 <p:sld xmlns:a="http://schemas.openxmlformats.org/drawingml/2006/main" xmlns:r="http://schemas.openxmlformats.org/officeDocument/2006/relationships" xmlns:p="http://schemas.openxmlformats.org/presentationml/2006/main">
   <p:cSld>
     <p:spTree>
@@ -18705,11 +18438,7 @@
             </a:r>
             <a:r>
               <a:rPr lang="en-US" dirty="0" smtClean="0"/>
-              <a:t>above</a:t>
-            </a:r>
-            <a:r>
-              <a:rPr lang="en-US" dirty="0" smtClean="0"/>
-              <a:t>.</a:t>
+              <a:t>above.</a:t>
             </a:r>
           </a:p>
           <a:p>
@@ -18820,7 +18549,7 @@
 </p:sld>
 </file>
 
-<file path=ppt/slides/slide32.xml><?xml version="1.0" encoding="utf-8"?>
+<file path=ppt/slides/slide33.xml><?xml version="1.0" encoding="utf-8"?>
 <p:sld xmlns:a="http://schemas.openxmlformats.org/drawingml/2006/main" xmlns:r="http://schemas.openxmlformats.org/officeDocument/2006/relationships" xmlns:p="http://schemas.openxmlformats.org/presentationml/2006/main">
   <p:cSld>
     <p:spTree>
@@ -19187,7 +18916,7 @@
 </p:sld>
 </file>
 
-<file path=ppt/slides/slide33.xml><?xml version="1.0" encoding="utf-8"?>
+<file path=ppt/slides/slide34.xml><?xml version="1.0" encoding="utf-8"?>
 <p:sld xmlns:a="http://schemas.openxmlformats.org/drawingml/2006/main" xmlns:r="http://schemas.openxmlformats.org/officeDocument/2006/relationships" xmlns:p="http://schemas.openxmlformats.org/presentationml/2006/main">
   <p:cSld>
     <p:spTree>
@@ -19320,8 +19049,8 @@
           </a:p>
         </p:txBody>
       </p:sp>
-      <mc:AlternateContent xmlns:mc="http://schemas.openxmlformats.org/markup-compatibility/2006">
-        <mc:Choice xmlns:a14="http://schemas.microsoft.com/office/drawing/2010/main" Requires="a14">
+      <mc:AlternateContent xmlns:mc="http://schemas.openxmlformats.org/markup-compatibility/2006" xmlns:a14="http://schemas.microsoft.com/office/drawing/2010/main">
+        <mc:Choice Requires="a14">
           <p:sp>
             <p:nvSpPr>
               <p:cNvPr id="4" name="TextBox 3"/>
@@ -19573,7 +19302,7 @@
             </p:txBody>
           </p:sp>
         </mc:Choice>
-        <mc:Fallback>
+        <mc:Fallback xmlns="">
           <p:sp>
             <p:nvSpPr>
               <p:cNvPr id="4" name="TextBox 3"/>
@@ -19644,7 +19373,7 @@
 </p:sld>
 </file>
 
-<file path=ppt/slides/slide34.xml><?xml version="1.0" encoding="utf-8"?>
+<file path=ppt/slides/slide35.xml><?xml version="1.0" encoding="utf-8"?>
 <p:sld xmlns:a="http://schemas.openxmlformats.org/drawingml/2006/main" xmlns:r="http://schemas.openxmlformats.org/officeDocument/2006/relationships" xmlns:p="http://schemas.openxmlformats.org/presentationml/2006/main">
   <p:cSld>
     <p:spTree>
@@ -19710,7 +19439,6 @@
               <a:rPr lang="en-US" dirty="0" smtClean="0"/>
               <a:t>quality. </a:t>
             </a:r>
-            <a:endParaRPr lang="en-US" dirty="0" smtClean="0"/>
           </a:p>
           <a:p>
             <a:endParaRPr lang="en-US" dirty="0" smtClean="0"/>
@@ -19791,7 +19519,7 @@
 </p:sld>
 </file>
 
-<file path=ppt/slides/slide35.xml><?xml version="1.0" encoding="utf-8"?>
+<file path=ppt/slides/slide36.xml><?xml version="1.0" encoding="utf-8"?>
 <p:sld xmlns:a="http://schemas.openxmlformats.org/drawingml/2006/main" xmlns:r="http://schemas.openxmlformats.org/officeDocument/2006/relationships" xmlns:p="http://schemas.openxmlformats.org/presentationml/2006/main">
   <p:cSld>
     <p:spTree>
@@ -19860,15 +19588,7 @@
             </a:r>
             <a:r>
               <a:rPr lang="en-US" dirty="0" smtClean="0"/>
-              <a:t>by itself</a:t>
-            </a:r>
-            <a:r>
-              <a:rPr lang="en-US" dirty="0" smtClean="0"/>
-              <a:t>.</a:t>
-            </a:r>
-            <a:r>
-              <a:rPr lang="en-US" dirty="0" smtClean="0"/>
-              <a:t/>
+              <a:t>by itself.</a:t>
             </a:r>
             <a:br>
               <a:rPr lang="en-US" dirty="0" smtClean="0"/>
@@ -20300,7 +20020,7 @@
 </p:sld>
 </file>
 
-<file path=ppt/slides/slide36.xml><?xml version="1.0" encoding="utf-8"?>
+<file path=ppt/slides/slide37.xml><?xml version="1.0" encoding="utf-8"?>
 <p:sld xmlns:a="http://schemas.openxmlformats.org/drawingml/2006/main" xmlns:r="http://schemas.openxmlformats.org/officeDocument/2006/relationships" xmlns:p="http://schemas.openxmlformats.org/presentationml/2006/main">
   <p:cSld>
     <p:spTree>
@@ -20338,11 +20058,7 @@
             </a:r>
             <a:r>
               <a:rPr lang="en-US" dirty="0" smtClean="0"/>
-              <a:t>utterance</a:t>
-            </a:r>
-            <a:r>
-              <a:rPr lang="en-US" dirty="0" smtClean="0"/>
-              <a:t>:</a:t>
+              <a:t>utterance:</a:t>
             </a:r>
           </a:p>
           <a:p>
@@ -20388,11 +20104,7 @@
             </a:r>
             <a:r>
               <a:rPr lang="en-US" sz="2400" dirty="0" smtClean="0"/>
-              <a:t>content</a:t>
-            </a:r>
-            <a:r>
-              <a:rPr lang="en-US" sz="2400" dirty="0" smtClean="0"/>
-              <a:t>.</a:t>
+              <a:t>content.</a:t>
             </a:r>
           </a:p>
           <a:p>
@@ -20934,7 +20646,7 @@
 </p:sld>
 </file>
 
-<file path=ppt/slides/slide37.xml><?xml version="1.0" encoding="utf-8"?>
+<file path=ppt/slides/slide38.xml><?xml version="1.0" encoding="utf-8"?>
 <p:sld xmlns:a="http://schemas.openxmlformats.org/drawingml/2006/main" xmlns:r="http://schemas.openxmlformats.org/officeDocument/2006/relationships" xmlns:p="http://schemas.openxmlformats.org/presentationml/2006/main">
   <p:cSld>
     <p:spTree>
@@ -21404,7 +21116,7 @@
 </p:sld>
 </file>
 
-<file path=ppt/slides/slide38.xml><?xml version="1.0" encoding="utf-8"?>
+<file path=ppt/slides/slide39.xml><?xml version="1.0" encoding="utf-8"?>
 <p:sld xmlns:a="http://schemas.openxmlformats.org/drawingml/2006/main" xmlns:r="http://schemas.openxmlformats.org/officeDocument/2006/relationships" xmlns:p="http://schemas.openxmlformats.org/presentationml/2006/main">
   <p:cSld>
     <p:spTree>
@@ -21497,165 +21209,6 @@
     <p:extLst>
       <p:ext uri="{BB962C8B-B14F-4D97-AF65-F5344CB8AC3E}">
         <p14:creationId xmlns:p14="http://schemas.microsoft.com/office/powerpoint/2010/main" val="2567578138"/>
-      </p:ext>
-    </p:extLst>
-  </p:cSld>
-  <p:clrMapOvr>
-    <a:masterClrMapping/>
-  </p:clrMapOvr>
-  <mc:AlternateContent xmlns:mc="http://schemas.openxmlformats.org/markup-compatibility/2006" xmlns:p14="http://schemas.microsoft.com/office/powerpoint/2010/main">
-    <mc:Choice Requires="p14">
-      <p:transition spd="med" p14:dur="700">
-        <p:fade/>
-      </p:transition>
-    </mc:Choice>
-    <mc:Fallback xmlns="">
-      <p:transition spd="med">
-        <p:fade/>
-      </p:transition>
-    </mc:Fallback>
-  </mc:AlternateContent>
-  <p:timing>
-    <p:tnLst>
-      <p:par>
-        <p:cTn id="1" dur="indefinite" restart="never" nodeType="tmRoot"/>
-      </p:par>
-    </p:tnLst>
-  </p:timing>
-</p:sld>
-</file>
-
-<file path=ppt/slides/slide39.xml><?xml version="1.0" encoding="utf-8"?>
-<p:sld xmlns:a="http://schemas.openxmlformats.org/drawingml/2006/main" xmlns:r="http://schemas.openxmlformats.org/officeDocument/2006/relationships" xmlns:p="http://schemas.openxmlformats.org/presentationml/2006/main">
-  <p:cSld>
-    <p:spTree>
-      <p:nvGrpSpPr>
-        <p:cNvPr id="1" name=""/>
-        <p:cNvGrpSpPr/>
-        <p:nvPr/>
-      </p:nvGrpSpPr>
-      <p:grpSpPr>
-        <a:xfrm>
-          <a:off x="0" y="0"/>
-          <a:ext cx="0" cy="0"/>
-          <a:chOff x="0" y="0"/>
-          <a:chExt cx="0" cy="0"/>
-        </a:xfrm>
-      </p:grpSpPr>
-      <p:sp>
-        <p:nvSpPr>
-          <p:cNvPr id="3" name="מציין מיקום תוכן 2"/>
-          <p:cNvSpPr>
-            <a:spLocks noGrp="1"/>
-          </p:cNvSpPr>
-          <p:nvPr>
-            <p:ph idx="1"/>
-          </p:nvPr>
-        </p:nvSpPr>
-        <p:spPr/>
-        <p:txBody>
-          <a:bodyPr/>
-          <a:lstStyle/>
-          <a:p>
-            <a:r>
-              <a:rPr lang="en-US" dirty="0"/>
-              <a:t>Give the original score calculated by the phoneme classier module, which regards to the </a:t>
-            </a:r>
-            <a:r>
-              <a:rPr lang="en-US" dirty="0" smtClean="0"/>
-              <a:t>right phonemes </a:t>
-            </a:r>
-            <a:r>
-              <a:rPr lang="en-US" dirty="0"/>
-              <a:t>for the word, as given in the </a:t>
-            </a:r>
-            <a:r>
-              <a:rPr lang="en-US" dirty="0" smtClean="0"/>
-              <a:t>input.</a:t>
-            </a:r>
-            <a:br>
-              <a:rPr lang="en-US" dirty="0" smtClean="0"/>
-            </a:br>
-            <a:r>
-              <a:rPr lang="en-US" dirty="0" smtClean="0"/>
-              <a:t/>
-            </a:r>
-            <a:br>
-              <a:rPr lang="en-US" dirty="0" smtClean="0"/>
-            </a:br>
-            <a:r>
-              <a:rPr lang="en-US" b="1" u="sng" dirty="0" smtClean="0"/>
-              <a:t>Conclusions</a:t>
-            </a:r>
-            <a:r>
-              <a:rPr lang="en-US" b="1" u="sng" dirty="0"/>
-              <a:t>:</a:t>
-            </a:r>
-            <a:r>
-              <a:rPr lang="en-US" dirty="0"/>
-              <a:t> </a:t>
-            </a:r>
-            <a:r>
-              <a:rPr lang="en-US" dirty="0" smtClean="0"/>
-              <a:t/>
-            </a:r>
-            <a:br>
-              <a:rPr lang="en-US" dirty="0" smtClean="0"/>
-            </a:br>
-            <a:r>
-              <a:rPr lang="en-US" dirty="0" smtClean="0"/>
-              <a:t>Not </a:t>
-            </a:r>
-            <a:r>
-              <a:rPr lang="en-US" dirty="0"/>
-              <a:t>so good, as we mentioned </a:t>
-            </a:r>
-            <a:r>
-              <a:rPr lang="en-US" dirty="0" smtClean="0"/>
-              <a:t>above.</a:t>
-            </a:r>
-            <a:br>
-              <a:rPr lang="en-US" dirty="0" smtClean="0"/>
-            </a:br>
-            <a:r>
-              <a:rPr lang="en-US" dirty="0" smtClean="0"/>
-              <a:t>Non </a:t>
-            </a:r>
-            <a:r>
-              <a:rPr lang="en-US" dirty="0"/>
-              <a:t>uniform scores, that do not match to </a:t>
-            </a:r>
-            <a:r>
-              <a:rPr lang="en-US" dirty="0" smtClean="0"/>
-              <a:t>a restricted </a:t>
-            </a:r>
-            <a:r>
-              <a:rPr lang="en-US" dirty="0"/>
-              <a:t>scale which allow clear classifying of </a:t>
-            </a:r>
-            <a:r>
-              <a:rPr lang="en-US" dirty="0" smtClean="0"/>
-              <a:t>‘good’ </a:t>
-            </a:r>
-            <a:r>
-              <a:rPr lang="en-US" dirty="0"/>
-              <a:t>and </a:t>
-            </a:r>
-            <a:r>
-              <a:rPr lang="en-US" dirty="0" smtClean="0"/>
-              <a:t>‘bad’ </a:t>
-            </a:r>
-            <a:r>
-              <a:rPr lang="en-US" dirty="0"/>
-              <a:t>pronunciation quality.</a:t>
-            </a:r>
-          </a:p>
-        </p:txBody>
-      </p:sp>
-    </p:spTree>
-    <p:extLst>
-      <p:ext uri="{BB962C8B-B14F-4D97-AF65-F5344CB8AC3E}">
-        <p14:creationId xmlns:p14="http://schemas.microsoft.com/office/powerpoint/2010/main" val="2776564436"/>
       </p:ext>
     </p:extLst>
   </p:cSld>
@@ -21788,49 +21341,38 @@
             <p:ph idx="1"/>
           </p:nvPr>
         </p:nvSpPr>
-        <p:spPr>
-          <a:xfrm>
-            <a:off x="418117" y="764704"/>
-            <a:ext cx="8229600" cy="5976664"/>
-          </a:xfrm>
-        </p:spPr>
+        <p:spPr/>
         <p:txBody>
-          <a:bodyPr>
-            <a:normAutofit/>
-          </a:bodyPr>
+          <a:bodyPr/>
           <a:lstStyle/>
           <a:p>
             <a:r>
               <a:rPr lang="en-US" dirty="0"/>
-              <a:t>Give the phoneme having the maximal score given by the phoneme classier, for each block </a:t>
+              <a:t>Give the original score calculated by the phoneme </a:t>
+            </a:r>
+            <a:r>
+              <a:rPr lang="en-US" dirty="0" err="1" smtClean="0"/>
+              <a:t>classifer</a:t>
             </a:r>
             <a:r>
               <a:rPr lang="en-US" dirty="0" smtClean="0"/>
-              <a:t>of frames </a:t>
+              <a:t> </a:t>
             </a:r>
             <a:r>
               <a:rPr lang="en-US" dirty="0"/>
-              <a:t>in the utterance, and present it as the output to the user </a:t>
+              <a:t>module, which regards to the </a:t>
             </a:r>
             <a:r>
               <a:rPr lang="en-US" dirty="0" smtClean="0"/>
-              <a:t>- </a:t>
+              <a:t>right phonemes </a:t>
             </a:r>
             <a:r>
               <a:rPr lang="en-US" dirty="0"/>
-              <a:t>as to tell him he </a:t>
+              <a:t>for the word, as given in the </a:t>
             </a:r>
             <a:r>
               <a:rPr lang="en-US" dirty="0" smtClean="0"/>
-              <a:t>sounded more </a:t>
-            </a:r>
-            <a:r>
-              <a:rPr lang="en-US" dirty="0"/>
-              <a:t>like this phoneme than the desired correct </a:t>
-            </a:r>
-            <a:r>
-              <a:rPr lang="en-US" dirty="0" smtClean="0"/>
-              <a:t>one.</a:t>
+              <a:t>input.</a:t>
             </a:r>
             <a:br>
               <a:rPr lang="en-US" dirty="0" smtClean="0"/>
@@ -21843,6 +21385,18 @@
               <a:rPr lang="en-US" dirty="0" smtClean="0"/>
             </a:br>
             <a:r>
+              <a:rPr lang="en-US" b="1" u="sng" dirty="0" smtClean="0"/>
+              <a:t>Conclusions</a:t>
+            </a:r>
+            <a:r>
+              <a:rPr lang="en-US" b="1" u="sng" dirty="0"/>
+              <a:t>:</a:t>
+            </a:r>
+            <a:r>
+              <a:rPr lang="en-US" dirty="0"/>
+              <a:t> </a:t>
+            </a:r>
+            <a:r>
               <a:rPr lang="en-US" dirty="0" smtClean="0"/>
               <a:t/>
             </a:r>
@@ -21851,240 +21405,58 @@
             </a:br>
             <a:r>
               <a:rPr lang="en-US" dirty="0" smtClean="0"/>
-              <a:t/>
+              <a:t>Not </a:t>
+            </a:r>
+            <a:r>
+              <a:rPr lang="en-US" dirty="0"/>
+              <a:t>so good, as we mentioned </a:t>
+            </a:r>
+            <a:r>
+              <a:rPr lang="en-US" dirty="0" smtClean="0"/>
+              <a:t>above.</a:t>
             </a:r>
             <a:br>
               <a:rPr lang="en-US" dirty="0" smtClean="0"/>
             </a:br>
             <a:r>
               <a:rPr lang="en-US" dirty="0" smtClean="0"/>
-              <a:t/>
-            </a:r>
-            <a:br>
+              <a:t>Non </a:t>
+            </a:r>
+            <a:r>
+              <a:rPr lang="en-US" dirty="0"/>
+              <a:t>uniform scores, that do not match to </a:t>
+            </a:r>
+            <a:r>
               <a:rPr lang="en-US" dirty="0" smtClean="0"/>
-            </a:br>
+              <a:t>a restricted </a:t>
+            </a:r>
+            <a:r>
+              <a:rPr lang="en-US" dirty="0"/>
+              <a:t>scale which allow clear classifying of </a:t>
+            </a:r>
             <a:r>
               <a:rPr lang="en-US" dirty="0" smtClean="0"/>
-              <a:t/>
-            </a:r>
-            <a:br>
+              <a:t>‘good’ </a:t>
+            </a:r>
+            <a:r>
+              <a:rPr lang="en-US" dirty="0"/>
+              <a:t>and </a:t>
+            </a:r>
+            <a:r>
               <a:rPr lang="en-US" dirty="0" smtClean="0"/>
-            </a:br>
-            <a:r>
-              <a:rPr lang="en-US" b="1" u="sng" dirty="0" smtClean="0"/>
-              <a:t>Conclusions:</a:t>
-            </a:r>
-            <a:r>
-              <a:rPr lang="en-US" dirty="0" smtClean="0"/>
-              <a:t/>
-            </a:r>
-            <a:br>
-              <a:rPr lang="en-US" dirty="0" smtClean="0"/>
-            </a:br>
-            <a:r>
-              <a:rPr lang="en-US" dirty="0" smtClean="0"/>
-              <a:t>Non measurable output, which does not exactly meets the original goal of pointing the user towards how far he is from correct pronunciation.</a:t>
-            </a:r>
-            <a:endParaRPr lang="en-US" dirty="0"/>
-          </a:p>
-        </p:txBody>
-      </p:sp>
-      <p:sp>
-        <p:nvSpPr>
-          <p:cNvPr id="4" name="TextBox 3"/>
-          <p:cNvSpPr txBox="1"/>
-          <p:nvPr/>
-        </p:nvSpPr>
-        <p:spPr>
-          <a:xfrm>
-            <a:off x="417240" y="3492298"/>
-            <a:ext cx="3816424" cy="584775"/>
-          </a:xfrm>
-          <a:prstGeom prst="rect">
-            <a:avLst/>
-          </a:prstGeom>
-          <a:noFill/>
-        </p:spPr>
-        <p:txBody>
-          <a:bodyPr wrap="square" rtlCol="0">
-            <a:spAutoFit/>
-          </a:bodyPr>
-          <a:lstStyle/>
-          <a:p>
-            <a:pPr algn="l" rtl="0"/>
-            <a:r>
-              <a:rPr lang="pt-BR" sz="3200" dirty="0">
-                <a:solidFill>
-                  <a:srgbClr val="FF0000"/>
-                </a:solidFill>
-              </a:rPr>
-              <a:t>b</a:t>
-            </a:r>
-            <a:r>
-              <a:rPr lang="pt-BR" sz="3200" dirty="0"/>
-              <a:t> </a:t>
-            </a:r>
-            <a:r>
-              <a:rPr lang="pt-BR" sz="3200" dirty="0" smtClean="0">
-                <a:solidFill>
-                  <a:srgbClr val="FF0000"/>
-                </a:solidFill>
-              </a:rPr>
-              <a:t> </a:t>
-            </a:r>
-            <a:r>
-              <a:rPr lang="pt-BR" sz="3200" dirty="0" smtClean="0"/>
-              <a:t>eh  sil  </a:t>
-            </a:r>
-            <a:r>
-              <a:rPr lang="pt-BR" sz="3200" dirty="0" smtClean="0">
-                <a:solidFill>
-                  <a:srgbClr val="800080"/>
-                </a:solidFill>
-              </a:rPr>
-              <a:t>d</a:t>
-            </a:r>
-            <a:r>
-              <a:rPr lang="pt-BR" sz="3200" dirty="0" smtClean="0"/>
-              <a:t>  </a:t>
-            </a:r>
-            <a:r>
-              <a:rPr lang="pt-BR" sz="3200" dirty="0"/>
-              <a:t>r </a:t>
-            </a:r>
-            <a:r>
-              <a:rPr lang="pt-BR" sz="3200" dirty="0" smtClean="0"/>
-              <a:t> uh </a:t>
-            </a:r>
-            <a:r>
-              <a:rPr lang="pt-BR" sz="3200" dirty="0"/>
-              <a:t>m</a:t>
-            </a:r>
-            <a:endParaRPr lang="en-US" sz="3200" dirty="0"/>
-          </a:p>
-        </p:txBody>
-      </p:sp>
-      <p:sp>
-        <p:nvSpPr>
-          <p:cNvPr id="5" name="TextBox 4"/>
-          <p:cNvSpPr txBox="1"/>
-          <p:nvPr/>
-        </p:nvSpPr>
-        <p:spPr>
-          <a:xfrm>
-            <a:off x="4953744" y="3492299"/>
-            <a:ext cx="3888432" cy="584775"/>
-          </a:xfrm>
-          <a:prstGeom prst="rect">
-            <a:avLst/>
-          </a:prstGeom>
-          <a:noFill/>
-        </p:spPr>
-        <p:txBody>
-          <a:bodyPr wrap="square" rtlCol="0">
-            <a:spAutoFit/>
-          </a:bodyPr>
-          <a:lstStyle/>
-          <a:p>
-            <a:pPr algn="l" rtl="0"/>
-            <a:r>
-              <a:rPr lang="pt-BR" sz="3200" dirty="0" smtClean="0">
-                <a:solidFill>
-                  <a:srgbClr val="FF0000"/>
-                </a:solidFill>
-              </a:rPr>
-              <a:t>f</a:t>
-            </a:r>
-            <a:r>
-              <a:rPr lang="pt-BR" sz="3200" dirty="0" smtClean="0"/>
-              <a:t>  eh  sil  </a:t>
-            </a:r>
-            <a:r>
-              <a:rPr lang="pt-BR" sz="3200" dirty="0" smtClean="0">
-                <a:solidFill>
-                  <a:srgbClr val="800080"/>
-                </a:solidFill>
-              </a:rPr>
-              <a:t>l</a:t>
-            </a:r>
-            <a:r>
-              <a:rPr lang="pt-BR" sz="3200" dirty="0" smtClean="0"/>
-              <a:t>  r  uh  </a:t>
-            </a:r>
-            <a:r>
-              <a:rPr lang="pt-BR" sz="3200" dirty="0"/>
-              <a:t>m</a:t>
-            </a:r>
-            <a:endParaRPr lang="en-US" sz="3200" dirty="0"/>
-          </a:p>
-        </p:txBody>
-      </p:sp>
-      <p:sp>
-        <p:nvSpPr>
-          <p:cNvPr id="2" name="TextBox 1"/>
-          <p:cNvSpPr txBox="1"/>
-          <p:nvPr/>
-        </p:nvSpPr>
-        <p:spPr>
-          <a:xfrm>
-            <a:off x="849288" y="3006913"/>
-            <a:ext cx="2952328" cy="369332"/>
-          </a:xfrm>
-          <a:prstGeom prst="rect">
-            <a:avLst/>
-          </a:prstGeom>
-          <a:noFill/>
-        </p:spPr>
-        <p:txBody>
-          <a:bodyPr wrap="square" rtlCol="0">
-            <a:spAutoFit/>
-          </a:bodyPr>
-          <a:lstStyle/>
-          <a:p>
-            <a:pPr algn="l" rtl="0"/>
-            <a:r>
-              <a:rPr lang="en-US" dirty="0" smtClean="0"/>
-              <a:t>You should have said:</a:t>
-            </a:r>
-            <a:endParaRPr lang="en-US" dirty="0"/>
-          </a:p>
-        </p:txBody>
-      </p:sp>
-      <p:sp>
-        <p:nvSpPr>
-          <p:cNvPr id="6" name="TextBox 5"/>
-          <p:cNvSpPr txBox="1"/>
-          <p:nvPr/>
-        </p:nvSpPr>
-        <p:spPr>
-          <a:xfrm>
-            <a:off x="5011939" y="3005777"/>
-            <a:ext cx="3256783" cy="369332"/>
-          </a:xfrm>
-          <a:prstGeom prst="rect">
-            <a:avLst/>
-          </a:prstGeom>
-          <a:noFill/>
-        </p:spPr>
-        <p:txBody>
-          <a:bodyPr wrap="square" rtlCol="0">
-            <a:spAutoFit/>
-          </a:bodyPr>
-          <a:lstStyle/>
-          <a:p>
-            <a:pPr algn="l" rtl="0"/>
-            <a:r>
-              <a:rPr lang="en-US" dirty="0" smtClean="0"/>
-              <a:t>But you sounded more like:</a:t>
-            </a:r>
-            <a:endParaRPr lang="en-US" dirty="0"/>
+              <a:t>‘bad’ </a:t>
+            </a:r>
+            <a:r>
+              <a:rPr lang="en-US" dirty="0"/>
+              <a:t>pronunciation quality.</a:t>
+            </a:r>
           </a:p>
         </p:txBody>
       </p:sp>
     </p:spTree>
     <p:extLst>
       <p:ext uri="{BB962C8B-B14F-4D97-AF65-F5344CB8AC3E}">
-        <p14:creationId xmlns:p14="http://schemas.microsoft.com/office/powerpoint/2010/main" val="1422337701"/>
+        <p14:creationId xmlns:p14="http://schemas.microsoft.com/office/powerpoint/2010/main" val="2776564436"/>
       </p:ext>
     </p:extLst>
   </p:cSld>
@@ -22142,56 +21514,52 @@
         </p:nvSpPr>
         <p:spPr>
           <a:xfrm>
-            <a:off x="457200" y="980728"/>
-            <a:ext cx="8291264" cy="5472608"/>
+            <a:off x="418117" y="764704"/>
+            <a:ext cx="8229600" cy="5976664"/>
           </a:xfrm>
         </p:spPr>
         <p:txBody>
           <a:bodyPr>
-            <a:normAutofit lnSpcReduction="10000"/>
+            <a:normAutofit/>
           </a:bodyPr>
           <a:lstStyle/>
           <a:p>
             <a:r>
               <a:rPr lang="en-US" dirty="0"/>
-              <a:t>Present the </a:t>
+              <a:t>Give the phoneme having the maximal score given by the phoneme classier, for each block </a:t>
             </a:r>
             <a:r>
               <a:rPr lang="en-US" dirty="0" smtClean="0"/>
-              <a:t>difference </a:t>
+              <a:t>of frames </a:t>
             </a:r>
             <a:r>
               <a:rPr lang="en-US" dirty="0"/>
-              <a:t>between the two scores mentioned above: </a:t>
+              <a:t>in the utterance, and present it as the output to the user </a:t>
             </a:r>
             <a:r>
               <a:rPr lang="en-US" dirty="0" smtClean="0"/>
-              <a:t/>
+              <a:t>- </a:t>
+            </a:r>
+            <a:r>
+              <a:rPr lang="en-US" dirty="0"/>
+              <a:t>as to tell him he </a:t>
+            </a:r>
+            <a:r>
+              <a:rPr lang="en-US" dirty="0" smtClean="0"/>
+              <a:t>sounded more </a:t>
+            </a:r>
+            <a:r>
+              <a:rPr lang="en-US" dirty="0"/>
+              <a:t>like this phoneme than the desired correct </a:t>
+            </a:r>
+            <a:r>
+              <a:rPr lang="en-US" dirty="0" smtClean="0"/>
+              <a:t>one.</a:t>
             </a:r>
             <a:br>
               <a:rPr lang="en-US" dirty="0" smtClean="0"/>
             </a:br>
             <a:r>
-              <a:rPr lang="en-US" dirty="0"/>
-              <a:t>The </a:t>
-            </a:r>
-            <a:r>
-              <a:rPr lang="en-US" dirty="0" smtClean="0"/>
-              <a:t>maximal score - the </a:t>
-            </a:r>
-            <a:r>
-              <a:rPr lang="en-US" dirty="0"/>
-              <a:t>score </a:t>
-            </a:r>
-            <a:r>
-              <a:rPr lang="en-US" dirty="0"/>
-              <a:t>of the correct </a:t>
-            </a:r>
-            <a:r>
-              <a:rPr lang="en-US" dirty="0" smtClean="0"/>
-              <a:t>phoneme.</a:t>
-            </a:r>
-            <a:r>
               <a:rPr lang="en-US" dirty="0" smtClean="0"/>
               <a:t/>
             </a:r>
@@ -22206,18 +21574,6 @@
               <a:rPr lang="en-US" dirty="0" smtClean="0"/>
             </a:br>
             <a:r>
-              <a:rPr lang="en-US" b="1" u="sng" dirty="0" smtClean="0"/>
-              <a:t>Conclusions</a:t>
-            </a:r>
-            <a:r>
-              <a:rPr lang="en-US" b="1" u="sng" dirty="0"/>
-              <a:t>:</a:t>
-            </a:r>
-            <a:r>
-              <a:rPr lang="en-US" dirty="0"/>
-              <a:t> </a:t>
-            </a:r>
-            <a:r>
               <a:rPr lang="en-US" dirty="0" smtClean="0"/>
               <a:t/>
             </a:r>
@@ -22225,26 +21581,6 @@
               <a:rPr lang="en-US" dirty="0" smtClean="0"/>
             </a:br>
             <a:r>
-              <a:rPr lang="en-US" u="sng" dirty="0" smtClean="0"/>
-              <a:t>Better</a:t>
-            </a:r>
-            <a:r>
-              <a:rPr lang="en-US" dirty="0"/>
-              <a:t>, since addresses </a:t>
-            </a:r>
-            <a:r>
-              <a:rPr lang="en-US" dirty="0"/>
-              <a:t>the previous </a:t>
-            </a:r>
-            <a:r>
-              <a:rPr lang="en-US" dirty="0" smtClean="0"/>
-              <a:t>approaches’ </a:t>
-            </a:r>
-            <a:r>
-              <a:rPr lang="en-US" dirty="0"/>
-              <a:t>problems. </a:t>
-            </a:r>
-            <a:r>
               <a:rPr lang="en-US" dirty="0" smtClean="0"/>
               <a:t/>
             </a:r>
@@ -22252,26 +21588,6 @@
               <a:rPr lang="en-US" dirty="0" smtClean="0"/>
             </a:br>
             <a:r>
-              <a:rPr lang="en-US" u="sng" dirty="0" smtClean="0"/>
-              <a:t>But- </a:t>
-            </a:r>
-            <a:r>
-              <a:rPr lang="en-US" dirty="0"/>
-              <a:t>still </a:t>
-            </a:r>
-            <a:r>
-              <a:rPr lang="en-US" dirty="0" smtClean="0"/>
-              <a:t>not good </a:t>
-            </a:r>
-            <a:r>
-              <a:rPr lang="en-US" dirty="0"/>
-              <a:t>enough, because it ignores the scores' original scale (since it only gives their </a:t>
-            </a:r>
-            <a:r>
-              <a:rPr lang="en-US" dirty="0" smtClean="0"/>
-              <a:t>difference), thus not always representing the severity of the difference. </a:t>
-            </a:r>
-            <a:r>
               <a:rPr lang="en-US" dirty="0" smtClean="0"/>
               <a:t/>
             </a:r>
@@ -22279,6 +21595,10 @@
               <a:rPr lang="en-US" dirty="0" smtClean="0"/>
             </a:br>
             <a:r>
+              <a:rPr lang="en-US" b="1" u="sng" dirty="0" smtClean="0"/>
+              <a:t>Conclusions:</a:t>
+            </a:r>
+            <a:r>
               <a:rPr lang="en-US" dirty="0" smtClean="0"/>
               <a:t/>
             </a:r>
@@ -22287,27 +21607,208 @@
             </a:br>
             <a:r>
               <a:rPr lang="en-US" dirty="0" smtClean="0"/>
-              <a:t>In addition, does not solve the scaling problem </a:t>
-            </a:r>
-            <a:r>
-              <a:rPr lang="en-US" dirty="0"/>
-              <a:t>-</a:t>
-            </a:r>
+              <a:t>Non measurable output, which does not exactly meets the original goal of pointing the user towards how far he is from correct pronunciation.</a:t>
+            </a:r>
+            <a:endParaRPr lang="en-US" dirty="0"/>
+          </a:p>
+        </p:txBody>
+      </p:sp>
+      <p:sp>
+        <p:nvSpPr>
+          <p:cNvPr id="4" name="TextBox 3"/>
+          <p:cNvSpPr txBox="1"/>
+          <p:nvPr/>
+        </p:nvSpPr>
+        <p:spPr>
+          <a:xfrm>
+            <a:off x="417240" y="3492298"/>
+            <a:ext cx="3816424" cy="584775"/>
+          </a:xfrm>
+          <a:prstGeom prst="rect">
+            <a:avLst/>
+          </a:prstGeom>
+          <a:noFill/>
+        </p:spPr>
+        <p:txBody>
+          <a:bodyPr wrap="square" rtlCol="0">
+            <a:spAutoFit/>
+          </a:bodyPr>
+          <a:lstStyle/>
+          <a:p>
+            <a:pPr algn="l" rtl="0"/>
+            <a:r>
+              <a:rPr lang="pt-BR" sz="3200" dirty="0">
+                <a:solidFill>
+                  <a:srgbClr val="FF0000"/>
+                </a:solidFill>
+              </a:rPr>
+              <a:t>b</a:t>
+            </a:r>
+            <a:r>
+              <a:rPr lang="pt-BR" sz="3200" dirty="0"/>
+              <a:t> </a:t>
+            </a:r>
+            <a:r>
+              <a:rPr lang="pt-BR" sz="3200" dirty="0" smtClean="0">
+                <a:solidFill>
+                  <a:srgbClr val="FF0000"/>
+                </a:solidFill>
+              </a:rPr>
+              <a:t> </a:t>
+            </a:r>
+            <a:r>
+              <a:rPr lang="pt-BR" sz="3200" dirty="0" smtClean="0"/>
+              <a:t>eh  sil  </a:t>
+            </a:r>
+            <a:r>
+              <a:rPr lang="pt-BR" sz="3200" dirty="0" smtClean="0">
+                <a:solidFill>
+                  <a:srgbClr val="800080"/>
+                </a:solidFill>
+              </a:rPr>
+              <a:t>d</a:t>
+            </a:r>
+            <a:r>
+              <a:rPr lang="pt-BR" sz="3200" dirty="0" smtClean="0"/>
+              <a:t>  </a:t>
+            </a:r>
+            <a:r>
+              <a:rPr lang="pt-BR" sz="3200" dirty="0"/>
+              <a:t>r </a:t>
+            </a:r>
+            <a:r>
+              <a:rPr lang="pt-BR" sz="3200" dirty="0" smtClean="0"/>
+              <a:t> uh </a:t>
+            </a:r>
+            <a:r>
+              <a:rPr lang="pt-BR" sz="3200" dirty="0"/>
+              <a:t>m</a:t>
+            </a:r>
+            <a:endParaRPr lang="en-US" sz="3200" dirty="0"/>
+          </a:p>
+        </p:txBody>
+      </p:sp>
+      <p:sp>
+        <p:nvSpPr>
+          <p:cNvPr id="5" name="TextBox 4"/>
+          <p:cNvSpPr txBox="1"/>
+          <p:nvPr/>
+        </p:nvSpPr>
+        <p:spPr>
+          <a:xfrm>
+            <a:off x="4953744" y="3492299"/>
+            <a:ext cx="3888432" cy="584775"/>
+          </a:xfrm>
+          <a:prstGeom prst="rect">
+            <a:avLst/>
+          </a:prstGeom>
+          <a:noFill/>
+        </p:spPr>
+        <p:txBody>
+          <a:bodyPr wrap="square" rtlCol="0">
+            <a:spAutoFit/>
+          </a:bodyPr>
+          <a:lstStyle/>
+          <a:p>
+            <a:pPr algn="l" rtl="0"/>
+            <a:r>
+              <a:rPr lang="pt-BR" sz="3200" dirty="0" smtClean="0">
+                <a:solidFill>
+                  <a:srgbClr val="FF0000"/>
+                </a:solidFill>
+              </a:rPr>
+              <a:t>f</a:t>
+            </a:r>
+            <a:r>
+              <a:rPr lang="pt-BR" sz="3200" dirty="0" smtClean="0"/>
+              <a:t>  eh  sil  </a:t>
+            </a:r>
+            <a:r>
+              <a:rPr lang="pt-BR" sz="3200" dirty="0" smtClean="0">
+                <a:solidFill>
+                  <a:srgbClr val="800080"/>
+                </a:solidFill>
+              </a:rPr>
+              <a:t>l</a:t>
+            </a:r>
+            <a:r>
+              <a:rPr lang="pt-BR" sz="3200" dirty="0" smtClean="0"/>
+              <a:t>  r  uh  </a:t>
+            </a:r>
+            <a:r>
+              <a:rPr lang="pt-BR" sz="3200" dirty="0"/>
+              <a:t>m</a:t>
+            </a:r>
+            <a:endParaRPr lang="en-US" sz="3200" dirty="0"/>
+          </a:p>
+        </p:txBody>
+      </p:sp>
+      <p:sp>
+        <p:nvSpPr>
+          <p:cNvPr id="2" name="TextBox 1"/>
+          <p:cNvSpPr txBox="1"/>
+          <p:nvPr/>
+        </p:nvSpPr>
+        <p:spPr>
+          <a:xfrm>
+            <a:off x="849288" y="3006913"/>
+            <a:ext cx="2952328" cy="369332"/>
+          </a:xfrm>
+          <a:prstGeom prst="rect">
+            <a:avLst/>
+          </a:prstGeom>
+          <a:noFill/>
+        </p:spPr>
+        <p:txBody>
+          <a:bodyPr wrap="square" rtlCol="0">
+            <a:spAutoFit/>
+          </a:bodyPr>
+          <a:lstStyle/>
+          <a:p>
+            <a:pPr algn="l" rtl="0"/>
             <a:r>
               <a:rPr lang="en-US" dirty="0" smtClean="0"/>
-              <a:t> </a:t>
-            </a:r>
-            <a:r>
-              <a:rPr lang="en-US" dirty="0"/>
-              <a:t>do not give a clear range and threshold for the pronunciation quality.</a:t>
-            </a:r>
+              <a:t>You should have said:</a:t>
+            </a:r>
+            <a:endParaRPr lang="en-US" dirty="0"/>
+          </a:p>
+        </p:txBody>
+      </p:sp>
+      <p:sp>
+        <p:nvSpPr>
+          <p:cNvPr id="6" name="TextBox 5"/>
+          <p:cNvSpPr txBox="1"/>
+          <p:nvPr/>
+        </p:nvSpPr>
+        <p:spPr>
+          <a:xfrm>
+            <a:off x="5011939" y="3005777"/>
+            <a:ext cx="3256783" cy="369332"/>
+          </a:xfrm>
+          <a:prstGeom prst="rect">
+            <a:avLst/>
+          </a:prstGeom>
+          <a:noFill/>
+        </p:spPr>
+        <p:txBody>
+          <a:bodyPr wrap="square" rtlCol="0">
+            <a:spAutoFit/>
+          </a:bodyPr>
+          <a:lstStyle/>
+          <a:p>
+            <a:pPr algn="l" rtl="0"/>
+            <a:r>
+              <a:rPr lang="en-US" dirty="0" smtClean="0"/>
+              <a:t>But you sounded more like:</a:t>
+            </a:r>
+            <a:endParaRPr lang="en-US" dirty="0"/>
           </a:p>
         </p:txBody>
       </p:sp>
     </p:spTree>
     <p:extLst>
       <p:ext uri="{BB962C8B-B14F-4D97-AF65-F5344CB8AC3E}">
-        <p14:creationId xmlns:p14="http://schemas.microsoft.com/office/powerpoint/2010/main" val="2492120708"/>
+        <p14:creationId xmlns:p14="http://schemas.microsoft.com/office/powerpoint/2010/main" val="1422337701"/>
       </p:ext>
     </p:extLst>
   </p:cSld>
@@ -22363,42 +21864,57 @@
             <p:ph idx="1"/>
           </p:nvPr>
         </p:nvSpPr>
-        <p:spPr/>
+        <p:spPr>
+          <a:xfrm>
+            <a:off x="457200" y="980728"/>
+            <a:ext cx="8291264" cy="5472608"/>
+          </a:xfrm>
+        </p:spPr>
         <p:txBody>
-          <a:bodyPr/>
+          <a:bodyPr>
+            <a:normAutofit lnSpcReduction="10000"/>
+          </a:bodyPr>
           <a:lstStyle/>
           <a:p>
             <a:r>
               <a:rPr lang="en-US" dirty="0"/>
-              <a:t>Present the ratio between the two scores </a:t>
+              <a:t>Present the </a:t>
             </a:r>
             <a:r>
               <a:rPr lang="en-US" dirty="0" smtClean="0"/>
-              <a:t>mentioned.</a:t>
+              <a:t>difference </a:t>
+            </a:r>
+            <a:r>
+              <a:rPr lang="en-US" dirty="0"/>
+              <a:t>between the two scores mentioned above: </a:t>
+            </a:r>
+            <a:r>
+              <a:rPr lang="en-US" dirty="0" smtClean="0"/>
+              <a:t/>
             </a:r>
             <a:br>
               <a:rPr lang="en-US" dirty="0" smtClean="0"/>
             </a:br>
             <a:r>
+              <a:rPr lang="en-US" dirty="0"/>
+              <a:t>The </a:t>
+            </a:r>
+            <a:r>
               <a:rPr lang="en-US" dirty="0" smtClean="0"/>
-              <a:t/>
+              <a:t>maximal score - the </a:t>
+            </a:r>
+            <a:r>
+              <a:rPr lang="en-US" dirty="0"/>
+              <a:t>score of the correct </a:t>
+            </a:r>
+            <a:r>
+              <a:rPr lang="en-US" dirty="0" smtClean="0"/>
+              <a:t>phoneme.</a:t>
             </a:r>
             <a:br>
               <a:rPr lang="en-US" dirty="0" smtClean="0"/>
             </a:br>
             <a:r>
-              <a:rPr lang="en-US" b="1" u="sng" dirty="0" smtClean="0"/>
-              <a:t>Conclusions</a:t>
-            </a:r>
-            <a:r>
-              <a:rPr lang="en-US" b="1" u="sng" dirty="0"/>
-              <a:t>:</a:t>
-            </a:r>
-            <a:r>
-              <a:rPr lang="en-US" dirty="0"/>
-              <a:t> </a:t>
-            </a:r>
-            <a:r>
               <a:rPr lang="en-US" dirty="0" smtClean="0"/>
               <a:t/>
             </a:r>
@@ -22406,20 +21922,92 @@
               <a:rPr lang="en-US" dirty="0" smtClean="0"/>
             </a:br>
             <a:r>
+              <a:rPr lang="en-US" b="1" u="sng" dirty="0" smtClean="0"/>
+              <a:t>Conclusions</a:t>
+            </a:r>
+            <a:r>
+              <a:rPr lang="en-US" b="1" u="sng" dirty="0"/>
+              <a:t>:</a:t>
+            </a:r>
+            <a:r>
+              <a:rPr lang="en-US" dirty="0"/>
+              <a:t> </a:t>
+            </a:r>
+            <a:r>
               <a:rPr lang="en-US" dirty="0" smtClean="0"/>
-              <a:t>So </a:t>
+              <a:t/>
+            </a:r>
+            <a:br>
+              <a:rPr lang="en-US" dirty="0" smtClean="0"/>
+            </a:br>
+            <a:r>
+              <a:rPr lang="en-US" u="sng" dirty="0" smtClean="0"/>
+              <a:t>Better</a:t>
             </a:r>
             <a:r>
               <a:rPr lang="en-US" dirty="0"/>
-              <a:t>far the best and most accurate solution, which addresses all the problems </a:t>
+              <a:t>, since addresses the previous </a:t>
             </a:r>
             <a:r>
               <a:rPr lang="en-US" dirty="0" smtClean="0"/>
-              <a:t>we ran </a:t>
+              <a:t>approaches’ </a:t>
             </a:r>
             <a:r>
               <a:rPr lang="en-US" dirty="0"/>
-              <a:t>into.</a:t>
+              <a:t>problems. </a:t>
+            </a:r>
+            <a:r>
+              <a:rPr lang="en-US" dirty="0" smtClean="0"/>
+              <a:t/>
+            </a:r>
+            <a:br>
+              <a:rPr lang="en-US" dirty="0" smtClean="0"/>
+            </a:br>
+            <a:r>
+              <a:rPr lang="en-US" u="sng" dirty="0" smtClean="0"/>
+              <a:t>But- </a:t>
+            </a:r>
+            <a:r>
+              <a:rPr lang="en-US" dirty="0"/>
+              <a:t>still </a:t>
+            </a:r>
+            <a:r>
+              <a:rPr lang="en-US" dirty="0" smtClean="0"/>
+              <a:t>not good </a:t>
+            </a:r>
+            <a:r>
+              <a:rPr lang="en-US" dirty="0"/>
+              <a:t>enough, because it ignores the scores' original scale (since it only gives their </a:t>
+            </a:r>
+            <a:r>
+              <a:rPr lang="en-US" dirty="0" smtClean="0"/>
+              <a:t>difference), thus not always representing the severity of the difference. </a:t>
+            </a:r>
+            <a:br>
+              <a:rPr lang="en-US" dirty="0" smtClean="0"/>
+            </a:br>
+            <a:r>
+              <a:rPr lang="en-US" dirty="0" smtClean="0"/>
+              <a:t/>
+            </a:r>
+            <a:br>
+              <a:rPr lang="en-US" dirty="0" smtClean="0"/>
+            </a:br>
+            <a:r>
+              <a:rPr lang="en-US" dirty="0" smtClean="0"/>
+              <a:t>In addition, does not solve the scaling problem </a:t>
+            </a:r>
+            <a:r>
+              <a:rPr lang="en-US" dirty="0"/>
+              <a:t>-</a:t>
+            </a:r>
+            <a:r>
+              <a:rPr lang="en-US" dirty="0" smtClean="0"/>
+              <a:t> </a:t>
+            </a:r>
+            <a:r>
+              <a:rPr lang="en-US" dirty="0"/>
+              <a:t>do not give a clear range and threshold for the pronunciation quality.</a:t>
             </a:r>
           </a:p>
         </p:txBody>
@@ -22427,7 +22015,7 @@
     </p:spTree>
     <p:extLst>
       <p:ext uri="{BB962C8B-B14F-4D97-AF65-F5344CB8AC3E}">
-        <p14:creationId xmlns:p14="http://schemas.microsoft.com/office/powerpoint/2010/main" val="369915220"/>
+        <p14:creationId xmlns:p14="http://schemas.microsoft.com/office/powerpoint/2010/main" val="2492120708"/>
       </p:ext>
     </p:extLst>
   </p:cSld>
@@ -22483,59 +22071,71 @@
             <p:ph idx="1"/>
           </p:nvPr>
         </p:nvSpPr>
-        <p:spPr>
-          <a:xfrm>
-            <a:off x="467544" y="2564904"/>
-            <a:ext cx="8229600" cy="3600400"/>
-          </a:xfrm>
-        </p:spPr>
-        <p:txBody>
-          <a:bodyPr/>
-          <a:lstStyle/>
-          <a:p>
-            <a:pPr marL="457200" indent="-457200">
-              <a:buFont typeface="+mj-lt"/>
-              <a:buAutoNum type="arabicPeriod"/>
-            </a:pPr>
-            <a:r>
-              <a:rPr lang="en-US" dirty="0" smtClean="0"/>
-              <a:t>Once we could use the application to record data of our own, we discovered the algorithm behaves differently applied on this records than on the TIMIT data we used for development</a:t>
-            </a:r>
-            <a:r>
-              <a:rPr lang="en-US" dirty="0" smtClean="0"/>
-              <a:t>.</a:t>
-            </a:r>
-            <a:endParaRPr lang="en-US" dirty="0" smtClean="0"/>
-          </a:p>
-        </p:txBody>
-      </p:sp>
-      <p:sp>
-        <p:nvSpPr>
-          <p:cNvPr id="4" name="כותרת 3"/>
-          <p:cNvSpPr>
-            <a:spLocks noGrp="1"/>
-          </p:cNvSpPr>
-          <p:nvPr>
-            <p:ph type="title"/>
-          </p:nvPr>
-        </p:nvSpPr>
         <p:spPr/>
         <p:txBody>
           <a:bodyPr/>
           <a:lstStyle/>
           <a:p>
             <a:r>
+              <a:rPr lang="en-US" dirty="0"/>
+              <a:t>Present the ratio between the two scores </a:t>
+            </a:r>
+            <a:r>
               <a:rPr lang="en-US" dirty="0" smtClean="0"/>
-              <a:t>Main Struggles</a:t>
-            </a:r>
-            <a:endParaRPr lang="en-US" dirty="0"/>
+              <a:t>mentioned.</a:t>
+            </a:r>
+            <a:br>
+              <a:rPr lang="en-US" dirty="0" smtClean="0"/>
+            </a:br>
+            <a:r>
+              <a:rPr lang="en-US" dirty="0" smtClean="0"/>
+              <a:t/>
+            </a:r>
+            <a:br>
+              <a:rPr lang="en-US" dirty="0" smtClean="0"/>
+            </a:br>
+            <a:r>
+              <a:rPr lang="en-US" b="1" u="sng" dirty="0" smtClean="0"/>
+              <a:t>Conclusions</a:t>
+            </a:r>
+            <a:r>
+              <a:rPr lang="en-US" b="1" u="sng" dirty="0"/>
+              <a:t>:</a:t>
+            </a:r>
+            <a:r>
+              <a:rPr lang="en-US" dirty="0"/>
+              <a:t> </a:t>
+            </a:r>
+            <a:r>
+              <a:rPr lang="en-US" dirty="0" smtClean="0"/>
+              <a:t/>
+            </a:r>
+            <a:br>
+              <a:rPr lang="en-US" dirty="0" smtClean="0"/>
+            </a:br>
+            <a:r>
+              <a:rPr lang="en-US" dirty="0" smtClean="0"/>
+              <a:t>So </a:t>
+            </a:r>
+            <a:r>
+              <a:rPr lang="en-US" dirty="0"/>
+              <a:t>far the best and most accurate solution, which addresses all the problems </a:t>
+            </a:r>
+            <a:r>
+              <a:rPr lang="en-US" dirty="0" smtClean="0"/>
+              <a:t>we ran </a:t>
+            </a:r>
+            <a:r>
+              <a:rPr lang="en-US" dirty="0"/>
+              <a:t>into.</a:t>
+            </a:r>
           </a:p>
         </p:txBody>
       </p:sp>
     </p:spTree>
     <p:extLst>
       <p:ext uri="{BB962C8B-B14F-4D97-AF65-F5344CB8AC3E}">
-        <p14:creationId xmlns:p14="http://schemas.microsoft.com/office/powerpoint/2010/main" val="762566328"/>
+        <p14:creationId xmlns:p14="http://schemas.microsoft.com/office/powerpoint/2010/main" val="369915220"/>
       </p:ext>
     </p:extLst>
   </p:cSld>
@@ -22591,14 +22191,125 @@
             <p:ph idx="1"/>
           </p:nvPr>
         </p:nvSpPr>
+        <p:spPr>
+          <a:xfrm>
+            <a:off x="467544" y="2564904"/>
+            <a:ext cx="8229600" cy="3600400"/>
+          </a:xfrm>
+        </p:spPr>
+        <p:txBody>
+          <a:bodyPr/>
+          <a:lstStyle/>
+          <a:p>
+            <a:pPr marL="457200" indent="-457200">
+              <a:buFont typeface="+mj-lt"/>
+              <a:buAutoNum type="arabicPeriod"/>
+            </a:pPr>
+            <a:r>
+              <a:rPr lang="en-US" dirty="0" smtClean="0"/>
+              <a:t>Once we could use the application to record data of our own, we discovered the algorithm behaves differently applied on this records than on the TIMIT data we used for development.</a:t>
+            </a:r>
+          </a:p>
+        </p:txBody>
+      </p:sp>
+      <p:sp>
+        <p:nvSpPr>
+          <p:cNvPr id="4" name="כותרת 3"/>
+          <p:cNvSpPr>
+            <a:spLocks noGrp="1"/>
+          </p:cNvSpPr>
+          <p:nvPr>
+            <p:ph type="title"/>
+          </p:nvPr>
+        </p:nvSpPr>
         <p:spPr/>
         <p:txBody>
           <a:bodyPr/>
           <a:lstStyle/>
           <a:p>
             <a:r>
+              <a:rPr lang="en-US" dirty="0" smtClean="0"/>
+              <a:t>Main Struggles</a:t>
+            </a:r>
+            <a:endParaRPr lang="en-US" dirty="0"/>
+          </a:p>
+        </p:txBody>
+      </p:sp>
+    </p:spTree>
+    <p:extLst>
+      <p:ext uri="{BB962C8B-B14F-4D97-AF65-F5344CB8AC3E}">
+        <p14:creationId xmlns:p14="http://schemas.microsoft.com/office/powerpoint/2010/main" val="762566328"/>
+      </p:ext>
+    </p:extLst>
+  </p:cSld>
+  <p:clrMapOvr>
+    <a:masterClrMapping/>
+  </p:clrMapOvr>
+  <mc:AlternateContent xmlns:mc="http://schemas.openxmlformats.org/markup-compatibility/2006" xmlns:p14="http://schemas.microsoft.com/office/powerpoint/2010/main">
+    <mc:Choice Requires="p14">
+      <p:transition spd="med" p14:dur="700">
+        <p:fade/>
+      </p:transition>
+    </mc:Choice>
+    <mc:Fallback xmlns="">
+      <p:transition spd="med">
+        <p:fade/>
+      </p:transition>
+    </mc:Fallback>
+  </mc:AlternateContent>
+  <p:timing>
+    <p:tnLst>
+      <p:par>
+        <p:cTn id="1" dur="indefinite" restart="never" nodeType="tmRoot"/>
+      </p:par>
+    </p:tnLst>
+  </p:timing>
+</p:sld>
+</file>
+
+<file path=ppt/slides/slide45.xml><?xml version="1.0" encoding="utf-8"?>
+<p:sld xmlns:a="http://schemas.openxmlformats.org/drawingml/2006/main" xmlns:r="http://schemas.openxmlformats.org/officeDocument/2006/relationships" xmlns:p="http://schemas.openxmlformats.org/presentationml/2006/main">
+  <p:cSld>
+    <p:spTree>
+      <p:nvGrpSpPr>
+        <p:cNvPr id="1" name=""/>
+        <p:cNvGrpSpPr/>
+        <p:nvPr/>
+      </p:nvGrpSpPr>
+      <p:grpSpPr>
+        <a:xfrm>
+          <a:off x="0" y="0"/>
+          <a:ext cx="0" cy="0"/>
+          <a:chOff x="0" y="0"/>
+          <a:chExt cx="0" cy="0"/>
+        </a:xfrm>
+      </p:grpSpPr>
+      <p:sp>
+        <p:nvSpPr>
+          <p:cNvPr id="3" name="מציין מיקום תוכן 2"/>
+          <p:cNvSpPr>
+            <a:spLocks noGrp="1"/>
+          </p:cNvSpPr>
+          <p:nvPr>
+            <p:ph idx="1"/>
+          </p:nvPr>
+        </p:nvSpPr>
+        <p:spPr/>
+        <p:txBody>
+          <a:bodyPr/>
+          <a:lstStyle/>
+          <a:p>
+            <a:r>
               <a:rPr lang="en-US" dirty="0"/>
-              <a:t>We raised a hypothesis that the reason is that the current phoneme classier was trained only on English native speakers data, and could have interpreted wrongly the slight differences in the Israeli accent.</a:t>
+              <a:t>We raised a hypothesis that the reason is that the current phoneme </a:t>
+            </a:r>
+            <a:r>
+              <a:rPr lang="en-US" dirty="0" smtClean="0"/>
+              <a:t>classifier </a:t>
+            </a:r>
+            <a:r>
+              <a:rPr lang="en-US" dirty="0"/>
+              <a:t>was trained only on English native speakers data, and could have interpreted wrongly the slight differences in the Israeli accent.</a:t>
             </a:r>
           </a:p>
           <a:p>
@@ -22770,7 +22481,7 @@
 </p:sld>
 </file>
 
-<file path=ppt/slides/slide45.xml><?xml version="1.0" encoding="utf-8"?>
+<file path=ppt/slides/slide46.xml><?xml version="1.0" encoding="utf-8"?>
 <p:sld xmlns:a="http://schemas.openxmlformats.org/drawingml/2006/main" xmlns:r="http://schemas.openxmlformats.org/officeDocument/2006/relationships" xmlns:p="http://schemas.openxmlformats.org/presentationml/2006/main">
   <p:cSld>
     <p:spTree>
@@ -22842,11 +22553,7 @@
             </a:r>
             <a:r>
               <a:rPr lang="en-US" sz="2400" dirty="0" smtClean="0"/>
-              <a:t>pronunciation</a:t>
-            </a:r>
-            <a:r>
-              <a:rPr lang="en-US" sz="2400" dirty="0" smtClean="0"/>
-              <a:t>.</a:t>
+              <a:t>pronunciation.</a:t>
             </a:r>
           </a:p>
           <a:p>
@@ -22930,7 +22637,7 @@
 </p:sld>
 </file>
 
-<file path=ppt/slides/slide46.xml><?xml version="1.0" encoding="utf-8"?>
+<file path=ppt/slides/slide47.xml><?xml version="1.0" encoding="utf-8"?>
 <p:sld xmlns:a="http://schemas.openxmlformats.org/drawingml/2006/main" xmlns:r="http://schemas.openxmlformats.org/officeDocument/2006/relationships" xmlns:p="http://schemas.openxmlformats.org/presentationml/2006/main">
   <p:cSld>
     <p:spTree>
@@ -23127,7 +22834,7 @@
 </p:sld>
 </file>
 
-<file path=ppt/slides/slide47.xml><?xml version="1.0" encoding="utf-8"?>
+<file path=ppt/slides/slide48.xml><?xml version="1.0" encoding="utf-8"?>
 <p:sld xmlns:a="http://schemas.openxmlformats.org/drawingml/2006/main" xmlns:r="http://schemas.openxmlformats.org/officeDocument/2006/relationships" xmlns:p="http://schemas.openxmlformats.org/presentationml/2006/main">
   <p:cSld>
     <p:spTree>
@@ -23260,165 +22967,6 @@
     <p:extLst>
       <p:ext uri="{BB962C8B-B14F-4D97-AF65-F5344CB8AC3E}">
         <p14:creationId xmlns:p14="http://schemas.microsoft.com/office/powerpoint/2010/main" val="3551466520"/>
-      </p:ext>
-    </p:extLst>
-  </p:cSld>
-  <p:clrMapOvr>
-    <a:masterClrMapping/>
-  </p:clrMapOvr>
-  <mc:AlternateContent xmlns:mc="http://schemas.openxmlformats.org/markup-compatibility/2006" xmlns:p14="http://schemas.microsoft.com/office/powerpoint/2010/main">
-    <mc:Choice Requires="p14">
-      <p:transition spd="med" p14:dur="700">
-        <p:fade/>
-      </p:transition>
-    </mc:Choice>
-    <mc:Fallback xmlns="">
-      <p:transition spd="med">
-        <p:fade/>
-      </p:transition>
-    </mc:Fallback>
-  </mc:AlternateContent>
-  <p:timing>
-    <p:tnLst>
-      <p:par>
-        <p:cTn id="1" dur="indefinite" restart="never" nodeType="tmRoot"/>
-      </p:par>
-    </p:tnLst>
-  </p:timing>
-</p:sld>
-</file>
-
-<file path=ppt/slides/slide48.xml><?xml version="1.0" encoding="utf-8"?>
-<p:sld xmlns:a="http://schemas.openxmlformats.org/drawingml/2006/main" xmlns:r="http://schemas.openxmlformats.org/officeDocument/2006/relationships" xmlns:p="http://schemas.openxmlformats.org/presentationml/2006/main">
-  <p:cSld>
-    <p:spTree>
-      <p:nvGrpSpPr>
-        <p:cNvPr id="1" name=""/>
-        <p:cNvGrpSpPr/>
-        <p:nvPr/>
-      </p:nvGrpSpPr>
-      <p:grpSpPr>
-        <a:xfrm>
-          <a:off x="0" y="0"/>
-          <a:ext cx="0" cy="0"/>
-          <a:chOff x="0" y="0"/>
-          <a:chExt cx="0" cy="0"/>
-        </a:xfrm>
-      </p:grpSpPr>
-      <p:sp>
-        <p:nvSpPr>
-          <p:cNvPr id="3" name="מציין מיקום תוכן 2"/>
-          <p:cNvSpPr>
-            <a:spLocks noGrp="1"/>
-          </p:cNvSpPr>
-          <p:nvPr>
-            <p:ph idx="1"/>
-          </p:nvPr>
-        </p:nvSpPr>
-        <p:spPr>
-          <a:xfrm>
-            <a:off x="179512" y="332656"/>
-            <a:ext cx="8507288" cy="5793507"/>
-          </a:xfrm>
-        </p:spPr>
-        <p:txBody>
-          <a:bodyPr/>
-          <a:lstStyle/>
-          <a:p>
-            <a:pPr marL="457200" indent="-457200">
-              <a:buFont typeface="+mj-lt"/>
-              <a:buAutoNum type="arabicPeriod" startAt="2"/>
-            </a:pPr>
-            <a:endParaRPr lang="en-US" dirty="0" smtClean="0"/>
-          </a:p>
-          <a:p>
-            <a:pPr marL="457200" indent="-457200">
-              <a:buFont typeface="+mj-lt"/>
-              <a:buAutoNum type="arabicPeriod" startAt="2"/>
-            </a:pPr>
-            <a:r>
-              <a:rPr lang="en-US" dirty="0" smtClean="0"/>
-              <a:t> </a:t>
-            </a:r>
-          </a:p>
-          <a:p>
-            <a:pPr marL="857250" lvl="1" indent="-457200">
-              <a:buFont typeface="Arial" panose="020B0604020202020204" pitchFamily="34" charset="0"/>
-              <a:buChar char="•"/>
-            </a:pPr>
-            <a:r>
-              <a:rPr lang="en-US" sz="2400" dirty="0" smtClean="0"/>
-              <a:t>Our </a:t>
-            </a:r>
-            <a:r>
-              <a:rPr lang="en-US" sz="2400" dirty="0" smtClean="0"/>
-              <a:t>android </a:t>
-            </a:r>
-            <a:r>
-              <a:rPr lang="en-US" sz="2400" dirty="0"/>
-              <a:t>application </a:t>
-            </a:r>
-            <a:r>
-              <a:rPr lang="en-US" sz="2400" dirty="0" smtClean="0"/>
-              <a:t>is </a:t>
-            </a:r>
-            <a:r>
-              <a:rPr lang="en-US" sz="2400" dirty="0"/>
-              <a:t>based on communication with a server running the </a:t>
-            </a:r>
-            <a:r>
-              <a:rPr lang="en-US" sz="2400" dirty="0" smtClean="0"/>
-              <a:t>forced alignment </a:t>
-            </a:r>
-            <a:r>
-              <a:rPr lang="en-US" sz="2400" dirty="0" smtClean="0"/>
-              <a:t>algorithm.</a:t>
-            </a:r>
-          </a:p>
-          <a:p>
-            <a:pPr marL="857250" lvl="1" indent="-457200">
-              <a:buFont typeface="Arial" panose="020B0604020202020204" pitchFamily="34" charset="0"/>
-              <a:buChar char="•"/>
-            </a:pPr>
-            <a:r>
-              <a:rPr lang="en-US" sz="2400" dirty="0" smtClean="0"/>
-              <a:t>During </a:t>
-            </a:r>
-            <a:r>
-              <a:rPr lang="en-US" sz="2400" dirty="0"/>
-              <a:t>the development we used a local server running on our Linux </a:t>
-            </a:r>
-            <a:r>
-              <a:rPr lang="en-US" sz="2400" dirty="0" smtClean="0"/>
-              <a:t>VM, </a:t>
-            </a:r>
-            <a:r>
-              <a:rPr lang="en-US" sz="2400" dirty="0"/>
-              <a:t>but </a:t>
-            </a:r>
-            <a:r>
-              <a:rPr lang="en-US" sz="2400" dirty="0" smtClean="0"/>
-              <a:t>for the final </a:t>
-            </a:r>
-            <a:r>
-              <a:rPr lang="en-US" sz="2400" dirty="0"/>
-              <a:t>project delivery we obviously needed a proper server with a static IP address which </a:t>
-            </a:r>
-            <a:r>
-              <a:rPr lang="en-US" sz="2400" dirty="0" smtClean="0"/>
-              <a:t>will be </a:t>
-            </a:r>
-            <a:r>
-              <a:rPr lang="en-US" sz="2400" dirty="0"/>
-              <a:t>running continuously.</a:t>
-            </a:r>
-          </a:p>
-        </p:txBody>
-      </p:sp>
-    </p:spTree>
-    <p:extLst>
-      <p:ext uri="{BB962C8B-B14F-4D97-AF65-F5344CB8AC3E}">
-        <p14:creationId xmlns:p14="http://schemas.microsoft.com/office/powerpoint/2010/main" val="284025404"/>
       </p:ext>
     </p:extLst>
   </p:cSld>
@@ -23474,59 +23022,94 @@
             <p:ph idx="1"/>
           </p:nvPr>
         </p:nvSpPr>
-        <p:spPr/>
+        <p:spPr>
+          <a:xfrm>
+            <a:off x="179512" y="332656"/>
+            <a:ext cx="8507288" cy="5793507"/>
+          </a:xfrm>
+        </p:spPr>
         <p:txBody>
           <a:bodyPr/>
           <a:lstStyle/>
           <a:p>
-            <a:r>
-              <a:rPr lang="en-US" dirty="0"/>
-              <a:t>With the help of Dr. Keshet we received a server to work on from the university. </a:t>
-            </a:r>
+            <a:pPr marL="457200" indent="-457200">
+              <a:buFont typeface="+mj-lt"/>
+              <a:buAutoNum type="arabicPeriod" startAt="2"/>
+            </a:pPr>
             <a:endParaRPr lang="en-US" dirty="0" smtClean="0"/>
           </a:p>
           <a:p>
+            <a:pPr marL="457200" indent="-457200">
+              <a:buFont typeface="+mj-lt"/>
+              <a:buAutoNum type="arabicPeriod" startAt="2"/>
+            </a:pPr>
             <a:r>
               <a:rPr lang="en-US" dirty="0" smtClean="0"/>
-              <a:t>But we </a:t>
-            </a:r>
-            <a:r>
-              <a:rPr lang="en-US" dirty="0"/>
-              <a:t>ran </a:t>
-            </a:r>
-            <a:r>
-              <a:rPr lang="en-US" dirty="0" smtClean="0"/>
-              <a:t>into several </a:t>
-            </a:r>
-            <a:r>
-              <a:rPr lang="en-US" dirty="0"/>
-              <a:t>technical problems with it, which mostly resulted from the fact it was running a </a:t>
-            </a:r>
-            <a:r>
-              <a:rPr lang="en-US" dirty="0" smtClean="0"/>
-              <a:t>windows, </a:t>
-            </a:r>
-            <a:r>
-              <a:rPr lang="en-US" dirty="0"/>
-              <a:t>and the use of Cygwin, which couldn't run </a:t>
-            </a:r>
-            <a:r>
-              <a:rPr lang="en-US" dirty="0" smtClean="0"/>
-              <a:t>our modules </a:t>
-            </a:r>
-            <a:r>
-              <a:rPr lang="en-US" dirty="0"/>
-              <a:t>and </a:t>
-            </a:r>
-            <a:r>
-              <a:rPr lang="en-US" dirty="0" smtClean="0"/>
-              <a:t>binaries properly.</a:t>
-            </a:r>
-          </a:p>
-          <a:p>
-            <a:r>
-              <a:rPr lang="en-US" dirty="0"/>
-              <a:t>Another issue was that we had problems with accessing it from outside of the university network.</a:t>
+              <a:t> </a:t>
+            </a:r>
+          </a:p>
+          <a:p>
+            <a:pPr marL="857250" lvl="1" indent="-457200">
+              <a:buFont typeface="Arial" panose="020B0604020202020204" pitchFamily="34" charset="0"/>
+              <a:buChar char="•"/>
+            </a:pPr>
+            <a:r>
+              <a:rPr lang="en-US" sz="2400" dirty="0" smtClean="0"/>
+              <a:t>Our android </a:t>
+            </a:r>
+            <a:r>
+              <a:rPr lang="en-US" sz="2400" dirty="0"/>
+              <a:t>application </a:t>
+            </a:r>
+            <a:r>
+              <a:rPr lang="en-US" sz="2400" dirty="0" smtClean="0"/>
+              <a:t>is </a:t>
+            </a:r>
+            <a:r>
+              <a:rPr lang="en-US" sz="2400" dirty="0"/>
+              <a:t>based on communication with a server running the </a:t>
+            </a:r>
+            <a:r>
+              <a:rPr lang="en-US" sz="2400" dirty="0" smtClean="0"/>
+              <a:t>forced alignment algorithm.</a:t>
+            </a:r>
+          </a:p>
+          <a:p>
+            <a:pPr marL="857250" lvl="1" indent="-457200">
+              <a:buFont typeface="Arial" panose="020B0604020202020204" pitchFamily="34" charset="0"/>
+              <a:buChar char="•"/>
+            </a:pPr>
+            <a:r>
+              <a:rPr lang="en-US" sz="2400" dirty="0" smtClean="0"/>
+              <a:t>During </a:t>
+            </a:r>
+            <a:r>
+              <a:rPr lang="en-US" sz="2400" dirty="0"/>
+              <a:t>the development we used a local server running on our Linux </a:t>
+            </a:r>
+            <a:r>
+              <a:rPr lang="en-US" sz="2400" dirty="0" smtClean="0"/>
+              <a:t>VM, </a:t>
+            </a:r>
+            <a:r>
+              <a:rPr lang="en-US" sz="2400" dirty="0"/>
+              <a:t>but </a:t>
+            </a:r>
+            <a:r>
+              <a:rPr lang="en-US" sz="2400" dirty="0" smtClean="0"/>
+              <a:t>for the final </a:t>
+            </a:r>
+            <a:r>
+              <a:rPr lang="en-US" sz="2400" dirty="0"/>
+              <a:t>project delivery we obviously needed a proper server with a static IP address which </a:t>
+            </a:r>
+            <a:r>
+              <a:rPr lang="en-US" sz="2400" dirty="0" smtClean="0"/>
+              <a:t>will be </a:t>
+            </a:r>
+            <a:r>
+              <a:rPr lang="en-US" sz="2400" dirty="0"/>
+              <a:t>running continuously.</a:t>
             </a:r>
           </a:p>
         </p:txBody>
@@ -23534,7 +23117,7 @@
     </p:spTree>
     <p:extLst>
       <p:ext uri="{BB962C8B-B14F-4D97-AF65-F5344CB8AC3E}">
-        <p14:creationId xmlns:p14="http://schemas.microsoft.com/office/powerpoint/2010/main" val="3104507924"/>
+        <p14:creationId xmlns:p14="http://schemas.microsoft.com/office/powerpoint/2010/main" val="284025404"/>
       </p:ext>
     </p:extLst>
   </p:cSld>
@@ -23592,8 +23175,8 @@
         </p:nvSpPr>
         <p:spPr>
           <a:xfrm>
-            <a:off x="539552" y="1700808"/>
-            <a:ext cx="8229600" cy="6297563"/>
+            <a:off x="539552" y="2060849"/>
+            <a:ext cx="8229600" cy="4248471"/>
           </a:xfrm>
         </p:spPr>
         <p:txBody>
@@ -23617,16 +23200,27 @@
             </a:r>
             <a:r>
               <a:rPr lang="en-US" dirty="0"/>
-              <a:t>its phonetic content, </a:t>
+              <a:t>its phonetic </a:t>
             </a:r>
             <a:r>
               <a:rPr lang="en-US" dirty="0" smtClean="0"/>
-              <a:t>finds the </a:t>
+              <a:t>content - finds </a:t>
+            </a:r>
+            <a:r>
+              <a:rPr lang="en-US" dirty="0" smtClean="0"/>
+              <a:t>the </a:t>
             </a:r>
             <a:r>
               <a:rPr lang="en-US" dirty="0"/>
               <a:t>start time of each phoneme. </a:t>
             </a:r>
+            <a:r>
+              <a:rPr lang="en-US" dirty="0" smtClean="0"/>
+              <a:t/>
+            </a:r>
+            <a:br>
+              <a:rPr lang="en-US" dirty="0" smtClean="0"/>
+            </a:br>
             <a:endParaRPr lang="en-US" dirty="0" smtClean="0"/>
           </a:p>
           <a:p>
@@ -23654,7 +23248,23 @@
           <a:p>
             <a:r>
               <a:rPr lang="en-US" dirty="0" smtClean="0"/>
-              <a:t>Current pronunciation feedback systems use phoneme </a:t>
+              <a:t>Current pronunciation feedback systems </a:t>
+            </a:r>
+            <a:r>
+              <a:rPr lang="en-US" dirty="0" smtClean="0"/>
+              <a:t>use HMM </a:t>
+            </a:r>
+            <a:r>
+              <a:rPr lang="en-US" dirty="0"/>
+              <a:t>based </a:t>
+            </a:r>
+            <a:r>
+              <a:rPr lang="en-US" dirty="0" smtClean="0"/>
+              <a:t>p</a:t>
+            </a:r>
+            <a:r>
+              <a:rPr lang="en-US" dirty="0" smtClean="0"/>
+              <a:t>honeme </a:t>
             </a:r>
             <a:r>
               <a:rPr lang="en-US" dirty="0"/>
@@ -23662,8 +23272,9 @@
             </a:r>
             <a:r>
               <a:rPr lang="en-US" dirty="0" smtClean="0"/>
-              <a:t>algorithms which are mostly based on HMM.</a:t>
-            </a:r>
+              <a:t>algorithms.</a:t>
+            </a:r>
+            <a:endParaRPr lang="en-US" dirty="0" smtClean="0"/>
           </a:p>
           <a:p>
             <a:endParaRPr lang="en-US" dirty="0"/>
@@ -23758,6 +23369,122 @@
 </file>
 
 <file path=ppt/slides/slide50.xml><?xml version="1.0" encoding="utf-8"?>
+<p:sld xmlns:a="http://schemas.openxmlformats.org/drawingml/2006/main" xmlns:r="http://schemas.openxmlformats.org/officeDocument/2006/relationships" xmlns:p="http://schemas.openxmlformats.org/presentationml/2006/main">
+  <p:cSld>
+    <p:spTree>
+      <p:nvGrpSpPr>
+        <p:cNvPr id="1" name=""/>
+        <p:cNvGrpSpPr/>
+        <p:nvPr/>
+      </p:nvGrpSpPr>
+      <p:grpSpPr>
+        <a:xfrm>
+          <a:off x="0" y="0"/>
+          <a:ext cx="0" cy="0"/>
+          <a:chOff x="0" y="0"/>
+          <a:chExt cx="0" cy="0"/>
+        </a:xfrm>
+      </p:grpSpPr>
+      <p:sp>
+        <p:nvSpPr>
+          <p:cNvPr id="3" name="מציין מיקום תוכן 2"/>
+          <p:cNvSpPr>
+            <a:spLocks noGrp="1"/>
+          </p:cNvSpPr>
+          <p:nvPr>
+            <p:ph idx="1"/>
+          </p:nvPr>
+        </p:nvSpPr>
+        <p:spPr/>
+        <p:txBody>
+          <a:bodyPr/>
+          <a:lstStyle/>
+          <a:p>
+            <a:r>
+              <a:rPr lang="en-US" dirty="0"/>
+              <a:t>With the help of Dr. Keshet we received a server to work on from the university. </a:t>
+            </a:r>
+            <a:endParaRPr lang="en-US" dirty="0" smtClean="0"/>
+          </a:p>
+          <a:p>
+            <a:r>
+              <a:rPr lang="en-US" dirty="0" smtClean="0"/>
+              <a:t>But we </a:t>
+            </a:r>
+            <a:r>
+              <a:rPr lang="en-US" dirty="0"/>
+              <a:t>ran </a:t>
+            </a:r>
+            <a:r>
+              <a:rPr lang="en-US" dirty="0" smtClean="0"/>
+              <a:t>into several </a:t>
+            </a:r>
+            <a:r>
+              <a:rPr lang="en-US" dirty="0"/>
+              <a:t>technical problems with it, which mostly resulted from the fact it was running a </a:t>
+            </a:r>
+            <a:r>
+              <a:rPr lang="en-US" dirty="0" smtClean="0"/>
+              <a:t>windows, </a:t>
+            </a:r>
+            <a:r>
+              <a:rPr lang="en-US" dirty="0"/>
+              <a:t>and the use of Cygwin, which couldn't run </a:t>
+            </a:r>
+            <a:r>
+              <a:rPr lang="en-US" dirty="0" smtClean="0"/>
+              <a:t>our modules </a:t>
+            </a:r>
+            <a:r>
+              <a:rPr lang="en-US" dirty="0"/>
+              <a:t>and </a:t>
+            </a:r>
+            <a:r>
+              <a:rPr lang="en-US" dirty="0" smtClean="0"/>
+              <a:t>binaries properly.</a:t>
+            </a:r>
+          </a:p>
+          <a:p>
+            <a:r>
+              <a:rPr lang="en-US" dirty="0"/>
+              <a:t>Another issue was that we had problems with accessing it from outside of the university network.</a:t>
+            </a:r>
+          </a:p>
+        </p:txBody>
+      </p:sp>
+    </p:spTree>
+    <p:extLst>
+      <p:ext uri="{BB962C8B-B14F-4D97-AF65-F5344CB8AC3E}">
+        <p14:creationId xmlns:p14="http://schemas.microsoft.com/office/powerpoint/2010/main" val="3104507924"/>
+      </p:ext>
+    </p:extLst>
+  </p:cSld>
+  <p:clrMapOvr>
+    <a:masterClrMapping/>
+  </p:clrMapOvr>
+  <mc:AlternateContent xmlns:mc="http://schemas.openxmlformats.org/markup-compatibility/2006" xmlns:p14="http://schemas.microsoft.com/office/powerpoint/2010/main">
+    <mc:Choice Requires="p14">
+      <p:transition spd="med" p14:dur="700">
+        <p:fade/>
+      </p:transition>
+    </mc:Choice>
+    <mc:Fallback xmlns="">
+      <p:transition spd="med">
+        <p:fade/>
+      </p:transition>
+    </mc:Fallback>
+  </mc:AlternateContent>
+  <p:timing>
+    <p:tnLst>
+      <p:par>
+        <p:cTn id="1" dur="indefinite" restart="never" nodeType="tmRoot"/>
+      </p:par>
+    </p:tnLst>
+  </p:timing>
+</p:sld>
+</file>
+
+<file path=ppt/slides/slide51.xml><?xml version="1.0" encoding="utf-8"?>
 <p:sld xmlns:a="http://schemas.openxmlformats.org/drawingml/2006/main" xmlns:r="http://schemas.openxmlformats.org/officeDocument/2006/relationships" xmlns:p="http://schemas.openxmlformats.org/presentationml/2006/main">
   <p:cSld>
     <p:spTree>
@@ -23904,7 +23631,7 @@
 </p:sld>
 </file>
 
-<file path=ppt/slides/slide51.xml><?xml version="1.0" encoding="utf-8"?>
+<file path=ppt/slides/slide52.xml><?xml version="1.0" encoding="utf-8"?>
 <p:sld xmlns:a="http://schemas.openxmlformats.org/drawingml/2006/main" xmlns:r="http://schemas.openxmlformats.org/officeDocument/2006/relationships" xmlns:p="http://schemas.openxmlformats.org/presentationml/2006/main">
   <p:cSld>
     <p:spTree>
@@ -23973,146 +23700,206 @@
           <a:bodyPr/>
           <a:lstStyle/>
           <a:p>
+            <a:pPr marL="457200" indent="-457200">
+              <a:buFont typeface="+mj-lt"/>
+              <a:buAutoNum type="arabicPeriod"/>
+            </a:pPr>
             <a:r>
               <a:rPr lang="en-US" dirty="0" smtClean="0"/>
               <a:t>For future progressions in general; </a:t>
-            </a:r>
-            <a:r>
-              <a:rPr lang="en-US" dirty="0" smtClean="0"/>
-              <a:t/>
             </a:r>
             <a:br>
               <a:rPr lang="en-US" dirty="0" smtClean="0"/>
             </a:br>
             <a:r>
               <a:rPr lang="en-US" dirty="0" smtClean="0"/>
-              <a:t>If </a:t>
+              <a:t>If one wants to apply the algorithm on a more specific types of speakers, he can always </a:t>
+            </a:r>
+            <a:r>
+              <a:rPr lang="en-US" b="1" i="1" dirty="0" smtClean="0"/>
+              <a:t>train</a:t>
+            </a:r>
+            <a:r>
+              <a:rPr lang="en-US" b="1" dirty="0" smtClean="0"/>
+              <a:t> the </a:t>
+            </a:r>
+            <a:r>
+              <a:rPr lang="en-US" b="1" dirty="0" smtClean="0"/>
+              <a:t>phoneme classifier</a:t>
             </a:r>
             <a:r>
               <a:rPr lang="en-US" dirty="0" smtClean="0"/>
-              <a:t>one wants to apply the algorithm on a more specific types of speakers, he can always train the classier on a this specific type of speech data in order to achieve better and more accurate results.</a:t>
+              <a:t> </a:t>
+            </a:r>
+            <a:r>
+              <a:rPr lang="en-US" dirty="0" smtClean="0"/>
+              <a:t>on a this specific type of speech data in order to achieve better and more accurate results.</a:t>
             </a:r>
             <a:endParaRPr lang="en-US" dirty="0"/>
           </a:p>
         </p:txBody>
       </p:sp>
+      <p:grpSp>
+        <p:nvGrpSpPr>
+          <p:cNvPr id="2" name="קבוצה 1"/>
+          <p:cNvGrpSpPr/>
+          <p:nvPr/>
+        </p:nvGrpSpPr>
+        <p:grpSpPr>
+          <a:xfrm>
+            <a:off x="4259673" y="4869160"/>
+            <a:ext cx="4183174" cy="720080"/>
+            <a:chOff x="4259673" y="4869160"/>
+            <a:chExt cx="4183174" cy="720080"/>
+          </a:xfrm>
+        </p:grpSpPr>
+        <p:pic>
+          <p:nvPicPr>
+            <p:cNvPr id="1026" name="Picture 2"/>
+            <p:cNvPicPr>
+              <a:picLocks noChangeAspect="1" noChangeArrowheads="1"/>
+            </p:cNvPicPr>
+            <p:nvPr/>
+          </p:nvPicPr>
+          <p:blipFill>
+            <a:blip r:embed="rId2">
+              <a:extLst>
+                <a:ext uri="{28A0092B-C50C-407E-A947-70E740481C1C}">
+                  <a14:useLocalDpi xmlns:a14="http://schemas.microsoft.com/office/drawing/2010/main" val="0"/>
+                </a:ext>
+              </a:extLst>
+            </a:blip>
+            <a:srcRect/>
+            <a:stretch>
+              <a:fillRect/>
+            </a:stretch>
+          </p:blipFill>
+          <p:spPr bwMode="auto">
+            <a:xfrm>
+              <a:off x="5123789" y="4869160"/>
+              <a:ext cx="2466274" cy="720080"/>
+            </a:xfrm>
+            <a:prstGeom prst="rect">
+              <a:avLst/>
+            </a:prstGeom>
+            <a:noFill/>
+            <a:ln>
+              <a:noFill/>
+            </a:ln>
+            <a:extLst>
+              <a:ext uri="{909E8E84-426E-40DD-AFC4-6F175D3DCCD1}">
+                <a14:hiddenFill xmlns:a14="http://schemas.microsoft.com/office/drawing/2010/main">
+                  <a:solidFill>
+                    <a:schemeClr val="accent1"/>
+                  </a:solidFill>
+                </a14:hiddenFill>
+              </a:ext>
+              <a:ext uri="{91240B29-F687-4F45-9708-019B960494DF}">
+                <a14:hiddenLine xmlns:a14="http://schemas.microsoft.com/office/drawing/2010/main" w="9525">
+                  <a:solidFill>
+                    <a:schemeClr val="tx1"/>
+                  </a:solidFill>
+                  <a:miter lim="800000"/>
+                  <a:headEnd/>
+                  <a:tailEnd/>
+                </a14:hiddenLine>
+              </a:ext>
+            </a:extLst>
+          </p:spPr>
+        </p:pic>
+        <p:sp>
+          <p:nvSpPr>
+            <p:cNvPr id="5" name="חץ מעוקל שמאלה 4"/>
+            <p:cNvSpPr/>
+            <p:nvPr/>
+          </p:nvSpPr>
+          <p:spPr>
+            <a:xfrm flipH="1" flipV="1">
+              <a:off x="4259673" y="4944959"/>
+              <a:ext cx="648072" cy="568481"/>
+            </a:xfrm>
+            <a:prstGeom prst="curvedLeftArrow">
+              <a:avLst/>
+            </a:prstGeom>
+          </p:spPr>
+          <p:style>
+            <a:lnRef idx="2">
+              <a:schemeClr val="accent1">
+                <a:shade val="50000"/>
+              </a:schemeClr>
+            </a:lnRef>
+            <a:fillRef idx="1">
+              <a:schemeClr val="accent1"/>
+            </a:fillRef>
+            <a:effectRef idx="0">
+              <a:schemeClr val="accent1"/>
+            </a:effectRef>
+            <a:fontRef idx="minor">
+              <a:schemeClr val="lt1"/>
+            </a:fontRef>
+          </p:style>
+          <p:txBody>
+            <a:bodyPr rtlCol="0" anchor="ctr"/>
+            <a:lstStyle/>
+            <a:p>
+              <a:pPr algn="ctr"/>
+              <a:endParaRPr lang="en-US">
+                <a:solidFill>
+                  <a:schemeClr val="tx1"/>
+                </a:solidFill>
+              </a:endParaRPr>
+            </a:p>
+          </p:txBody>
+        </p:sp>
+        <p:sp>
+          <p:nvSpPr>
+            <p:cNvPr id="7" name="חץ מעוקל שמאלה 6"/>
+            <p:cNvSpPr/>
+            <p:nvPr/>
+          </p:nvSpPr>
+          <p:spPr>
+            <a:xfrm flipV="1">
+              <a:off x="7794775" y="4944959"/>
+              <a:ext cx="648072" cy="568481"/>
+            </a:xfrm>
+            <a:prstGeom prst="curvedLeftArrow">
+              <a:avLst/>
+            </a:prstGeom>
+          </p:spPr>
+          <p:style>
+            <a:lnRef idx="2">
+              <a:schemeClr val="accent1">
+                <a:shade val="50000"/>
+              </a:schemeClr>
+            </a:lnRef>
+            <a:fillRef idx="1">
+              <a:schemeClr val="accent1"/>
+            </a:fillRef>
+            <a:effectRef idx="0">
+              <a:schemeClr val="accent1"/>
+            </a:effectRef>
+            <a:fontRef idx="minor">
+              <a:schemeClr val="lt1"/>
+            </a:fontRef>
+          </p:style>
+          <p:txBody>
+            <a:bodyPr rtlCol="0" anchor="ctr"/>
+            <a:lstStyle/>
+            <a:p>
+              <a:pPr algn="ctr"/>
+              <a:endParaRPr lang="en-US">
+                <a:solidFill>
+                  <a:schemeClr val="tx1"/>
+                </a:solidFill>
+              </a:endParaRPr>
+            </a:p>
+          </p:txBody>
+        </p:sp>
+      </p:grpSp>
     </p:spTree>
     <p:extLst>
       <p:ext uri="{BB962C8B-B14F-4D97-AF65-F5344CB8AC3E}">
         <p14:creationId xmlns:p14="http://schemas.microsoft.com/office/powerpoint/2010/main" val="2693632070"/>
-      </p:ext>
-    </p:extLst>
-  </p:cSld>
-  <p:clrMapOvr>
-    <a:masterClrMapping/>
-  </p:clrMapOvr>
-  <mc:AlternateContent xmlns:mc="http://schemas.openxmlformats.org/markup-compatibility/2006" xmlns:p14="http://schemas.microsoft.com/office/powerpoint/2010/main">
-    <mc:Choice Requires="p14">
-      <p:transition spd="med" p14:dur="700">
-        <p:fade/>
-      </p:transition>
-    </mc:Choice>
-    <mc:Fallback xmlns="">
-      <p:transition spd="med">
-        <p:fade/>
-      </p:transition>
-    </mc:Fallback>
-  </mc:AlternateContent>
-  <p:timing>
-    <p:tnLst>
-      <p:par>
-        <p:cTn id="1" dur="indefinite" restart="never" nodeType="tmRoot"/>
-      </p:par>
-    </p:tnLst>
-  </p:timing>
-</p:sld>
-</file>
-
-<file path=ppt/slides/slide52.xml><?xml version="1.0" encoding="utf-8"?>
-<p:sld xmlns:a="http://schemas.openxmlformats.org/drawingml/2006/main" xmlns:r="http://schemas.openxmlformats.org/officeDocument/2006/relationships" xmlns:p="http://schemas.openxmlformats.org/presentationml/2006/main">
-  <p:cSld>
-    <p:spTree>
-      <p:nvGrpSpPr>
-        <p:cNvPr id="1" name=""/>
-        <p:cNvGrpSpPr/>
-        <p:nvPr/>
-      </p:nvGrpSpPr>
-      <p:grpSpPr>
-        <a:xfrm>
-          <a:off x="0" y="0"/>
-          <a:ext cx="0" cy="0"/>
-          <a:chOff x="0" y="0"/>
-          <a:chExt cx="0" cy="0"/>
-        </a:xfrm>
-      </p:grpSpPr>
-      <p:sp>
-        <p:nvSpPr>
-          <p:cNvPr id="4" name="מציין מיקום תוכן 3"/>
-          <p:cNvSpPr>
-            <a:spLocks noGrp="1"/>
-          </p:cNvSpPr>
-          <p:nvPr>
-            <p:ph idx="1"/>
-          </p:nvPr>
-        </p:nvSpPr>
-        <p:spPr>
-          <a:xfrm>
-            <a:off x="467544" y="1988841"/>
-            <a:ext cx="8229600" cy="3960440"/>
-          </a:xfrm>
-        </p:spPr>
-        <p:txBody>
-          <a:bodyPr/>
-          <a:lstStyle/>
-          <a:p>
-            <a:r>
-              <a:rPr lang="en-US" dirty="0"/>
-              <a:t>With the purpose of applying the application for Hebrew native speakers learning English, </a:t>
-            </a:r>
-            <a:r>
-              <a:rPr lang="en-US" dirty="0" smtClean="0"/>
-              <a:t>one can </a:t>
-            </a:r>
-            <a:r>
-              <a:rPr lang="en-US" dirty="0"/>
-              <a:t>use a better phoneme classier module, which is more robust to </a:t>
-            </a:r>
-            <a:r>
-              <a:rPr lang="en-US" b="1" dirty="0" smtClean="0"/>
-              <a:t>Israeli</a:t>
-            </a:r>
-            <a:r>
-              <a:rPr lang="en-US" dirty="0" smtClean="0"/>
-              <a:t> </a:t>
-            </a:r>
-            <a:r>
-              <a:rPr lang="en-US" b="1" dirty="0"/>
-              <a:t>speech</a:t>
-            </a:r>
-            <a:r>
-              <a:rPr lang="en-US" dirty="0"/>
-              <a:t>, </a:t>
-            </a:r>
-            <a:r>
-              <a:rPr lang="en-US" dirty="0" smtClean="0"/>
-              <a:t>thus can output </a:t>
-            </a:r>
-            <a:r>
-              <a:rPr lang="en-US" dirty="0"/>
-              <a:t>more accurate scores and enhance the total algorithm performance</a:t>
-            </a:r>
-            <a:r>
-              <a:rPr lang="en-US" dirty="0" smtClean="0"/>
-              <a:t>.</a:t>
-            </a:r>
-            <a:endParaRPr lang="en-US" dirty="0" smtClean="0"/>
-          </a:p>
-        </p:txBody>
-      </p:sp>
-    </p:spTree>
-    <p:extLst>
-      <p:ext uri="{BB962C8B-B14F-4D97-AF65-F5344CB8AC3E}">
-        <p14:creationId xmlns:p14="http://schemas.microsoft.com/office/powerpoint/2010/main" val="1361556700"/>
       </p:ext>
     </p:extLst>
   </p:cSld>
@@ -24160,6 +23947,621 @@
       </p:grpSpPr>
       <p:sp>
         <p:nvSpPr>
+          <p:cNvPr id="4" name="מציין מיקום תוכן 3"/>
+          <p:cNvSpPr>
+            <a:spLocks noGrp="1"/>
+          </p:cNvSpPr>
+          <p:nvPr>
+            <p:ph idx="1"/>
+          </p:nvPr>
+        </p:nvSpPr>
+        <p:spPr>
+          <a:xfrm>
+            <a:off x="463279" y="1242539"/>
+            <a:ext cx="8229600" cy="3960440"/>
+          </a:xfrm>
+        </p:spPr>
+        <p:txBody>
+          <a:bodyPr/>
+          <a:lstStyle/>
+          <a:p>
+            <a:r>
+              <a:rPr lang="en-US" dirty="0" smtClean="0"/>
+              <a:t>For example, with </a:t>
+            </a:r>
+            <a:r>
+              <a:rPr lang="en-US" dirty="0"/>
+              <a:t>the purpose of applying the application for </a:t>
+            </a:r>
+            <a:r>
+              <a:rPr lang="en-US" b="1" dirty="0"/>
+              <a:t>Hebrew native speakers</a:t>
+            </a:r>
+            <a:r>
+              <a:rPr lang="en-US" dirty="0"/>
+              <a:t> learning English, </a:t>
+            </a:r>
+            <a:r>
+              <a:rPr lang="en-US" dirty="0" smtClean="0"/>
+              <a:t>one can </a:t>
+            </a:r>
+            <a:r>
+              <a:rPr lang="en-US" dirty="0"/>
+              <a:t>use a better phoneme </a:t>
+            </a:r>
+            <a:r>
+              <a:rPr lang="en-US" dirty="0" smtClean="0"/>
+              <a:t>classifier </a:t>
+            </a:r>
+            <a:r>
+              <a:rPr lang="en-US" dirty="0"/>
+              <a:t>module, which is more robust to </a:t>
+            </a:r>
+            <a:r>
+              <a:rPr lang="en-US" b="1" dirty="0" smtClean="0"/>
+              <a:t>Israeli</a:t>
+            </a:r>
+            <a:r>
+              <a:rPr lang="en-US" dirty="0" smtClean="0"/>
+              <a:t> </a:t>
+            </a:r>
+            <a:r>
+              <a:rPr lang="en-US" b="1" dirty="0"/>
+              <a:t>speech</a:t>
+            </a:r>
+            <a:r>
+              <a:rPr lang="en-US" dirty="0"/>
+              <a:t>, </a:t>
+            </a:r>
+            <a:r>
+              <a:rPr lang="en-US" dirty="0" smtClean="0"/>
+              <a:t>thus can output </a:t>
+            </a:r>
+            <a:r>
+              <a:rPr lang="en-US" dirty="0"/>
+              <a:t>more accurate scores and enhance the total algorithm performance</a:t>
+            </a:r>
+            <a:r>
+              <a:rPr lang="en-US" dirty="0" smtClean="0"/>
+              <a:t>.</a:t>
+            </a:r>
+          </a:p>
+        </p:txBody>
+      </p:sp>
+      <p:pic>
+        <p:nvPicPr>
+          <p:cNvPr id="3" name="Picture 2" descr="http://www.holon.muni.il/PublishingImages/karikatura3.jpg"/>
+          <p:cNvPicPr>
+            <a:picLocks noChangeAspect="1" noChangeArrowheads="1"/>
+          </p:cNvPicPr>
+          <p:nvPr/>
+        </p:nvPicPr>
+        <p:blipFill>
+          <a:blip r:embed="rId2" cstate="print">
+            <a:extLst>
+              <a:ext uri="{28A0092B-C50C-407E-A947-70E740481C1C}">
+                <a14:useLocalDpi xmlns:a14="http://schemas.microsoft.com/office/drawing/2010/main" val="0"/>
+              </a:ext>
+            </a:extLst>
+          </a:blip>
+          <a:srcRect/>
+          <a:stretch>
+            <a:fillRect/>
+          </a:stretch>
+        </p:blipFill>
+        <p:spPr bwMode="auto">
+          <a:xfrm flipH="1">
+            <a:off x="6804248" y="4149080"/>
+            <a:ext cx="1584176" cy="2304256"/>
+          </a:xfrm>
+          <a:prstGeom prst="rect">
+            <a:avLst/>
+          </a:prstGeom>
+          <a:noFill/>
+          <a:extLst>
+            <a:ext uri="{909E8E84-426E-40DD-AFC4-6F175D3DCCD1}">
+              <a14:hiddenFill xmlns:a14="http://schemas.microsoft.com/office/drawing/2010/main">
+                <a:solidFill>
+                  <a:srgbClr val="FFFFFF"/>
+                </a:solidFill>
+              </a14:hiddenFill>
+            </a:ext>
+          </a:extLst>
+        </p:spPr>
+      </p:pic>
+      <p:grpSp>
+        <p:nvGrpSpPr>
+          <p:cNvPr id="18" name="קבוצה 17"/>
+          <p:cNvGrpSpPr/>
+          <p:nvPr/>
+        </p:nvGrpSpPr>
+        <p:grpSpPr>
+          <a:xfrm>
+            <a:off x="539552" y="4439759"/>
+            <a:ext cx="5783166" cy="1829027"/>
+            <a:chOff x="539552" y="4439759"/>
+            <a:chExt cx="5783166" cy="1829027"/>
+          </a:xfrm>
+        </p:grpSpPr>
+        <p:sp>
+          <p:nvSpPr>
+            <p:cNvPr id="5" name="הסבר מלבני מעוגל 4"/>
+            <p:cNvSpPr/>
+            <p:nvPr/>
+          </p:nvSpPr>
+          <p:spPr>
+            <a:xfrm>
+              <a:off x="4578079" y="4439759"/>
+              <a:ext cx="1713388" cy="501027"/>
+            </a:xfrm>
+            <a:prstGeom prst="wedgeRoundRectCallout">
+              <a:avLst>
+                <a:gd name="adj1" fmla="val 62083"/>
+                <a:gd name="adj2" fmla="val 3328"/>
+                <a:gd name="adj3" fmla="val 16667"/>
+              </a:avLst>
+            </a:prstGeom>
+            <a:blipFill dpi="0" rotWithShape="1">
+              <a:blip r:embed="rId3">
+                <a:extLst>
+                  <a:ext uri="{28A0092B-C50C-407E-A947-70E740481C1C}">
+                    <a14:useLocalDpi xmlns:a14="http://schemas.microsoft.com/office/drawing/2010/main" val="0"/>
+                  </a:ext>
+                </a:extLst>
+              </a:blip>
+              <a:srcRect/>
+              <a:stretch>
+                <a:fillRect/>
+              </a:stretch>
+            </a:blipFill>
+          </p:spPr>
+          <p:style>
+            <a:lnRef idx="2">
+              <a:schemeClr val="accent1">
+                <a:shade val="50000"/>
+              </a:schemeClr>
+            </a:lnRef>
+            <a:fillRef idx="1">
+              <a:schemeClr val="accent1"/>
+            </a:fillRef>
+            <a:effectRef idx="0">
+              <a:schemeClr val="accent1"/>
+            </a:effectRef>
+            <a:fontRef idx="minor">
+              <a:schemeClr val="lt1"/>
+            </a:fontRef>
+          </p:style>
+          <p:txBody>
+            <a:bodyPr rtlCol="0" anchor="ctr"/>
+            <a:lstStyle/>
+            <a:p>
+              <a:pPr algn="ctr"/>
+              <a:endParaRPr lang="en-US" sz="2800" dirty="0"/>
+            </a:p>
+          </p:txBody>
+        </p:sp>
+        <p:grpSp>
+          <p:nvGrpSpPr>
+            <p:cNvPr id="6" name="קבוצה 5"/>
+            <p:cNvGrpSpPr/>
+            <p:nvPr/>
+          </p:nvGrpSpPr>
+          <p:grpSpPr>
+            <a:xfrm>
+              <a:off x="539552" y="4997322"/>
+              <a:ext cx="3319058" cy="644280"/>
+              <a:chOff x="4259673" y="4869160"/>
+              <a:chExt cx="4183174" cy="720080"/>
+            </a:xfrm>
+          </p:grpSpPr>
+          <p:pic>
+            <p:nvPicPr>
+              <p:cNvPr id="7" name="Picture 2"/>
+              <p:cNvPicPr>
+                <a:picLocks noChangeAspect="1" noChangeArrowheads="1"/>
+              </p:cNvPicPr>
+              <p:nvPr/>
+            </p:nvPicPr>
+            <p:blipFill>
+              <a:blip r:embed="rId4">
+                <a:extLst>
+                  <a:ext uri="{28A0092B-C50C-407E-A947-70E740481C1C}">
+                    <a14:useLocalDpi xmlns:a14="http://schemas.microsoft.com/office/drawing/2010/main" val="0"/>
+                  </a:ext>
+                </a:extLst>
+              </a:blip>
+              <a:srcRect/>
+              <a:stretch>
+                <a:fillRect/>
+              </a:stretch>
+            </p:blipFill>
+            <p:spPr bwMode="auto">
+              <a:xfrm>
+                <a:off x="5123789" y="4869160"/>
+                <a:ext cx="2466274" cy="720080"/>
+              </a:xfrm>
+              <a:prstGeom prst="rect">
+                <a:avLst/>
+              </a:prstGeom>
+              <a:noFill/>
+              <a:ln>
+                <a:noFill/>
+              </a:ln>
+              <a:extLst>
+                <a:ext uri="{909E8E84-426E-40DD-AFC4-6F175D3DCCD1}">
+                  <a14:hiddenFill xmlns:a14="http://schemas.microsoft.com/office/drawing/2010/main">
+                    <a:solidFill>
+                      <a:schemeClr val="accent1"/>
+                    </a:solidFill>
+                  </a14:hiddenFill>
+                </a:ext>
+                <a:ext uri="{91240B29-F687-4F45-9708-019B960494DF}">
+                  <a14:hiddenLine xmlns:a14="http://schemas.microsoft.com/office/drawing/2010/main" w="9525">
+                    <a:solidFill>
+                      <a:schemeClr val="tx1"/>
+                    </a:solidFill>
+                    <a:miter lim="800000"/>
+                    <a:headEnd/>
+                    <a:tailEnd/>
+                  </a14:hiddenLine>
+                </a:ext>
+              </a:extLst>
+            </p:spPr>
+          </p:pic>
+          <p:sp>
+            <p:nvSpPr>
+              <p:cNvPr id="8" name="חץ מעוקל שמאלה 7"/>
+              <p:cNvSpPr/>
+              <p:nvPr/>
+            </p:nvSpPr>
+            <p:spPr>
+              <a:xfrm flipH="1" flipV="1">
+                <a:off x="4259673" y="4944959"/>
+                <a:ext cx="648072" cy="568481"/>
+              </a:xfrm>
+              <a:prstGeom prst="curvedLeftArrow">
+                <a:avLst/>
+              </a:prstGeom>
+            </p:spPr>
+            <p:style>
+              <a:lnRef idx="2">
+                <a:schemeClr val="accent1">
+                  <a:shade val="50000"/>
+                </a:schemeClr>
+              </a:lnRef>
+              <a:fillRef idx="1">
+                <a:schemeClr val="accent1"/>
+              </a:fillRef>
+              <a:effectRef idx="0">
+                <a:schemeClr val="accent1"/>
+              </a:effectRef>
+              <a:fontRef idx="minor">
+                <a:schemeClr val="lt1"/>
+              </a:fontRef>
+            </p:style>
+            <p:txBody>
+              <a:bodyPr rtlCol="0" anchor="ctr"/>
+              <a:lstStyle/>
+              <a:p>
+                <a:pPr algn="ctr"/>
+                <a:endParaRPr lang="en-US">
+                  <a:solidFill>
+                    <a:schemeClr val="tx1"/>
+                  </a:solidFill>
+                </a:endParaRPr>
+              </a:p>
+            </p:txBody>
+          </p:sp>
+          <p:sp>
+            <p:nvSpPr>
+              <p:cNvPr id="9" name="חץ מעוקל שמאלה 8"/>
+              <p:cNvSpPr/>
+              <p:nvPr/>
+            </p:nvSpPr>
+            <p:spPr>
+              <a:xfrm flipV="1">
+                <a:off x="7794775" y="4944959"/>
+                <a:ext cx="648072" cy="568481"/>
+              </a:xfrm>
+              <a:prstGeom prst="curvedLeftArrow">
+                <a:avLst/>
+              </a:prstGeom>
+            </p:spPr>
+            <p:style>
+              <a:lnRef idx="2">
+                <a:schemeClr val="accent1">
+                  <a:shade val="50000"/>
+                </a:schemeClr>
+              </a:lnRef>
+              <a:fillRef idx="1">
+                <a:schemeClr val="accent1"/>
+              </a:fillRef>
+              <a:effectRef idx="0">
+                <a:schemeClr val="accent1"/>
+              </a:effectRef>
+              <a:fontRef idx="minor">
+                <a:schemeClr val="lt1"/>
+              </a:fontRef>
+            </p:style>
+            <p:txBody>
+              <a:bodyPr rtlCol="0" anchor="ctr"/>
+              <a:lstStyle/>
+              <a:p>
+                <a:pPr algn="ctr"/>
+                <a:endParaRPr lang="en-US">
+                  <a:solidFill>
+                    <a:schemeClr val="tx1"/>
+                  </a:solidFill>
+                </a:endParaRPr>
+              </a:p>
+            </p:txBody>
+          </p:sp>
+        </p:grpSp>
+        <p:sp>
+          <p:nvSpPr>
+            <p:cNvPr id="10" name="הסבר מלבני מעוגל 9"/>
+            <p:cNvSpPr/>
+            <p:nvPr/>
+          </p:nvSpPr>
+          <p:spPr>
+            <a:xfrm>
+              <a:off x="5004048" y="5191300"/>
+              <a:ext cx="1318670" cy="369582"/>
+            </a:xfrm>
+            <a:prstGeom prst="wedgeRoundRectCallout">
+              <a:avLst>
+                <a:gd name="adj1" fmla="val 62083"/>
+                <a:gd name="adj2" fmla="val 3328"/>
+                <a:gd name="adj3" fmla="val 16667"/>
+              </a:avLst>
+            </a:prstGeom>
+            <a:blipFill dpi="0" rotWithShape="1">
+              <a:blip r:embed="rId3">
+                <a:extLst>
+                  <a:ext uri="{28A0092B-C50C-407E-A947-70E740481C1C}">
+                    <a14:useLocalDpi xmlns:a14="http://schemas.microsoft.com/office/drawing/2010/main" val="0"/>
+                  </a:ext>
+                </a:extLst>
+              </a:blip>
+              <a:srcRect/>
+              <a:stretch>
+                <a:fillRect/>
+              </a:stretch>
+            </a:blipFill>
+          </p:spPr>
+          <p:style>
+            <a:lnRef idx="2">
+              <a:schemeClr val="accent1">
+                <a:shade val="50000"/>
+              </a:schemeClr>
+            </a:lnRef>
+            <a:fillRef idx="1">
+              <a:schemeClr val="accent1"/>
+            </a:fillRef>
+            <a:effectRef idx="0">
+              <a:schemeClr val="accent1"/>
+            </a:effectRef>
+            <a:fontRef idx="minor">
+              <a:schemeClr val="lt1"/>
+            </a:fontRef>
+          </p:style>
+          <p:txBody>
+            <a:bodyPr rtlCol="0" anchor="ctr"/>
+            <a:lstStyle/>
+            <a:p>
+              <a:pPr algn="ctr"/>
+              <a:endParaRPr lang="en-US" sz="2800" dirty="0"/>
+            </a:p>
+          </p:txBody>
+        </p:sp>
+        <p:sp>
+          <p:nvSpPr>
+            <p:cNvPr id="11" name="הסבר מלבני מעוגל 10"/>
+            <p:cNvSpPr/>
+            <p:nvPr/>
+          </p:nvSpPr>
+          <p:spPr>
+            <a:xfrm>
+              <a:off x="4355976" y="5767759"/>
+              <a:ext cx="1962397" cy="501027"/>
+            </a:xfrm>
+            <a:prstGeom prst="wedgeRoundRectCallout">
+              <a:avLst>
+                <a:gd name="adj1" fmla="val 62083"/>
+                <a:gd name="adj2" fmla="val 3328"/>
+                <a:gd name="adj3" fmla="val 16667"/>
+              </a:avLst>
+            </a:prstGeom>
+            <a:blipFill dpi="0" rotWithShape="1">
+              <a:blip r:embed="rId3">
+                <a:extLst>
+                  <a:ext uri="{28A0092B-C50C-407E-A947-70E740481C1C}">
+                    <a14:useLocalDpi xmlns:a14="http://schemas.microsoft.com/office/drawing/2010/main" val="0"/>
+                  </a:ext>
+                </a:extLst>
+              </a:blip>
+              <a:srcRect/>
+              <a:stretch>
+                <a:fillRect/>
+              </a:stretch>
+            </a:blipFill>
+          </p:spPr>
+          <p:style>
+            <a:lnRef idx="2">
+              <a:schemeClr val="accent1">
+                <a:shade val="50000"/>
+              </a:schemeClr>
+            </a:lnRef>
+            <a:fillRef idx="1">
+              <a:schemeClr val="accent1"/>
+            </a:fillRef>
+            <a:effectRef idx="0">
+              <a:schemeClr val="accent1"/>
+            </a:effectRef>
+            <a:fontRef idx="minor">
+              <a:schemeClr val="lt1"/>
+            </a:fontRef>
+          </p:style>
+          <p:txBody>
+            <a:bodyPr rtlCol="0" anchor="ctr"/>
+            <a:lstStyle/>
+            <a:p>
+              <a:pPr algn="ctr"/>
+              <a:endParaRPr lang="en-US" sz="2800" dirty="0"/>
+            </a:p>
+          </p:txBody>
+        </p:sp>
+        <p:cxnSp>
+          <p:nvCxnSpPr>
+            <p:cNvPr id="13" name="מחבר חץ ישר 12"/>
+            <p:cNvCxnSpPr/>
+            <p:nvPr/>
+          </p:nvCxnSpPr>
+          <p:spPr>
+            <a:xfrm flipH="1">
+              <a:off x="3707904" y="4690272"/>
+              <a:ext cx="648072" cy="307050"/>
+            </a:xfrm>
+            <a:prstGeom prst="straightConnector1">
+              <a:avLst/>
+            </a:prstGeom>
+            <a:ln>
+              <a:tailEnd type="arrow"/>
+            </a:ln>
+          </p:spPr>
+          <p:style>
+            <a:lnRef idx="1">
+              <a:schemeClr val="accent1"/>
+            </a:lnRef>
+            <a:fillRef idx="0">
+              <a:schemeClr val="accent1"/>
+            </a:fillRef>
+            <a:effectRef idx="0">
+              <a:schemeClr val="accent1"/>
+            </a:effectRef>
+            <a:fontRef idx="minor">
+              <a:schemeClr val="tx1"/>
+            </a:fontRef>
+          </p:style>
+        </p:cxnSp>
+        <p:cxnSp>
+          <p:nvCxnSpPr>
+            <p:cNvPr id="15" name="מחבר חץ ישר 14"/>
+            <p:cNvCxnSpPr/>
+            <p:nvPr/>
+          </p:nvCxnSpPr>
+          <p:spPr>
+            <a:xfrm flipH="1">
+              <a:off x="4031940" y="5376091"/>
+              <a:ext cx="828092" cy="0"/>
+            </a:xfrm>
+            <a:prstGeom prst="straightConnector1">
+              <a:avLst/>
+            </a:prstGeom>
+            <a:ln>
+              <a:tailEnd type="arrow"/>
+            </a:ln>
+          </p:spPr>
+          <p:style>
+            <a:lnRef idx="1">
+              <a:schemeClr val="accent1"/>
+            </a:lnRef>
+            <a:fillRef idx="0">
+              <a:schemeClr val="accent1"/>
+            </a:fillRef>
+            <a:effectRef idx="0">
+              <a:schemeClr val="accent1"/>
+            </a:effectRef>
+            <a:fontRef idx="minor">
+              <a:schemeClr val="tx1"/>
+            </a:fontRef>
+          </p:style>
+        </p:cxnSp>
+        <p:cxnSp>
+          <p:nvCxnSpPr>
+            <p:cNvPr id="17" name="מחבר חץ ישר 16"/>
+            <p:cNvCxnSpPr/>
+            <p:nvPr/>
+          </p:nvCxnSpPr>
+          <p:spPr>
+            <a:xfrm flipH="1" flipV="1">
+              <a:off x="3707904" y="5641602"/>
+              <a:ext cx="504056" cy="376670"/>
+            </a:xfrm>
+            <a:prstGeom prst="straightConnector1">
+              <a:avLst/>
+            </a:prstGeom>
+            <a:ln>
+              <a:tailEnd type="arrow"/>
+            </a:ln>
+          </p:spPr>
+          <p:style>
+            <a:lnRef idx="1">
+              <a:schemeClr val="accent1"/>
+            </a:lnRef>
+            <a:fillRef idx="0">
+              <a:schemeClr val="accent1"/>
+            </a:fillRef>
+            <a:effectRef idx="0">
+              <a:schemeClr val="accent1"/>
+            </a:effectRef>
+            <a:fontRef idx="minor">
+              <a:schemeClr val="tx1"/>
+            </a:fontRef>
+          </p:style>
+        </p:cxnSp>
+      </p:grpSp>
+    </p:spTree>
+    <p:extLst>
+      <p:ext uri="{BB962C8B-B14F-4D97-AF65-F5344CB8AC3E}">
+        <p14:creationId xmlns:p14="http://schemas.microsoft.com/office/powerpoint/2010/main" val="1361556700"/>
+      </p:ext>
+    </p:extLst>
+  </p:cSld>
+  <p:clrMapOvr>
+    <a:masterClrMapping/>
+  </p:clrMapOvr>
+  <mc:AlternateContent xmlns:mc="http://schemas.openxmlformats.org/markup-compatibility/2006" xmlns:p14="http://schemas.microsoft.com/office/powerpoint/2010/main">
+    <mc:Choice Requires="p14">
+      <p:transition spd="med" p14:dur="700">
+        <p:fade/>
+      </p:transition>
+    </mc:Choice>
+    <mc:Fallback xmlns="">
+      <p:transition spd="med">
+        <p:fade/>
+      </p:transition>
+    </mc:Fallback>
+  </mc:AlternateContent>
+  <p:timing>
+    <p:tnLst>
+      <p:par>
+        <p:cTn id="1" dur="indefinite" restart="never" nodeType="tmRoot"/>
+      </p:par>
+    </p:tnLst>
+  </p:timing>
+</p:sld>
+</file>
+
+<file path=ppt/slides/slide54.xml><?xml version="1.0" encoding="utf-8"?>
+<p:sld xmlns:a="http://schemas.openxmlformats.org/drawingml/2006/main" xmlns:r="http://schemas.openxmlformats.org/officeDocument/2006/relationships" xmlns:p="http://schemas.openxmlformats.org/presentationml/2006/main">
+  <p:cSld>
+    <p:spTree>
+      <p:nvGrpSpPr>
+        <p:cNvPr id="1" name=""/>
+        <p:cNvGrpSpPr/>
+        <p:nvPr/>
+      </p:nvGrpSpPr>
+      <p:grpSpPr>
+        <a:xfrm>
+          <a:off x="0" y="0"/>
+          <a:ext cx="0" cy="0"/>
+          <a:chOff x="0" y="0"/>
+          <a:chExt cx="0" cy="0"/>
+        </a:xfrm>
+      </p:grpSpPr>
+      <p:sp>
+        <p:nvSpPr>
           <p:cNvPr id="3" name="מציין מיקום תוכן 2"/>
           <p:cNvSpPr>
             <a:spLocks noGrp="1"/>
@@ -24170,7 +24572,7 @@
         </p:nvSpPr>
         <p:spPr>
           <a:xfrm>
-            <a:off x="467544" y="2060849"/>
+            <a:off x="467544" y="1628800"/>
             <a:ext cx="8229600" cy="3168352"/>
           </a:xfrm>
         </p:spPr>
@@ -24179,8 +24581,12 @@
           <a:lstStyle/>
           <a:p>
             <a:r>
+              <a:rPr lang="en-US" dirty="0" smtClean="0"/>
+              <a:t>Another option is, </a:t>
+            </a:r>
+            <a:r>
               <a:rPr lang="en-US" dirty="0"/>
-              <a:t>In addition, the application, and also the algorithm generally, can be adapted for the use of </a:t>
+              <a:t>the application, and also the algorithm generally, can be adapted for the use of </a:t>
             </a:r>
             <a:r>
               <a:rPr lang="en-US" b="1" dirty="0"/>
@@ -24196,6 +24602,502 @@
           </a:p>
         </p:txBody>
       </p:sp>
+      <p:grpSp>
+        <p:nvGrpSpPr>
+          <p:cNvPr id="4" name="קבוצה 3"/>
+          <p:cNvGrpSpPr/>
+          <p:nvPr/>
+        </p:nvGrpSpPr>
+        <p:grpSpPr>
+          <a:xfrm>
+            <a:off x="421576" y="3912914"/>
+            <a:ext cx="5783166" cy="1829027"/>
+            <a:chOff x="539552" y="4439759"/>
+            <a:chExt cx="5783166" cy="1829027"/>
+          </a:xfrm>
+        </p:grpSpPr>
+        <p:sp>
+          <p:nvSpPr>
+            <p:cNvPr id="5" name="הסבר מלבני מעוגל 4"/>
+            <p:cNvSpPr/>
+            <p:nvPr/>
+          </p:nvSpPr>
+          <p:spPr>
+            <a:xfrm>
+              <a:off x="4578079" y="4439759"/>
+              <a:ext cx="1713388" cy="501027"/>
+            </a:xfrm>
+            <a:prstGeom prst="wedgeRoundRectCallout">
+              <a:avLst>
+                <a:gd name="adj1" fmla="val 62083"/>
+                <a:gd name="adj2" fmla="val 3328"/>
+                <a:gd name="adj3" fmla="val 16667"/>
+              </a:avLst>
+            </a:prstGeom>
+            <a:blipFill dpi="0" rotWithShape="1">
+              <a:blip r:embed="rId2">
+                <a:extLst>
+                  <a:ext uri="{28A0092B-C50C-407E-A947-70E740481C1C}">
+                    <a14:useLocalDpi xmlns:a14="http://schemas.microsoft.com/office/drawing/2010/main" val="0"/>
+                  </a:ext>
+                </a:extLst>
+              </a:blip>
+              <a:srcRect/>
+              <a:stretch>
+                <a:fillRect/>
+              </a:stretch>
+            </a:blipFill>
+          </p:spPr>
+          <p:style>
+            <a:lnRef idx="2">
+              <a:schemeClr val="accent1">
+                <a:shade val="50000"/>
+              </a:schemeClr>
+            </a:lnRef>
+            <a:fillRef idx="1">
+              <a:schemeClr val="accent1"/>
+            </a:fillRef>
+            <a:effectRef idx="0">
+              <a:schemeClr val="accent1"/>
+            </a:effectRef>
+            <a:fontRef idx="minor">
+              <a:schemeClr val="lt1"/>
+            </a:fontRef>
+          </p:style>
+          <p:txBody>
+            <a:bodyPr rtlCol="0" anchor="ctr"/>
+            <a:lstStyle/>
+            <a:p>
+              <a:pPr algn="ctr"/>
+              <a:endParaRPr lang="en-US" sz="2800" dirty="0"/>
+            </a:p>
+          </p:txBody>
+        </p:sp>
+        <p:grpSp>
+          <p:nvGrpSpPr>
+            <p:cNvPr id="6" name="קבוצה 5"/>
+            <p:cNvGrpSpPr/>
+            <p:nvPr/>
+          </p:nvGrpSpPr>
+          <p:grpSpPr>
+            <a:xfrm>
+              <a:off x="539552" y="4997322"/>
+              <a:ext cx="3319058" cy="644280"/>
+              <a:chOff x="4259673" y="4869160"/>
+              <a:chExt cx="4183174" cy="720080"/>
+            </a:xfrm>
+          </p:grpSpPr>
+          <p:pic>
+            <p:nvPicPr>
+              <p:cNvPr id="12" name="Picture 2"/>
+              <p:cNvPicPr>
+                <a:picLocks noChangeAspect="1" noChangeArrowheads="1"/>
+              </p:cNvPicPr>
+              <p:nvPr/>
+            </p:nvPicPr>
+            <p:blipFill>
+              <a:blip r:embed="rId3">
+                <a:extLst>
+                  <a:ext uri="{28A0092B-C50C-407E-A947-70E740481C1C}">
+                    <a14:useLocalDpi xmlns:a14="http://schemas.microsoft.com/office/drawing/2010/main" val="0"/>
+                  </a:ext>
+                </a:extLst>
+              </a:blip>
+              <a:srcRect/>
+              <a:stretch>
+                <a:fillRect/>
+              </a:stretch>
+            </p:blipFill>
+            <p:spPr bwMode="auto">
+              <a:xfrm>
+                <a:off x="5123789" y="4869160"/>
+                <a:ext cx="2466274" cy="720080"/>
+              </a:xfrm>
+              <a:prstGeom prst="rect">
+                <a:avLst/>
+              </a:prstGeom>
+              <a:noFill/>
+              <a:ln>
+                <a:noFill/>
+              </a:ln>
+              <a:extLst>
+                <a:ext uri="{909E8E84-426E-40DD-AFC4-6F175D3DCCD1}">
+                  <a14:hiddenFill xmlns:a14="http://schemas.microsoft.com/office/drawing/2010/main">
+                    <a:solidFill>
+                      <a:schemeClr val="accent1"/>
+                    </a:solidFill>
+                  </a14:hiddenFill>
+                </a:ext>
+                <a:ext uri="{91240B29-F687-4F45-9708-019B960494DF}">
+                  <a14:hiddenLine xmlns:a14="http://schemas.microsoft.com/office/drawing/2010/main" w="9525">
+                    <a:solidFill>
+                      <a:schemeClr val="tx1"/>
+                    </a:solidFill>
+                    <a:miter lim="800000"/>
+                    <a:headEnd/>
+                    <a:tailEnd/>
+                  </a14:hiddenLine>
+                </a:ext>
+              </a:extLst>
+            </p:spPr>
+          </p:pic>
+          <p:sp>
+            <p:nvSpPr>
+              <p:cNvPr id="13" name="חץ מעוקל שמאלה 12"/>
+              <p:cNvSpPr/>
+              <p:nvPr/>
+            </p:nvSpPr>
+            <p:spPr>
+              <a:xfrm flipH="1" flipV="1">
+                <a:off x="4259673" y="4944959"/>
+                <a:ext cx="648072" cy="568481"/>
+              </a:xfrm>
+              <a:prstGeom prst="curvedLeftArrow">
+                <a:avLst/>
+              </a:prstGeom>
+            </p:spPr>
+            <p:style>
+              <a:lnRef idx="2">
+                <a:schemeClr val="accent1">
+                  <a:shade val="50000"/>
+                </a:schemeClr>
+              </a:lnRef>
+              <a:fillRef idx="1">
+                <a:schemeClr val="accent1"/>
+              </a:fillRef>
+              <a:effectRef idx="0">
+                <a:schemeClr val="accent1"/>
+              </a:effectRef>
+              <a:fontRef idx="minor">
+                <a:schemeClr val="lt1"/>
+              </a:fontRef>
+            </p:style>
+            <p:txBody>
+              <a:bodyPr rtlCol="0" anchor="ctr"/>
+              <a:lstStyle/>
+              <a:p>
+                <a:pPr algn="ctr"/>
+                <a:endParaRPr lang="en-US">
+                  <a:solidFill>
+                    <a:schemeClr val="tx1"/>
+                  </a:solidFill>
+                </a:endParaRPr>
+              </a:p>
+            </p:txBody>
+          </p:sp>
+          <p:sp>
+            <p:nvSpPr>
+              <p:cNvPr id="14" name="חץ מעוקל שמאלה 13"/>
+              <p:cNvSpPr/>
+              <p:nvPr/>
+            </p:nvSpPr>
+            <p:spPr>
+              <a:xfrm flipV="1">
+                <a:off x="7794775" y="4944959"/>
+                <a:ext cx="648072" cy="568481"/>
+              </a:xfrm>
+              <a:prstGeom prst="curvedLeftArrow">
+                <a:avLst/>
+              </a:prstGeom>
+            </p:spPr>
+            <p:style>
+              <a:lnRef idx="2">
+                <a:schemeClr val="accent1">
+                  <a:shade val="50000"/>
+                </a:schemeClr>
+              </a:lnRef>
+              <a:fillRef idx="1">
+                <a:schemeClr val="accent1"/>
+              </a:fillRef>
+              <a:effectRef idx="0">
+                <a:schemeClr val="accent1"/>
+              </a:effectRef>
+              <a:fontRef idx="minor">
+                <a:schemeClr val="lt1"/>
+              </a:fontRef>
+            </p:style>
+            <p:txBody>
+              <a:bodyPr rtlCol="0" anchor="ctr"/>
+              <a:lstStyle/>
+              <a:p>
+                <a:pPr algn="ctr"/>
+                <a:endParaRPr lang="en-US">
+                  <a:solidFill>
+                    <a:schemeClr val="tx1"/>
+                  </a:solidFill>
+                </a:endParaRPr>
+              </a:p>
+            </p:txBody>
+          </p:sp>
+        </p:grpSp>
+        <p:sp>
+          <p:nvSpPr>
+            <p:cNvPr id="7" name="הסבר מלבני מעוגל 6"/>
+            <p:cNvSpPr/>
+            <p:nvPr/>
+          </p:nvSpPr>
+          <p:spPr>
+            <a:xfrm>
+              <a:off x="5004048" y="5191300"/>
+              <a:ext cx="1318670" cy="369582"/>
+            </a:xfrm>
+            <a:prstGeom prst="wedgeRoundRectCallout">
+              <a:avLst>
+                <a:gd name="adj1" fmla="val 62083"/>
+                <a:gd name="adj2" fmla="val 3328"/>
+                <a:gd name="adj3" fmla="val 16667"/>
+              </a:avLst>
+            </a:prstGeom>
+            <a:blipFill dpi="0" rotWithShape="1">
+              <a:blip r:embed="rId2">
+                <a:extLst>
+                  <a:ext uri="{28A0092B-C50C-407E-A947-70E740481C1C}">
+                    <a14:useLocalDpi xmlns:a14="http://schemas.microsoft.com/office/drawing/2010/main" val="0"/>
+                  </a:ext>
+                </a:extLst>
+              </a:blip>
+              <a:srcRect/>
+              <a:stretch>
+                <a:fillRect/>
+              </a:stretch>
+            </a:blipFill>
+          </p:spPr>
+          <p:style>
+            <a:lnRef idx="2">
+              <a:schemeClr val="accent1">
+                <a:shade val="50000"/>
+              </a:schemeClr>
+            </a:lnRef>
+            <a:fillRef idx="1">
+              <a:schemeClr val="accent1"/>
+            </a:fillRef>
+            <a:effectRef idx="0">
+              <a:schemeClr val="accent1"/>
+            </a:effectRef>
+            <a:fontRef idx="minor">
+              <a:schemeClr val="lt1"/>
+            </a:fontRef>
+          </p:style>
+          <p:txBody>
+            <a:bodyPr rtlCol="0" anchor="ctr"/>
+            <a:lstStyle/>
+            <a:p>
+              <a:pPr algn="ctr"/>
+              <a:endParaRPr lang="en-US" sz="2800" dirty="0"/>
+            </a:p>
+          </p:txBody>
+        </p:sp>
+        <p:sp>
+          <p:nvSpPr>
+            <p:cNvPr id="8" name="הסבר מלבני מעוגל 7"/>
+            <p:cNvSpPr/>
+            <p:nvPr/>
+          </p:nvSpPr>
+          <p:spPr>
+            <a:xfrm>
+              <a:off x="4355976" y="5767759"/>
+              <a:ext cx="1962397" cy="501027"/>
+            </a:xfrm>
+            <a:prstGeom prst="wedgeRoundRectCallout">
+              <a:avLst>
+                <a:gd name="adj1" fmla="val 62083"/>
+                <a:gd name="adj2" fmla="val 3328"/>
+                <a:gd name="adj3" fmla="val 16667"/>
+              </a:avLst>
+            </a:prstGeom>
+            <a:blipFill dpi="0" rotWithShape="1">
+              <a:blip r:embed="rId2">
+                <a:extLst>
+                  <a:ext uri="{28A0092B-C50C-407E-A947-70E740481C1C}">
+                    <a14:useLocalDpi xmlns:a14="http://schemas.microsoft.com/office/drawing/2010/main" val="0"/>
+                  </a:ext>
+                </a:extLst>
+              </a:blip>
+              <a:srcRect/>
+              <a:stretch>
+                <a:fillRect/>
+              </a:stretch>
+            </a:blipFill>
+          </p:spPr>
+          <p:style>
+            <a:lnRef idx="2">
+              <a:schemeClr val="accent1">
+                <a:shade val="50000"/>
+              </a:schemeClr>
+            </a:lnRef>
+            <a:fillRef idx="1">
+              <a:schemeClr val="accent1"/>
+            </a:fillRef>
+            <a:effectRef idx="0">
+              <a:schemeClr val="accent1"/>
+            </a:effectRef>
+            <a:fontRef idx="minor">
+              <a:schemeClr val="lt1"/>
+            </a:fontRef>
+          </p:style>
+          <p:txBody>
+            <a:bodyPr rtlCol="0" anchor="ctr"/>
+            <a:lstStyle/>
+            <a:p>
+              <a:pPr algn="ctr"/>
+              <a:endParaRPr lang="en-US" sz="2800" dirty="0"/>
+            </a:p>
+          </p:txBody>
+        </p:sp>
+        <p:cxnSp>
+          <p:nvCxnSpPr>
+            <p:cNvPr id="9" name="מחבר חץ ישר 8"/>
+            <p:cNvCxnSpPr/>
+            <p:nvPr/>
+          </p:nvCxnSpPr>
+          <p:spPr>
+            <a:xfrm flipH="1">
+              <a:off x="3707904" y="4690272"/>
+              <a:ext cx="648072" cy="307050"/>
+            </a:xfrm>
+            <a:prstGeom prst="straightConnector1">
+              <a:avLst/>
+            </a:prstGeom>
+            <a:ln>
+              <a:tailEnd type="arrow"/>
+            </a:ln>
+          </p:spPr>
+          <p:style>
+            <a:lnRef idx="1">
+              <a:schemeClr val="accent1"/>
+            </a:lnRef>
+            <a:fillRef idx="0">
+              <a:schemeClr val="accent1"/>
+            </a:fillRef>
+            <a:effectRef idx="0">
+              <a:schemeClr val="accent1"/>
+            </a:effectRef>
+            <a:fontRef idx="minor">
+              <a:schemeClr val="tx1"/>
+            </a:fontRef>
+          </p:style>
+        </p:cxnSp>
+        <p:cxnSp>
+          <p:nvCxnSpPr>
+            <p:cNvPr id="10" name="מחבר חץ ישר 9"/>
+            <p:cNvCxnSpPr/>
+            <p:nvPr/>
+          </p:nvCxnSpPr>
+          <p:spPr>
+            <a:xfrm flipH="1">
+              <a:off x="4031940" y="5376091"/>
+              <a:ext cx="828092" cy="0"/>
+            </a:xfrm>
+            <a:prstGeom prst="straightConnector1">
+              <a:avLst/>
+            </a:prstGeom>
+            <a:ln>
+              <a:tailEnd type="arrow"/>
+            </a:ln>
+          </p:spPr>
+          <p:style>
+            <a:lnRef idx="1">
+              <a:schemeClr val="accent1"/>
+            </a:lnRef>
+            <a:fillRef idx="0">
+              <a:schemeClr val="accent1"/>
+            </a:fillRef>
+            <a:effectRef idx="0">
+              <a:schemeClr val="accent1"/>
+            </a:effectRef>
+            <a:fontRef idx="minor">
+              <a:schemeClr val="tx1"/>
+            </a:fontRef>
+          </p:style>
+        </p:cxnSp>
+        <p:cxnSp>
+          <p:nvCxnSpPr>
+            <p:cNvPr id="11" name="מחבר חץ ישר 10"/>
+            <p:cNvCxnSpPr/>
+            <p:nvPr/>
+          </p:nvCxnSpPr>
+          <p:spPr>
+            <a:xfrm flipH="1" flipV="1">
+              <a:off x="3707904" y="5641602"/>
+              <a:ext cx="504056" cy="376670"/>
+            </a:xfrm>
+            <a:prstGeom prst="straightConnector1">
+              <a:avLst/>
+            </a:prstGeom>
+            <a:ln>
+              <a:tailEnd type="arrow"/>
+            </a:ln>
+          </p:spPr>
+          <p:style>
+            <a:lnRef idx="1">
+              <a:schemeClr val="accent1"/>
+            </a:lnRef>
+            <a:fillRef idx="0">
+              <a:schemeClr val="accent1"/>
+            </a:fillRef>
+            <a:effectRef idx="0">
+              <a:schemeClr val="accent1"/>
+            </a:effectRef>
+            <a:fontRef idx="minor">
+              <a:schemeClr val="tx1"/>
+            </a:fontRef>
+          </p:style>
+        </p:cxnSp>
+      </p:grpSp>
+      <p:pic>
+        <p:nvPicPr>
+          <p:cNvPr id="2050" name="Picture 2"/>
+          <p:cNvPicPr>
+            <a:picLocks noChangeAspect="1" noChangeArrowheads="1"/>
+          </p:cNvPicPr>
+          <p:nvPr/>
+        </p:nvPicPr>
+        <p:blipFill>
+          <a:blip r:embed="rId4">
+            <a:extLst>
+              <a:ext uri="{28A0092B-C50C-407E-A947-70E740481C1C}">
+                <a14:useLocalDpi xmlns:a14="http://schemas.microsoft.com/office/drawing/2010/main" val="0"/>
+              </a:ext>
+            </a:extLst>
+          </a:blip>
+          <a:srcRect/>
+          <a:stretch>
+            <a:fillRect/>
+          </a:stretch>
+        </p:blipFill>
+        <p:spPr bwMode="auto">
+          <a:xfrm>
+            <a:off x="6588224" y="3068960"/>
+            <a:ext cx="2395350" cy="3199826"/>
+          </a:xfrm>
+          <a:prstGeom prst="rect">
+            <a:avLst/>
+          </a:prstGeom>
+          <a:noFill/>
+          <a:ln>
+            <a:noFill/>
+          </a:ln>
+          <a:extLst>
+            <a:ext uri="{909E8E84-426E-40DD-AFC4-6F175D3DCCD1}">
+              <a14:hiddenFill xmlns:a14="http://schemas.microsoft.com/office/drawing/2010/main">
+                <a:solidFill>
+                  <a:schemeClr val="accent1"/>
+                </a:solidFill>
+              </a14:hiddenFill>
+            </a:ext>
+            <a:ext uri="{91240B29-F687-4F45-9708-019B960494DF}">
+              <a14:hiddenLine xmlns:a14="http://schemas.microsoft.com/office/drawing/2010/main" w="9525">
+                <a:solidFill>
+                  <a:schemeClr val="tx1"/>
+                </a:solidFill>
+                <a:miter lim="800000"/>
+                <a:headEnd/>
+                <a:tailEnd/>
+              </a14:hiddenLine>
+            </a:ext>
+          </a:extLst>
+        </p:spPr>
+      </p:pic>
     </p:spTree>
     <p:extLst>
       <p:ext uri="{BB962C8B-B14F-4D97-AF65-F5344CB8AC3E}">
@@ -24228,7 +25130,377 @@
 </p:sld>
 </file>
 
-<file path=ppt/slides/slide54.xml><?xml version="1.0" encoding="utf-8"?>
+<file path=ppt/slides/slide55.xml><?xml version="1.0" encoding="utf-8"?>
+<p:sld xmlns:a="http://schemas.openxmlformats.org/drawingml/2006/main" xmlns:r="http://schemas.openxmlformats.org/officeDocument/2006/relationships" xmlns:p="http://schemas.openxmlformats.org/presentationml/2006/main">
+  <p:cSld>
+    <p:spTree>
+      <p:nvGrpSpPr>
+        <p:cNvPr id="1" name=""/>
+        <p:cNvGrpSpPr/>
+        <p:nvPr/>
+      </p:nvGrpSpPr>
+      <p:grpSpPr>
+        <a:xfrm>
+          <a:off x="0" y="0"/>
+          <a:ext cx="0" cy="0"/>
+          <a:chOff x="0" y="0"/>
+          <a:chExt cx="0" cy="0"/>
+        </a:xfrm>
+      </p:grpSpPr>
+      <p:sp>
+        <p:nvSpPr>
+          <p:cNvPr id="3" name="מציין מיקום תוכן 2"/>
+          <p:cNvSpPr>
+            <a:spLocks noGrp="1"/>
+          </p:cNvSpPr>
+          <p:nvPr>
+            <p:ph idx="1"/>
+          </p:nvPr>
+        </p:nvSpPr>
+        <p:spPr/>
+        <p:txBody>
+          <a:bodyPr/>
+          <a:lstStyle/>
+          <a:p>
+            <a:pPr marL="457200" indent="-457200">
+              <a:buFont typeface="+mj-lt"/>
+              <a:buAutoNum type="arabicPeriod" startAt="2"/>
+            </a:pPr>
+            <a:r>
+              <a:rPr lang="en-US" b="1" dirty="0" smtClean="0"/>
+              <a:t>Readymade records of the words</a:t>
+            </a:r>
+            <a:r>
+              <a:rPr lang="en-US" dirty="0" smtClean="0"/>
+              <a:t>: Addition of an option for the user to hear every word as it should be pronounced.</a:t>
+            </a:r>
+            <a:br>
+              <a:rPr lang="en-US" dirty="0" smtClean="0"/>
+            </a:br>
+            <a:r>
+              <a:rPr lang="en-US" dirty="0" smtClean="0"/>
+              <a:t>This </a:t>
+            </a:r>
+            <a:r>
+              <a:rPr lang="en-US" dirty="0"/>
+              <a:t>would require a </a:t>
+            </a:r>
+            <a:r>
+              <a:rPr lang="en-US" dirty="0" smtClean="0"/>
+              <a:t>qualitative and uniform data, where all utterances are pronounced clearly, and in the same audio format.</a:t>
+            </a:r>
+            <a:endParaRPr lang="en-US" dirty="0"/>
+          </a:p>
+        </p:txBody>
+      </p:sp>
+      <p:pic>
+        <p:nvPicPr>
+          <p:cNvPr id="3074" name="Picture 2"/>
+          <p:cNvPicPr>
+            <a:picLocks noChangeAspect="1" noChangeArrowheads="1"/>
+          </p:cNvPicPr>
+          <p:nvPr/>
+        </p:nvPicPr>
+        <p:blipFill>
+          <a:blip r:embed="rId3">
+            <a:extLst>
+              <a:ext uri="{28A0092B-C50C-407E-A947-70E740481C1C}">
+                <a14:useLocalDpi xmlns:a14="http://schemas.microsoft.com/office/drawing/2010/main" val="0"/>
+              </a:ext>
+            </a:extLst>
+          </a:blip>
+          <a:srcRect/>
+          <a:stretch>
+            <a:fillRect/>
+          </a:stretch>
+        </p:blipFill>
+        <p:spPr bwMode="auto">
+          <a:xfrm>
+            <a:off x="6322255" y="3861048"/>
+            <a:ext cx="1734336" cy="2598440"/>
+          </a:xfrm>
+          <a:prstGeom prst="rect">
+            <a:avLst/>
+          </a:prstGeom>
+          <a:noFill/>
+          <a:ln>
+            <a:noFill/>
+          </a:ln>
+          <a:extLst>
+            <a:ext uri="{909E8E84-426E-40DD-AFC4-6F175D3DCCD1}">
+              <a14:hiddenFill xmlns:a14="http://schemas.microsoft.com/office/drawing/2010/main">
+                <a:solidFill>
+                  <a:schemeClr val="accent1"/>
+                </a:solidFill>
+              </a14:hiddenFill>
+            </a:ext>
+            <a:ext uri="{91240B29-F687-4F45-9708-019B960494DF}">
+              <a14:hiddenLine xmlns:a14="http://schemas.microsoft.com/office/drawing/2010/main" w="9525">
+                <a:solidFill>
+                  <a:schemeClr val="tx1"/>
+                </a:solidFill>
+                <a:miter lim="800000"/>
+                <a:headEnd/>
+                <a:tailEnd/>
+              </a14:hiddenLine>
+            </a:ext>
+          </a:extLst>
+        </p:spPr>
+      </p:pic>
+      <p:pic>
+        <p:nvPicPr>
+          <p:cNvPr id="3075" name="Picture 3" descr="C:\Users\Install\Documents\לימודים\פרוייקט\להגשה\megaphone.jpeg"/>
+          <p:cNvPicPr>
+            <a:picLocks noChangeAspect="1" noChangeArrowheads="1"/>
+          </p:cNvPicPr>
+          <p:nvPr/>
+        </p:nvPicPr>
+        <p:blipFill>
+          <a:blip r:embed="rId4">
+            <a:extLst>
+              <a:ext uri="{28A0092B-C50C-407E-A947-70E740481C1C}">
+                <a14:useLocalDpi xmlns:a14="http://schemas.microsoft.com/office/drawing/2010/main" val="0"/>
+              </a:ext>
+            </a:extLst>
+          </a:blip>
+          <a:srcRect/>
+          <a:stretch>
+            <a:fillRect/>
+          </a:stretch>
+        </p:blipFill>
+        <p:spPr bwMode="auto">
+          <a:xfrm flipH="1">
+            <a:off x="4355976" y="4488867"/>
+            <a:ext cx="1648524" cy="1342802"/>
+          </a:xfrm>
+          <a:prstGeom prst="rect">
+            <a:avLst/>
+          </a:prstGeom>
+          <a:noFill/>
+          <a:extLst>
+            <a:ext uri="{909E8E84-426E-40DD-AFC4-6F175D3DCCD1}">
+              <a14:hiddenFill xmlns:a14="http://schemas.microsoft.com/office/drawing/2010/main">
+                <a:solidFill>
+                  <a:srgbClr val="FFFFFF"/>
+                </a:solidFill>
+              </a14:hiddenFill>
+            </a:ext>
+          </a:extLst>
+        </p:spPr>
+      </p:pic>
+    </p:spTree>
+    <p:extLst>
+      <p:ext uri="{BB962C8B-B14F-4D97-AF65-F5344CB8AC3E}">
+        <p14:creationId xmlns:p14="http://schemas.microsoft.com/office/powerpoint/2010/main" val="1609257337"/>
+      </p:ext>
+    </p:extLst>
+  </p:cSld>
+  <p:clrMapOvr>
+    <a:masterClrMapping/>
+  </p:clrMapOvr>
+  <mc:AlternateContent xmlns:mc="http://schemas.openxmlformats.org/markup-compatibility/2006" xmlns:p14="http://schemas.microsoft.com/office/powerpoint/2010/main">
+    <mc:Choice Requires="p14">
+      <p:transition spd="med" p14:dur="700">
+        <p:fade/>
+      </p:transition>
+    </mc:Choice>
+    <mc:Fallback xmlns="">
+      <p:transition spd="med">
+        <p:fade/>
+      </p:transition>
+    </mc:Fallback>
+  </mc:AlternateContent>
+</p:sld>
+</file>
+
+<file path=ppt/slides/slide56.xml><?xml version="1.0" encoding="utf-8"?>
+<p:sld xmlns:a="http://schemas.openxmlformats.org/drawingml/2006/main" xmlns:r="http://schemas.openxmlformats.org/officeDocument/2006/relationships" xmlns:p="http://schemas.openxmlformats.org/presentationml/2006/main">
+  <p:cSld>
+    <p:spTree>
+      <p:nvGrpSpPr>
+        <p:cNvPr id="1" name=""/>
+        <p:cNvGrpSpPr/>
+        <p:nvPr/>
+      </p:nvGrpSpPr>
+      <p:grpSpPr>
+        <a:xfrm>
+          <a:off x="0" y="0"/>
+          <a:ext cx="0" cy="0"/>
+          <a:chOff x="0" y="0"/>
+          <a:chExt cx="0" cy="0"/>
+        </a:xfrm>
+      </p:grpSpPr>
+      <p:sp>
+        <p:nvSpPr>
+          <p:cNvPr id="3" name="מציין מיקום תוכן 2"/>
+          <p:cNvSpPr>
+            <a:spLocks noGrp="1"/>
+          </p:cNvSpPr>
+          <p:nvPr>
+            <p:ph idx="1"/>
+          </p:nvPr>
+        </p:nvSpPr>
+        <p:spPr/>
+        <p:txBody>
+          <a:bodyPr/>
+          <a:lstStyle/>
+          <a:p>
+            <a:pPr marL="457200" indent="-457200">
+              <a:buFont typeface="+mj-lt"/>
+              <a:buAutoNum type="arabicPeriod" startAt="3"/>
+            </a:pPr>
+            <a:r>
+              <a:rPr lang="en-US" b="1" dirty="0" smtClean="0"/>
+              <a:t>Personal accounts</a:t>
+            </a:r>
+            <a:r>
+              <a:rPr lang="en-US" dirty="0" smtClean="0"/>
+              <a:t>: A feature in the application that allows multiple users to use it, each having a personal account.</a:t>
+            </a:r>
+            <a:br>
+              <a:rPr lang="en-US" dirty="0" smtClean="0"/>
+            </a:br>
+            <a:endParaRPr lang="en-US" dirty="0" smtClean="0"/>
+          </a:p>
+          <a:p>
+            <a:pPr marL="457200" indent="-457200">
+              <a:buFont typeface="+mj-lt"/>
+              <a:buAutoNum type="arabicPeriod" startAt="3"/>
+            </a:pPr>
+            <a:r>
+              <a:rPr lang="en-US" b="1" dirty="0" smtClean="0"/>
+              <a:t>User </a:t>
+            </a:r>
+            <a:r>
+              <a:rPr lang="en-US" b="1" dirty="0"/>
+              <a:t>speech </a:t>
+            </a:r>
+            <a:r>
+              <a:rPr lang="en-US" b="1" dirty="0" smtClean="0"/>
+              <a:t>recognition</a:t>
+            </a:r>
+            <a:r>
+              <a:rPr lang="en-US" dirty="0" smtClean="0"/>
+              <a:t>: Enhance the previous feature by adding a possibility to recognize a user with speech recognition algorithm, that might be based on the user’s </a:t>
+            </a:r>
+            <a:r>
+              <a:rPr lang="en-US" dirty="0"/>
+              <a:t>specific pronunciation </a:t>
+            </a:r>
+            <a:r>
+              <a:rPr lang="en-US" dirty="0" smtClean="0"/>
+              <a:t>nuances.</a:t>
+            </a:r>
+            <a:endParaRPr lang="en-US" dirty="0"/>
+          </a:p>
+        </p:txBody>
+      </p:sp>
+    </p:spTree>
+    <p:extLst>
+      <p:ext uri="{BB962C8B-B14F-4D97-AF65-F5344CB8AC3E}">
+        <p14:creationId xmlns:p14="http://schemas.microsoft.com/office/powerpoint/2010/main" val="2916593337"/>
+      </p:ext>
+    </p:extLst>
+  </p:cSld>
+  <p:clrMapOvr>
+    <a:masterClrMapping/>
+  </p:clrMapOvr>
+  <mc:AlternateContent xmlns:mc="http://schemas.openxmlformats.org/markup-compatibility/2006" xmlns:p14="http://schemas.microsoft.com/office/powerpoint/2010/main">
+    <mc:Choice Requires="p14">
+      <p:transition spd="med" p14:dur="700">
+        <p:fade/>
+      </p:transition>
+    </mc:Choice>
+    <mc:Fallback xmlns="">
+      <p:transition spd="med">
+        <p:fade/>
+      </p:transition>
+    </mc:Fallback>
+  </mc:AlternateContent>
+</p:sld>
+</file>
+
+<file path=ppt/slides/slide57.xml><?xml version="1.0" encoding="utf-8"?>
+<p:sld xmlns:a="http://schemas.openxmlformats.org/drawingml/2006/main" xmlns:r="http://schemas.openxmlformats.org/officeDocument/2006/relationships" xmlns:p="http://schemas.openxmlformats.org/presentationml/2006/main">
+  <p:cSld>
+    <p:spTree>
+      <p:nvGrpSpPr>
+        <p:cNvPr id="1" name=""/>
+        <p:cNvGrpSpPr/>
+        <p:nvPr/>
+      </p:nvGrpSpPr>
+      <p:grpSpPr>
+        <a:xfrm>
+          <a:off x="0" y="0"/>
+          <a:ext cx="0" cy="0"/>
+          <a:chOff x="0" y="0"/>
+          <a:chExt cx="0" cy="0"/>
+        </a:xfrm>
+      </p:grpSpPr>
+      <p:sp>
+        <p:nvSpPr>
+          <p:cNvPr id="3" name="מציין מיקום תוכן 2"/>
+          <p:cNvSpPr>
+            <a:spLocks noGrp="1"/>
+          </p:cNvSpPr>
+          <p:nvPr>
+            <p:ph idx="1"/>
+          </p:nvPr>
+        </p:nvSpPr>
+        <p:spPr/>
+        <p:txBody>
+          <a:bodyPr/>
+          <a:lstStyle/>
+          <a:p>
+            <a:pPr marL="457200" indent="-457200">
+              <a:buFont typeface="+mj-lt"/>
+              <a:buAutoNum type="arabicPeriod" startAt="5"/>
+            </a:pPr>
+            <a:r>
+              <a:rPr lang="en-US" b="1" dirty="0" smtClean="0"/>
+              <a:t>Scalability</a:t>
+            </a:r>
+            <a:r>
+              <a:rPr lang="en-US" dirty="0" smtClean="0"/>
+              <a:t>: Addition of option for easily replace the phoneme system type.</a:t>
+            </a:r>
+            <a:br>
+              <a:rPr lang="en-US" dirty="0" smtClean="0"/>
+            </a:br>
+            <a:r>
+              <a:rPr lang="en-US" dirty="0" smtClean="0"/>
+              <a:t>This would require a data corpus of words with their phonemes in the new system, and a new phoneme classifier module.</a:t>
+            </a:r>
+            <a:endParaRPr lang="en-US" dirty="0"/>
+          </a:p>
+        </p:txBody>
+      </p:sp>
+    </p:spTree>
+    <p:extLst>
+      <p:ext uri="{BB962C8B-B14F-4D97-AF65-F5344CB8AC3E}">
+        <p14:creationId xmlns:p14="http://schemas.microsoft.com/office/powerpoint/2010/main" val="800749730"/>
+      </p:ext>
+    </p:extLst>
+  </p:cSld>
+  <p:clrMapOvr>
+    <a:masterClrMapping/>
+  </p:clrMapOvr>
+  <mc:AlternateContent xmlns:mc="http://schemas.openxmlformats.org/markup-compatibility/2006" xmlns:p14="http://schemas.microsoft.com/office/powerpoint/2010/main">
+    <mc:Choice Requires="p14">
+      <p:transition spd="med" p14:dur="700">
+        <p:fade/>
+      </p:transition>
+    </mc:Choice>
+    <mc:Fallback xmlns="">
+      <p:transition spd="med">
+        <p:fade/>
+      </p:transition>
+    </mc:Fallback>
+  </mc:AlternateContent>
+</p:sld>
+</file>
+
+<file path=ppt/slides/slide58.xml><?xml version="1.0" encoding="utf-8"?>
 <p:sld xmlns:a="http://schemas.openxmlformats.org/drawingml/2006/main" xmlns:r="http://schemas.openxmlformats.org/officeDocument/2006/relationships" xmlns:p="http://schemas.openxmlformats.org/presentationml/2006/main">
   <p:cSld>
     <p:spTree>
@@ -24369,12 +25641,12 @@
         <p:spPr>
           <a:xfrm>
             <a:off x="395536" y="620688"/>
-            <a:ext cx="8424936" cy="5472608"/>
+            <a:ext cx="8424936" cy="6237312"/>
           </a:xfrm>
         </p:spPr>
         <p:txBody>
           <a:bodyPr>
-            <a:normAutofit lnSpcReduction="10000"/>
+            <a:normAutofit/>
           </a:bodyPr>
           <a:lstStyle/>
           <a:p>
@@ -24383,7 +25655,7 @@
             </a:pPr>
             <a:r>
               <a:rPr lang="en-US" dirty="0" smtClean="0"/>
-              <a:t>The algorithm </a:t>
+              <a:t>New algorithm </a:t>
             </a:r>
             <a:r>
               <a:rPr lang="en-US" dirty="0"/>
@@ -24391,8 +25663,9 @@
             </a:r>
             <a:r>
               <a:rPr lang="en-US" dirty="0" smtClean="0"/>
-              <a:t>in</a:t>
-            </a:r>
+              <a:t>in:</a:t>
+            </a:r>
+            <a:endParaRPr lang="en-US" dirty="0" smtClean="0"/>
           </a:p>
           <a:p>
             <a:pPr marL="0" indent="0" algn="ctr">
@@ -24425,17 +25698,33 @@
               <a:t>Joseph Keshet, Shai Shalev-Shwartz, Yoram Singer and Dan </a:t>
             </a:r>
             <a:r>
+              <a:rPr lang="en-US" i="1" dirty="0" err="1" smtClean="0"/>
+              <a:t>Chazan</a:t>
+            </a:r>
+            <a:r>
               <a:rPr lang="en-US" i="1" dirty="0" smtClean="0"/>
-              <a:t>Chazan</a:t>
-            </a:r>
-          </a:p>
-          <a:p>
-            <a:pPr marL="0" indent="0">
+              <a:t/>
+            </a:r>
+            <a:br>
+              <a:rPr lang="en-US" i="1" dirty="0" smtClean="0"/>
+            </a:br>
+            <a:endParaRPr lang="en-US" i="1" dirty="0" smtClean="0"/>
+          </a:p>
+          <a:p>
+            <a:pPr marL="0" indent="0" algn="ctr">
               <a:buNone/>
             </a:pPr>
             <a:r>
+              <a:rPr lang="en-US" i="1" dirty="0"/>
+              <a:t>A</a:t>
+            </a:r>
+            <a:r>
               <a:rPr lang="en-US" i="1" dirty="0" smtClean="0"/>
-              <a:t>Describes a new non HMM-base phoneme alignment algorithm.</a:t>
+              <a:t> non </a:t>
+            </a:r>
+            <a:r>
+              <a:rPr lang="en-US" i="1" dirty="0" smtClean="0"/>
+              <a:t>HMM-base phoneme alignment algorithm.</a:t>
             </a:r>
           </a:p>
           <a:p>
@@ -24445,12 +25734,13 @@
             <a:endParaRPr lang="en-US" dirty="0"/>
           </a:p>
           <a:p>
-            <a:pPr marL="0" indent="0">
-              <a:buNone/>
-            </a:pPr>
             <a:r>
               <a:rPr lang="en-US" dirty="0" smtClean="0"/>
-              <a:t>In out project we explored this algorithm in order to maximize the measure of performance </a:t>
+              <a:t>We explored it </a:t>
+            </a:r>
+            <a:r>
+              <a:rPr lang="en-US" dirty="0" smtClean="0"/>
+              <a:t>in order to maximize the measure of performance </a:t>
             </a:r>
             <a:r>
               <a:rPr lang="en-US" dirty="0"/>
@@ -24458,14 +25748,25 @@
             </a:r>
             <a:r>
               <a:rPr lang="en-US" dirty="0" smtClean="0"/>
-              <a:t>alignments.</a:t>
+              <a:t>alignments</a:t>
+            </a:r>
+            <a:r>
+              <a:rPr lang="en-US" dirty="0" smtClean="0"/>
+              <a:t>.</a:t>
             </a:r>
             <a:br>
               <a:rPr lang="en-US" dirty="0" smtClean="0"/>
             </a:br>
+            <a:endParaRPr lang="en-US" dirty="0"/>
+          </a:p>
+          <a:p>
             <a:r>
               <a:rPr lang="en-US" dirty="0" smtClean="0"/>
-              <a:t>We changed it to output reliable scores for each spoken phoneme.</a:t>
+              <a:t>We </a:t>
+            </a:r>
+            <a:r>
+              <a:rPr lang="en-US" dirty="0" smtClean="0"/>
+              <a:t>changed it to output reliable scores for each spoken phoneme.</a:t>
             </a:r>
             <a:br>
               <a:rPr lang="en-US" dirty="0" smtClean="0"/>
@@ -24715,16 +26016,24 @@
               <a:t>1. </a:t>
             </a:r>
             <a:r>
+              <a:rPr lang="en-US" dirty="0" smtClean="0"/>
+              <a:t>Application: </a:t>
+            </a:r>
+            <a:r>
               <a:rPr lang="en-US" dirty="0"/>
-              <a:t>In the application we built, a word or </a:t>
+              <a:t>a word </a:t>
             </a:r>
             <a:r>
               <a:rPr lang="en-US" dirty="0" smtClean="0"/>
-              <a:t>a phrase </a:t>
+              <a:t>is </a:t>
             </a:r>
             <a:r>
               <a:rPr lang="en-US" dirty="0"/>
-              <a:t>to be pronounced is chosen by the user from a readymade list, where the canonical phonetic content of this word or phrase is known.</a:t>
+              <a:t>chosen by the user from a readymade </a:t>
+            </a:r>
+            <a:r>
+              <a:rPr lang="en-US" dirty="0" smtClean="0"/>
+              <a:t>list.</a:t>
             </a:r>
             <a:endParaRPr lang="he-IL" dirty="0"/>
           </a:p>
